--- a/m1/final_project/FinalProject.pptx
+++ b/m1/final_project/FinalProject.pptx
@@ -13,7 +13,7 @@
     <p:sldId id="258" r:id="rId7"/>
     <p:sldId id="265" r:id="rId8"/>
     <p:sldId id="259" r:id="rId9"/>
-    <p:sldId id="260" r:id="rId10"/>
+    <p:sldId id="267" r:id="rId10"/>
     <p:sldId id="261" r:id="rId11"/>
     <p:sldId id="262" r:id="rId12"/>
   </p:sldIdLst>
@@ -269,7 +269,7 @@
           <a:p>
             <a:fld id="{9686E81A-2217-4C1E-B4E1-FEDCECE0BAB0}" type="datetimeFigureOut">
               <a:rPr lang="ru-RU" smtClean="0"/>
-              <a:t>11.02.2022</a:t>
+              <a:t>12.02.2022</a:t>
             </a:fld>
             <a:endParaRPr lang="ru-RU"/>
           </a:p>
@@ -467,7 +467,7 @@
           <a:p>
             <a:fld id="{9686E81A-2217-4C1E-B4E1-FEDCECE0BAB0}" type="datetimeFigureOut">
               <a:rPr lang="ru-RU" smtClean="0"/>
-              <a:t>11.02.2022</a:t>
+              <a:t>12.02.2022</a:t>
             </a:fld>
             <a:endParaRPr lang="ru-RU"/>
           </a:p>
@@ -675,7 +675,7 @@
           <a:p>
             <a:fld id="{9686E81A-2217-4C1E-B4E1-FEDCECE0BAB0}" type="datetimeFigureOut">
               <a:rPr lang="ru-RU" smtClean="0"/>
-              <a:t>11.02.2022</a:t>
+              <a:t>12.02.2022</a:t>
             </a:fld>
             <a:endParaRPr lang="ru-RU"/>
           </a:p>
@@ -873,7 +873,7 @@
           <a:p>
             <a:fld id="{9686E81A-2217-4C1E-B4E1-FEDCECE0BAB0}" type="datetimeFigureOut">
               <a:rPr lang="ru-RU" smtClean="0"/>
-              <a:t>11.02.2022</a:t>
+              <a:t>12.02.2022</a:t>
             </a:fld>
             <a:endParaRPr lang="ru-RU"/>
           </a:p>
@@ -1148,7 +1148,7 @@
           <a:p>
             <a:fld id="{9686E81A-2217-4C1E-B4E1-FEDCECE0BAB0}" type="datetimeFigureOut">
               <a:rPr lang="ru-RU" smtClean="0"/>
-              <a:t>11.02.2022</a:t>
+              <a:t>12.02.2022</a:t>
             </a:fld>
             <a:endParaRPr lang="ru-RU"/>
           </a:p>
@@ -1413,7 +1413,7 @@
           <a:p>
             <a:fld id="{9686E81A-2217-4C1E-B4E1-FEDCECE0BAB0}" type="datetimeFigureOut">
               <a:rPr lang="ru-RU" smtClean="0"/>
-              <a:t>11.02.2022</a:t>
+              <a:t>12.02.2022</a:t>
             </a:fld>
             <a:endParaRPr lang="ru-RU"/>
           </a:p>
@@ -1825,7 +1825,7 @@
           <a:p>
             <a:fld id="{9686E81A-2217-4C1E-B4E1-FEDCECE0BAB0}" type="datetimeFigureOut">
               <a:rPr lang="ru-RU" smtClean="0"/>
-              <a:t>11.02.2022</a:t>
+              <a:t>12.02.2022</a:t>
             </a:fld>
             <a:endParaRPr lang="ru-RU"/>
           </a:p>
@@ -1966,7 +1966,7 @@
           <a:p>
             <a:fld id="{9686E81A-2217-4C1E-B4E1-FEDCECE0BAB0}" type="datetimeFigureOut">
               <a:rPr lang="ru-RU" smtClean="0"/>
-              <a:t>11.02.2022</a:t>
+              <a:t>12.02.2022</a:t>
             </a:fld>
             <a:endParaRPr lang="ru-RU"/>
           </a:p>
@@ -2079,7 +2079,7 @@
           <a:p>
             <a:fld id="{9686E81A-2217-4C1E-B4E1-FEDCECE0BAB0}" type="datetimeFigureOut">
               <a:rPr lang="ru-RU" smtClean="0"/>
-              <a:t>11.02.2022</a:t>
+              <a:t>12.02.2022</a:t>
             </a:fld>
             <a:endParaRPr lang="ru-RU"/>
           </a:p>
@@ -2390,7 +2390,7 @@
           <a:p>
             <a:fld id="{9686E81A-2217-4C1E-B4E1-FEDCECE0BAB0}" type="datetimeFigureOut">
               <a:rPr lang="ru-RU" smtClean="0"/>
-              <a:t>11.02.2022</a:t>
+              <a:t>12.02.2022</a:t>
             </a:fld>
             <a:endParaRPr lang="ru-RU"/>
           </a:p>
@@ -2678,7 +2678,7 @@
           <a:p>
             <a:fld id="{9686E81A-2217-4C1E-B4E1-FEDCECE0BAB0}" type="datetimeFigureOut">
               <a:rPr lang="ru-RU" smtClean="0"/>
-              <a:t>11.02.2022</a:t>
+              <a:t>12.02.2022</a:t>
             </a:fld>
             <a:endParaRPr lang="ru-RU"/>
           </a:p>
@@ -2919,7 +2919,7 @@
           <a:p>
             <a:fld id="{9686E81A-2217-4C1E-B4E1-FEDCECE0BAB0}" type="datetimeFigureOut">
               <a:rPr lang="ru-RU" smtClean="0"/>
-              <a:t>11.02.2022</a:t>
+              <a:t>12.02.2022</a:t>
             </a:fld>
             <a:endParaRPr lang="ru-RU"/>
           </a:p>
@@ -3379,16 +3379,6 @@
           </a:bodyPr>
           <a:lstStyle/>
           <a:p>
-            <a:r>
-              <a:rPr lang="en-US" sz="3200" dirty="0">
-                <a:solidFill>
-                  <a:schemeClr val="bg1">
-                    <a:lumMod val="95000"/>
-                  </a:schemeClr>
-                </a:solidFill>
-              </a:rPr>
-              <a:t/>
-            </a:r>
             <a:br>
               <a:rPr lang="en-US" sz="3200" dirty="0">
                 <a:solidFill>
@@ -3408,16 +3398,6 @@
               </a:rPr>
               <a:t>DevOps External Online Course</a:t>
             </a:r>
-            <a:r>
-              <a:rPr lang="en-US" sz="4400" dirty="0">
-                <a:solidFill>
-                  <a:schemeClr val="bg1">
-                    <a:lumMod val="95000"/>
-                  </a:schemeClr>
-                </a:solidFill>
-              </a:rPr>
-              <a:t/>
-            </a:r>
             <a:br>
               <a:rPr lang="en-US" sz="4400" dirty="0">
                 <a:solidFill>
@@ -3427,16 +3407,6 @@
                 </a:solidFill>
               </a:rPr>
             </a:br>
-            <a:r>
-              <a:rPr lang="en-US" sz="4400" dirty="0">
-                <a:solidFill>
-                  <a:schemeClr val="bg1">
-                    <a:lumMod val="95000"/>
-                  </a:schemeClr>
-                </a:solidFill>
-              </a:rPr>
-              <a:t/>
-            </a:r>
             <a:br>
               <a:rPr lang="en-US" sz="4400" dirty="0">
                 <a:solidFill>
@@ -3446,16 +3416,6 @@
                 </a:solidFill>
               </a:rPr>
             </a:br>
-            <a:r>
-              <a:rPr lang="en-US" sz="4400" dirty="0">
-                <a:solidFill>
-                  <a:schemeClr val="bg1">
-                    <a:lumMod val="95000"/>
-                  </a:schemeClr>
-                </a:solidFill>
-              </a:rPr>
-              <a:t/>
-            </a:r>
             <a:br>
               <a:rPr lang="en-US" sz="4400" dirty="0">
                 <a:solidFill>
@@ -3465,16 +3425,6 @@
                 </a:solidFill>
               </a:rPr>
             </a:br>
-            <a:r>
-              <a:rPr lang="ru-RU" sz="3600" dirty="0">
-                <a:solidFill>
-                  <a:schemeClr val="bg1">
-                    <a:lumMod val="95000"/>
-                  </a:schemeClr>
-                </a:solidFill>
-              </a:rPr>
-              <a:t/>
-            </a:r>
             <a:br>
               <a:rPr lang="ru-RU" sz="3600" dirty="0">
                 <a:solidFill>
@@ -3494,16 +3444,6 @@
               </a:rPr>
               <a:t>Final Project Presentation</a:t>
             </a:r>
-            <a:r>
-              <a:rPr lang="ru-RU" sz="4400" dirty="0">
-                <a:solidFill>
-                  <a:schemeClr val="bg1">
-                    <a:lumMod val="95000"/>
-                  </a:schemeClr>
-                </a:solidFill>
-              </a:rPr>
-              <a:t/>
-            </a:r>
             <a:br>
               <a:rPr lang="ru-RU" sz="4400" dirty="0">
                 <a:solidFill>
@@ -3553,16 +3493,6 @@
               </a:rPr>
               <a:t>Pipiline</a:t>
             </a:r>
-            <a:r>
-              <a:rPr lang="en-US" sz="3600" dirty="0">
-                <a:solidFill>
-                  <a:schemeClr val="bg1">
-                    <a:lumMod val="95000"/>
-                  </a:schemeClr>
-                </a:solidFill>
-              </a:rPr>
-              <a:t/>
-            </a:r>
             <a:br>
               <a:rPr lang="en-US" sz="3600" dirty="0">
                 <a:solidFill>
@@ -3582,16 +3512,6 @@
               </a:rPr>
               <a:t>PetClinic</a:t>
             </a:r>
-            <a:r>
-              <a:rPr lang="en-US" sz="4400" dirty="0">
-                <a:solidFill>
-                  <a:schemeClr val="bg1">
-                    <a:lumMod val="95000"/>
-                  </a:schemeClr>
-                </a:solidFill>
-              </a:rPr>
-              <a:t/>
-            </a:r>
             <a:br>
               <a:rPr lang="en-US" sz="4400" dirty="0">
                 <a:solidFill>
@@ -3601,16 +3521,6 @@
                 </a:solidFill>
               </a:rPr>
             </a:br>
-            <a:r>
-              <a:rPr lang="en-US" sz="4400" dirty="0">
-                <a:solidFill>
-                  <a:schemeClr val="bg1">
-                    <a:lumMod val="95000"/>
-                  </a:schemeClr>
-                </a:solidFill>
-              </a:rPr>
-              <a:t/>
-            </a:r>
             <a:br>
               <a:rPr lang="en-US" sz="4400" dirty="0">
                 <a:solidFill>
@@ -3620,16 +3530,6 @@
                 </a:solidFill>
               </a:rPr>
             </a:br>
-            <a:r>
-              <a:rPr lang="en-US" sz="4400" dirty="0">
-                <a:solidFill>
-                  <a:schemeClr val="bg1">
-                    <a:lumMod val="95000"/>
-                  </a:schemeClr>
-                </a:solidFill>
-              </a:rPr>
-              <a:t/>
-            </a:r>
             <a:br>
               <a:rPr lang="en-US" sz="4400" dirty="0">
                 <a:solidFill>
@@ -3639,16 +3539,6 @@
                 </a:solidFill>
               </a:rPr>
             </a:br>
-            <a:r>
-              <a:rPr lang="ru-RU" sz="4400" dirty="0">
-                <a:solidFill>
-                  <a:schemeClr val="bg1">
-                    <a:lumMod val="95000"/>
-                  </a:schemeClr>
-                </a:solidFill>
-              </a:rPr>
-              <a:t/>
-            </a:r>
             <a:br>
               <a:rPr lang="ru-RU" sz="4400" dirty="0">
                 <a:solidFill>
@@ -3668,16 +3558,6 @@
               </a:rPr>
               <a:t>Sinelnik Igor</a:t>
             </a:r>
-            <a:r>
-              <a:rPr lang="en-US" sz="4400" dirty="0">
-                <a:solidFill>
-                  <a:schemeClr val="bg1">
-                    <a:lumMod val="95000"/>
-                  </a:schemeClr>
-                </a:solidFill>
-              </a:rPr>
-              <a:t/>
-            </a:r>
             <a:br>
               <a:rPr lang="en-US" sz="4400" dirty="0">
                 <a:solidFill>
@@ -3687,10 +3567,6 @@
                 </a:solidFill>
               </a:rPr>
             </a:br>
-            <a:r>
-              <a:rPr lang="ru-RU" sz="2000" dirty="0"/>
-              <a:t/>
-            </a:r>
             <a:br>
               <a:rPr lang="ru-RU" sz="2000" dirty="0"/>
             </a:br>
@@ -3771,16 +3647,6 @@
           </a:bodyPr>
           <a:lstStyle/>
           <a:p>
-            <a:r>
-              <a:rPr lang="en-US" sz="3200" dirty="0">
-                <a:solidFill>
-                  <a:schemeClr val="bg1">
-                    <a:lumMod val="95000"/>
-                  </a:schemeClr>
-                </a:solidFill>
-              </a:rPr>
-              <a:t/>
-            </a:r>
             <a:br>
               <a:rPr lang="en-US" sz="3200" dirty="0">
                 <a:solidFill>
@@ -3790,10 +3656,6 @@
                 </a:solidFill>
               </a:rPr>
             </a:br>
-            <a:r>
-              <a:rPr lang="ru-RU" sz="2000" dirty="0"/>
-              <a:t/>
-            </a:r>
             <a:br>
               <a:rPr lang="ru-RU" sz="2000" dirty="0"/>
             </a:br>
@@ -3816,7 +3678,7 @@
         <p:spPr>
           <a:xfrm>
             <a:off x="2765659" y="159992"/>
-            <a:ext cx="6660682" cy="914400"/>
+            <a:ext cx="7519244" cy="363615"/>
           </a:xfrm>
           <a:prstGeom prst="rect">
             <a:avLst/>
@@ -3848,12 +3710,12 @@
           <a:p>
             <a:pPr algn="ctr"/>
             <a:r>
-              <a:rPr lang="en-US" sz="4000" dirty="0" smtClean="0">
+              <a:rPr lang="en-US" sz="3600" dirty="0">
                 <a:latin typeface="+mj-lt"/>
               </a:rPr>
-              <a:t>Publication java app as Service</a:t>
-            </a:r>
-            <a:endParaRPr lang="ru-RU" sz="1200" dirty="0">
+              <a:t>JOB for Publication java app as Service</a:t>
+            </a:r>
+            <a:endParaRPr lang="ru-RU" sz="1100" dirty="0">
               <a:latin typeface="+mj-lt"/>
             </a:endParaRPr>
           </a:p>
@@ -3881,8 +3743,8 @@
         </p:blipFill>
         <p:spPr>
           <a:xfrm>
-            <a:off x="722168" y="2579024"/>
-            <a:ext cx="3848100" cy="2514600"/>
+            <a:off x="369831" y="2440643"/>
+            <a:ext cx="2529874" cy="1653185"/>
           </a:xfrm>
           <a:prstGeom prst="rect">
             <a:avLst/>
@@ -3897,8 +3759,8 @@
         </p:nvSpPr>
         <p:spPr>
           <a:xfrm>
-            <a:off x="722168" y="1546167"/>
-            <a:ext cx="3848099" cy="914400"/>
+            <a:off x="369831" y="1392352"/>
+            <a:ext cx="2524372" cy="914400"/>
           </a:xfrm>
           <a:prstGeom prst="rect">
             <a:avLst/>
@@ -3932,12 +3794,8 @@
           <a:p>
             <a:pPr algn="ctr"/>
             <a:r>
-              <a:rPr lang="en-US" dirty="0" smtClean="0"/>
-              <a:t>Start </a:t>
-            </a:r>
-            <a:r>
               <a:rPr lang="en-US" dirty="0"/>
-              <a:t>job “</a:t>
+              <a:t>Start job “</a:t>
             </a:r>
             <a:r>
               <a:rPr lang="en-US" dirty="0" err="1"/>
@@ -3945,11 +3803,7 @@
             </a:r>
             <a:r>
               <a:rPr lang="en-US" dirty="0"/>
-              <a:t> as service</a:t>
-            </a:r>
-            <a:r>
-              <a:rPr lang="en-US" dirty="0" smtClean="0"/>
-              <a:t>” if previously job ended right!</a:t>
+              <a:t> as service” if previously job ended right!</a:t>
             </a:r>
             <a:endParaRPr lang="ru-RU" dirty="0"/>
           </a:p>
@@ -3963,8 +3817,8 @@
         </p:nvSpPr>
         <p:spPr>
           <a:xfrm>
-            <a:off x="4995948" y="980902"/>
-            <a:ext cx="6641869" cy="5769033"/>
+            <a:off x="2987932" y="805723"/>
+            <a:ext cx="4478270" cy="5717106"/>
           </a:xfrm>
           <a:prstGeom prst="rect">
             <a:avLst/>
@@ -3993,11 +3847,8 @@
           </a:fontRef>
         </p:style>
         <p:txBody>
-          <a:bodyPr rtlCol="0" anchor="ctr"/>
-          <a:lstStyle/>
-          <a:p>
-            <a:endParaRPr lang="en-JM" sz="900" dirty="0"/>
-          </a:p>
+          <a:bodyPr rtlCol="0" anchor="t"/>
+          <a:lstStyle/>
           <a:p>
             <a:r>
               <a:rPr lang="en-JM" sz="900" dirty="0"/>
@@ -4007,30 +3858,14 @@
           <a:p>
             <a:r>
               <a:rPr lang="en-JM" sz="900" dirty="0"/>
-              <a:t>#!/bin/</a:t>
-            </a:r>
-            <a:r>
-              <a:rPr lang="en-JM" sz="900" dirty="0" err="1"/>
-              <a:t>sh</a:t>
-            </a:r>
-            <a:endParaRPr lang="en-JM" sz="900" dirty="0"/>
+              <a:t>#!/bin/sh</a:t>
+            </a:r>
           </a:p>
           <a:p>
             <a:r>
               <a:rPr lang="en-JM" sz="900" dirty="0"/>
-              <a:t>java -jar /home/</a:t>
-            </a:r>
-            <a:r>
-              <a:rPr lang="en-JM" sz="900" dirty="0" err="1"/>
-              <a:t>ubuntu</a:t>
-            </a:r>
-            <a:r>
-              <a:rPr lang="en-JM" sz="900" dirty="0"/>
-              <a:t>/*.jar</a:t>
-            </a:r>
-          </a:p>
-          <a:p>
-            <a:endParaRPr lang="en-JM" sz="900" dirty="0"/>
+              <a:t>java -jar /home/ubuntu/*.jar</a:t>
+            </a:r>
           </a:p>
           <a:p>
             <a:r>
@@ -4122,9 +3957,6 @@
             <a:endParaRPr lang="en-JM" sz="900" dirty="0"/>
           </a:p>
           <a:p>
-            <a:endParaRPr lang="en-JM" sz="900" dirty="0"/>
-          </a:p>
-          <a:p>
             <a:r>
               <a:rPr lang="en-JM" sz="900" dirty="0"/>
               <a:t>EOF</a:t>
@@ -4134,6 +3966,12 @@
             <a:endParaRPr lang="en-JM" sz="900" dirty="0"/>
           </a:p>
           <a:p>
+            <a:endParaRPr lang="en-JM" sz="900" dirty="0"/>
+          </a:p>
+          <a:p>
+            <a:endParaRPr lang="en-JM" sz="900" dirty="0"/>
+          </a:p>
+          <a:p>
             <a:r>
               <a:rPr lang="en-JM" sz="900" dirty="0"/>
               <a:t>cat &gt; petclinicservice.sh &lt;&lt;EOF</a:t>
@@ -4228,15 +4066,7 @@
             </a:r>
             <a:r>
               <a:rPr lang="en-JM" sz="900" dirty="0"/>
-              <a:t> /</a:t>
-            </a:r>
-            <a:r>
-              <a:rPr lang="en-JM" sz="900" dirty="0" err="1"/>
-              <a:t>etc</a:t>
-            </a:r>
-            <a:r>
-              <a:rPr lang="en-JM" sz="900" dirty="0"/>
-              <a:t>/</a:t>
+              <a:t> /etc/</a:t>
             </a:r>
             <a:r>
               <a:rPr lang="en-JM" sz="900" dirty="0" err="1"/>
@@ -4344,118 +4174,615 @@
             <a:endParaRPr lang="en-JM" sz="900" dirty="0"/>
           </a:p>
           <a:p>
-            <a:endParaRPr lang="en-JM" sz="900" dirty="0"/>
-          </a:p>
-          <a:p>
             <a:r>
               <a:rPr lang="en-JM" sz="900" dirty="0"/>
               <a:t>EOF</a:t>
             </a:r>
           </a:p>
           <a:p>
+            <a:r>
+              <a:rPr lang="en-US" sz="900" dirty="0" err="1"/>
+              <a:t>chmod</a:t>
+            </a:r>
+            <a:r>
+              <a:rPr lang="en-US" sz="900" dirty="0"/>
+              <a:t> </a:t>
+            </a:r>
+            <a:r>
+              <a:rPr lang="en-US" sz="900" dirty="0" err="1"/>
+              <a:t>a+x</a:t>
+            </a:r>
+            <a:r>
+              <a:rPr lang="en-US" sz="900" dirty="0"/>
+              <a:t> petclinicservice.sh</a:t>
+            </a:r>
             <a:endParaRPr lang="en-JM" sz="900" dirty="0"/>
           </a:p>
-          <a:p>
-            <a:r>
-              <a:rPr lang="en-JM" sz="900" dirty="0" err="1"/>
-              <a:t>chmod</a:t>
-            </a:r>
-            <a:r>
-              <a:rPr lang="en-JM" sz="900" dirty="0"/>
+        </p:txBody>
+      </p:sp>
+      <p:sp>
+        <p:nvSpPr>
+          <p:cNvPr id="7" name="Прямоугольник 6">
+            <a:extLst>
+              <a:ext uri="{FF2B5EF4-FFF2-40B4-BE49-F238E27FC236}">
+                <a16:creationId xmlns:a16="http://schemas.microsoft.com/office/drawing/2014/main" id="{D61F4FD6-3479-446C-B1BB-365D13088C1E}"/>
+              </a:ext>
+            </a:extLst>
+          </p:cNvPr>
+          <p:cNvSpPr/>
+          <p:nvPr/>
+        </p:nvSpPr>
+        <p:spPr>
+          <a:xfrm>
+            <a:off x="192947" y="631672"/>
+            <a:ext cx="11806106" cy="6118263"/>
+          </a:xfrm>
+          <a:prstGeom prst="rect">
+            <a:avLst/>
+          </a:prstGeom>
+          <a:noFill/>
+          <a:ln>
+            <a:solidFill>
+              <a:srgbClr val="F39803"/>
+            </a:solidFill>
+          </a:ln>
+        </p:spPr>
+        <p:style>
+          <a:lnRef idx="2">
+            <a:schemeClr val="accent1">
+              <a:shade val="50000"/>
+            </a:schemeClr>
+          </a:lnRef>
+          <a:fillRef idx="1">
+            <a:schemeClr val="accent1"/>
+          </a:fillRef>
+          <a:effectRef idx="0">
+            <a:schemeClr val="accent1"/>
+          </a:effectRef>
+          <a:fontRef idx="minor">
+            <a:schemeClr val="lt1"/>
+          </a:fontRef>
+        </p:style>
+        <p:txBody>
+          <a:bodyPr rtlCol="0" anchor="ctr"/>
+          <a:lstStyle/>
+          <a:p>
+            <a:pPr algn="ctr"/>
+            <a:endParaRPr lang="ru-RU"/>
+          </a:p>
+        </p:txBody>
+      </p:sp>
+      <p:pic>
+        <p:nvPicPr>
+          <p:cNvPr id="8" name="Рисунок 7">
+            <a:extLst>
+              <a:ext uri="{FF2B5EF4-FFF2-40B4-BE49-F238E27FC236}">
+                <a16:creationId xmlns:a16="http://schemas.microsoft.com/office/drawing/2014/main" id="{5B50A419-CC7F-417E-ACCA-3E364B12DA03}"/>
+              </a:ext>
+            </a:extLst>
+          </p:cNvPr>
+          <p:cNvPicPr>
+            <a:picLocks noChangeAspect="1"/>
+          </p:cNvPicPr>
+          <p:nvPr/>
+        </p:nvPicPr>
+        <p:blipFill>
+          <a:blip r:embed="rId3" cstate="hqprint">
+            <a:extLst>
+              <a:ext uri="{28A0092B-C50C-407E-A947-70E740481C1C}">
+                <a14:useLocalDpi xmlns:a14="http://schemas.microsoft.com/office/drawing/2010/main" val="0"/>
+              </a:ext>
+            </a:extLst>
+          </a:blip>
+          <a:stretch>
+            <a:fillRect/>
+          </a:stretch>
+        </p:blipFill>
+        <p:spPr>
+          <a:xfrm>
+            <a:off x="622149" y="631672"/>
+            <a:ext cx="760680" cy="760680"/>
+          </a:xfrm>
+          <a:prstGeom prst="rect">
+            <a:avLst/>
+          </a:prstGeom>
+        </p:spPr>
+      </p:pic>
+      <p:sp>
+        <p:nvSpPr>
+          <p:cNvPr id="9" name="Прямоугольник 8">
+            <a:extLst>
+              <a:ext uri="{FF2B5EF4-FFF2-40B4-BE49-F238E27FC236}">
+                <a16:creationId xmlns:a16="http://schemas.microsoft.com/office/drawing/2014/main" id="{D54D8C2C-0F50-468B-AE8A-9CCB92A9F2B3}"/>
+              </a:ext>
+            </a:extLst>
+          </p:cNvPr>
+          <p:cNvSpPr/>
+          <p:nvPr/>
+        </p:nvSpPr>
+        <p:spPr>
+          <a:xfrm>
+            <a:off x="292880" y="645952"/>
+            <a:ext cx="2179899" cy="746400"/>
+          </a:xfrm>
+          <a:prstGeom prst="rect">
+            <a:avLst/>
+          </a:prstGeom>
+          <a:noFill/>
+          <a:ln>
+            <a:noFill/>
+          </a:ln>
+        </p:spPr>
+        <p:style>
+          <a:lnRef idx="2">
+            <a:schemeClr val="accent1">
+              <a:shade val="50000"/>
+            </a:schemeClr>
+          </a:lnRef>
+          <a:fillRef idx="1">
+            <a:schemeClr val="accent1"/>
+          </a:fillRef>
+          <a:effectRef idx="0">
+            <a:schemeClr val="accent1"/>
+          </a:effectRef>
+          <a:fontRef idx="minor">
+            <a:schemeClr val="lt1"/>
+          </a:fontRef>
+        </p:style>
+        <p:txBody>
+          <a:bodyPr rtlCol="0" anchor="ctr"/>
+          <a:lstStyle/>
+          <a:p>
+            <a:pPr algn="ctr"/>
+            <a:r>
+              <a:rPr lang="en-US" dirty="0"/>
+              <a:t>                Node</a:t>
+            </a:r>
+            <a:endParaRPr lang="ru-RU" dirty="0"/>
+          </a:p>
+        </p:txBody>
+      </p:sp>
+      <p:sp>
+        <p:nvSpPr>
+          <p:cNvPr id="10" name="Прямоугольник 9">
+            <a:extLst>
+              <a:ext uri="{FF2B5EF4-FFF2-40B4-BE49-F238E27FC236}">
+                <a16:creationId xmlns:a16="http://schemas.microsoft.com/office/drawing/2014/main" id="{E02D5E36-BC8B-48E2-9E5E-D6EF7C7B38F8}"/>
+              </a:ext>
+            </a:extLst>
+          </p:cNvPr>
+          <p:cNvSpPr/>
+          <p:nvPr/>
+        </p:nvSpPr>
+        <p:spPr>
+          <a:xfrm>
+            <a:off x="4588778" y="926543"/>
+            <a:ext cx="2014810" cy="465809"/>
+          </a:xfrm>
+          <a:prstGeom prst="rect">
+            <a:avLst/>
+          </a:prstGeom>
+          <a:noFill/>
+          <a:ln>
+            <a:solidFill>
+              <a:srgbClr val="F39803"/>
+            </a:solidFill>
+          </a:ln>
+        </p:spPr>
+        <p:style>
+          <a:lnRef idx="2">
+            <a:schemeClr val="accent1">
+              <a:shade val="50000"/>
+            </a:schemeClr>
+          </a:lnRef>
+          <a:fillRef idx="1">
+            <a:schemeClr val="accent1"/>
+          </a:fillRef>
+          <a:effectRef idx="0">
+            <a:schemeClr val="accent1"/>
+          </a:effectRef>
+          <a:fontRef idx="minor">
+            <a:schemeClr val="lt1"/>
+          </a:fontRef>
+        </p:style>
+        <p:txBody>
+          <a:bodyPr rtlCol="0" anchor="ctr"/>
+          <a:lstStyle/>
+          <a:p>
+            <a:pPr algn="ctr"/>
+            <a:r>
+              <a:rPr lang="en-US" sz="1400" dirty="0"/>
+              <a:t>Script for run Java APP</a:t>
+            </a:r>
+            <a:endParaRPr lang="ru-RU" sz="1400" dirty="0"/>
+          </a:p>
+        </p:txBody>
+      </p:sp>
+      <p:sp>
+        <p:nvSpPr>
+          <p:cNvPr id="11" name="Прямоугольник 10">
+            <a:extLst>
+              <a:ext uri="{FF2B5EF4-FFF2-40B4-BE49-F238E27FC236}">
+                <a16:creationId xmlns:a16="http://schemas.microsoft.com/office/drawing/2014/main" id="{4908E76C-DD9B-4EC9-8F15-9058ACE2C93A}"/>
+              </a:ext>
+            </a:extLst>
+          </p:cNvPr>
+          <p:cNvSpPr/>
+          <p:nvPr/>
+        </p:nvSpPr>
+        <p:spPr>
+          <a:xfrm>
+            <a:off x="5045252" y="1791119"/>
+            <a:ext cx="2014810" cy="1136639"/>
+          </a:xfrm>
+          <a:prstGeom prst="rect">
+            <a:avLst/>
+          </a:prstGeom>
+          <a:noFill/>
+          <a:ln>
+            <a:solidFill>
+              <a:srgbClr val="F39803"/>
+            </a:solidFill>
+          </a:ln>
+        </p:spPr>
+        <p:style>
+          <a:lnRef idx="2">
+            <a:schemeClr val="accent1">
+              <a:shade val="50000"/>
+            </a:schemeClr>
+          </a:lnRef>
+          <a:fillRef idx="1">
+            <a:schemeClr val="accent1"/>
+          </a:fillRef>
+          <a:effectRef idx="0">
+            <a:schemeClr val="accent1"/>
+          </a:effectRef>
+          <a:fontRef idx="minor">
+            <a:schemeClr val="lt1"/>
+          </a:fontRef>
+        </p:style>
+        <p:txBody>
+          <a:bodyPr rtlCol="0" anchor="ctr"/>
+          <a:lstStyle/>
+          <a:p>
+            <a:pPr algn="ctr"/>
+            <a:r>
+              <a:rPr lang="en-US" sz="1400" dirty="0"/>
+              <a:t>File of service which run prev. script</a:t>
+            </a:r>
+            <a:endParaRPr lang="ru-RU" sz="1400" dirty="0"/>
+          </a:p>
+        </p:txBody>
+      </p:sp>
+      <p:sp>
+        <p:nvSpPr>
+          <p:cNvPr id="12" name="Прямоугольник 11">
+            <a:extLst>
+              <a:ext uri="{FF2B5EF4-FFF2-40B4-BE49-F238E27FC236}">
+                <a16:creationId xmlns:a16="http://schemas.microsoft.com/office/drawing/2014/main" id="{AA88A3E1-CC68-4417-851B-FB00CA99FBE0}"/>
+              </a:ext>
+            </a:extLst>
+          </p:cNvPr>
+          <p:cNvSpPr/>
+          <p:nvPr/>
+        </p:nvSpPr>
+        <p:spPr>
+          <a:xfrm>
+            <a:off x="5298319" y="3267235"/>
+            <a:ext cx="2014810" cy="2034607"/>
+          </a:xfrm>
+          <a:prstGeom prst="rect">
+            <a:avLst/>
+          </a:prstGeom>
+          <a:noFill/>
+          <a:ln>
+            <a:solidFill>
+              <a:srgbClr val="F39803"/>
+            </a:solidFill>
+          </a:ln>
+        </p:spPr>
+        <p:style>
+          <a:lnRef idx="2">
+            <a:schemeClr val="accent1">
+              <a:shade val="50000"/>
+            </a:schemeClr>
+          </a:lnRef>
+          <a:fillRef idx="1">
+            <a:schemeClr val="accent1"/>
+          </a:fillRef>
+          <a:effectRef idx="0">
+            <a:schemeClr val="accent1"/>
+          </a:effectRef>
+          <a:fontRef idx="minor">
+            <a:schemeClr val="lt1"/>
+          </a:fontRef>
+        </p:style>
+        <p:txBody>
+          <a:bodyPr rtlCol="0" anchor="ctr"/>
+          <a:lstStyle/>
+          <a:p>
+            <a:pPr algn="ctr"/>
+            <a:r>
+              <a:rPr lang="en-US" sz="1400" dirty="0"/>
+              <a:t>Script which manage </a:t>
+            </a:r>
+            <a:r>
+              <a:rPr lang="en-JM" sz="1400" dirty="0" err="1"/>
+              <a:t>petclinic.service</a:t>
+            </a:r>
+            <a:r>
+              <a:rPr lang="en-US" sz="1400" dirty="0"/>
               <a:t> </a:t>
             </a:r>
-            <a:r>
-              <a:rPr lang="en-JM" sz="900" dirty="0" err="1"/>
-              <a:t>a+x</a:t>
-            </a:r>
-            <a:r>
-              <a:rPr lang="en-JM" sz="900" dirty="0"/>
-              <a:t> petclinicservice.sh</a:t>
-            </a:r>
-          </a:p>
-          <a:p>
-            <a:endParaRPr lang="en-JM" sz="900" dirty="0"/>
-          </a:p>
-          <a:p>
-            <a:r>
-              <a:rPr lang="en-JM" sz="900" dirty="0"/>
-              <a:t># copy new file to web server</a:t>
-            </a:r>
-          </a:p>
-          <a:p>
-            <a:r>
-              <a:rPr lang="en-JM" sz="900" dirty="0" err="1"/>
+            <a:endParaRPr lang="ru-RU" sz="1400" dirty="0"/>
+          </a:p>
+        </p:txBody>
+      </p:sp>
+      <p:sp>
+        <p:nvSpPr>
+          <p:cNvPr id="13" name="Прямоугольник 12">
+            <a:extLst>
+              <a:ext uri="{FF2B5EF4-FFF2-40B4-BE49-F238E27FC236}">
+                <a16:creationId xmlns:a16="http://schemas.microsoft.com/office/drawing/2014/main" id="{53F6E462-90E9-41C0-A61C-2EA524DD73AF}"/>
+              </a:ext>
+            </a:extLst>
+          </p:cNvPr>
+          <p:cNvSpPr/>
+          <p:nvPr/>
+        </p:nvSpPr>
+        <p:spPr>
+          <a:xfrm>
+            <a:off x="7843706" y="788565"/>
+            <a:ext cx="3865254" cy="5712903"/>
+          </a:xfrm>
+          <a:prstGeom prst="rect">
+            <a:avLst/>
+          </a:prstGeom>
+          <a:noFill/>
+          <a:ln>
+            <a:solidFill>
+              <a:srgbClr val="F39803"/>
+            </a:solidFill>
+          </a:ln>
+        </p:spPr>
+        <p:style>
+          <a:lnRef idx="2">
+            <a:schemeClr val="accent1">
+              <a:shade val="50000"/>
+            </a:schemeClr>
+          </a:lnRef>
+          <a:fillRef idx="1">
+            <a:schemeClr val="accent1"/>
+          </a:fillRef>
+          <a:effectRef idx="0">
+            <a:schemeClr val="accent1"/>
+          </a:effectRef>
+          <a:fontRef idx="minor">
+            <a:schemeClr val="lt1"/>
+          </a:fontRef>
+        </p:style>
+        <p:txBody>
+          <a:bodyPr rtlCol="0" anchor="ctr"/>
+          <a:lstStyle/>
+          <a:p>
+            <a:r>
+              <a:rPr lang="en-US" sz="1200" dirty="0"/>
+              <a:t>export WEB2IP=$(cat ~/workspace/FromGit_EC2_PetClinic/m1/</a:t>
+            </a:r>
+            <a:r>
+              <a:rPr lang="en-US" sz="1200" dirty="0" err="1"/>
+              <a:t>final_project</a:t>
+            </a:r>
+            <a:r>
+              <a:rPr lang="en-US" sz="1200" dirty="0"/>
+              <a:t>/</a:t>
+            </a:r>
+            <a:r>
+              <a:rPr lang="en-US" sz="1200" dirty="0" err="1"/>
+              <a:t>terraform_jenkins</a:t>
+            </a:r>
+            <a:r>
+              <a:rPr lang="en-US" sz="1200" dirty="0"/>
+              <a:t>/WEB_2_publick_ip.txt)</a:t>
+            </a:r>
+          </a:p>
+          <a:p>
+            <a:r>
+              <a:rPr lang="en-US" sz="1200" dirty="0"/>
+              <a:t>echo $WEB2IP</a:t>
+            </a:r>
+          </a:p>
+          <a:p>
+            <a:endParaRPr lang="en-US" sz="1200" dirty="0"/>
+          </a:p>
+          <a:p>
+            <a:endParaRPr lang="en-US" sz="1200" dirty="0"/>
+          </a:p>
+          <a:p>
+            <a:endParaRPr lang="en-US" sz="1200" dirty="0"/>
+          </a:p>
+          <a:p>
+            <a:endParaRPr lang="en-US" sz="1200" dirty="0"/>
+          </a:p>
+          <a:p>
+            <a:endParaRPr lang="en-US" sz="1200" dirty="0"/>
+          </a:p>
+          <a:p>
+            <a:endParaRPr lang="en-US" sz="1200" dirty="0"/>
+          </a:p>
+          <a:p>
+            <a:r>
+              <a:rPr lang="en-US" sz="1200" dirty="0" err="1"/>
               <a:t>scp</a:t>
             </a:r>
             <a:r>
-              <a:rPr lang="en-JM" sz="900" dirty="0"/>
+              <a:rPr lang="en-US" sz="1200" dirty="0"/>
               <a:t> -o </a:t>
             </a:r>
             <a:r>
-              <a:rPr lang="en-JM" sz="900" dirty="0" err="1"/>
+              <a:rPr lang="en-US" sz="1200" dirty="0" err="1"/>
               <a:t>StrictHostKeyChecking</a:t>
             </a:r>
             <a:r>
-              <a:rPr lang="en-JM" sz="900" dirty="0"/>
-              <a:t>=no ./petclinic.* ubuntu@172.31.22.175:/home/</a:t>
-            </a:r>
-            <a:r>
-              <a:rPr lang="en-JM" sz="900" dirty="0" err="1"/>
-              <a:t>ubuntu</a:t>
-            </a:r>
-            <a:r>
-              <a:rPr lang="en-JM" sz="900" dirty="0"/>
-              <a:t>/</a:t>
-            </a:r>
-          </a:p>
-          <a:p>
-            <a:r>
-              <a:rPr lang="en-JM" sz="900" dirty="0" err="1"/>
+              <a:rPr lang="en-US" sz="1200" dirty="0"/>
+              <a:t>=no ./petclinic.* ubuntu@$WEB2IP:/home/ubuntu/</a:t>
+            </a:r>
+          </a:p>
+          <a:p>
+            <a:r>
+              <a:rPr lang="en-US" sz="1200" dirty="0" err="1"/>
               <a:t>scp</a:t>
             </a:r>
             <a:r>
-              <a:rPr lang="en-JM" sz="900" dirty="0"/>
+              <a:rPr lang="en-US" sz="1200" dirty="0"/>
               <a:t> -o </a:t>
             </a:r>
             <a:r>
-              <a:rPr lang="en-JM" sz="900" dirty="0" err="1"/>
+              <a:rPr lang="en-US" sz="1200" dirty="0" err="1"/>
               <a:t>StrictHostKeyChecking</a:t>
             </a:r>
             <a:r>
-              <a:rPr lang="en-JM" sz="900" dirty="0"/>
-              <a:t>=no petclinicservice.sh ubuntu@172.31.22.175:/home/</a:t>
-            </a:r>
-            <a:r>
-              <a:rPr lang="en-JM" sz="900" dirty="0" err="1"/>
-              <a:t>ubuntu</a:t>
-            </a:r>
-            <a:r>
-              <a:rPr lang="en-JM" sz="900" dirty="0"/>
-              <a:t>/</a:t>
-            </a:r>
-          </a:p>
-          <a:p>
-            <a:r>
-              <a:rPr lang="en-JM" sz="900" dirty="0" err="1"/>
+              <a:rPr lang="en-US" sz="1200" dirty="0"/>
+              <a:t>=no petclinicservice.sh ubuntu@$WEB2IP:/home/ubuntu/</a:t>
+            </a:r>
+          </a:p>
+          <a:p>
+            <a:r>
+              <a:rPr lang="en-US" sz="1200" dirty="0" err="1"/>
               <a:t>ssh</a:t>
             </a:r>
             <a:r>
-              <a:rPr lang="en-JM" sz="900" dirty="0"/>
+              <a:rPr lang="en-US" sz="1200" dirty="0"/>
               <a:t> -o </a:t>
             </a:r>
             <a:r>
-              <a:rPr lang="en-JM" sz="900" dirty="0" err="1"/>
+              <a:rPr lang="en-US" sz="1200" dirty="0" err="1"/>
               <a:t>StrictHostKeyChecking</a:t>
             </a:r>
             <a:r>
-              <a:rPr lang="en-JM" sz="900" dirty="0"/>
-              <a:t>=no ubuntu@172.31.22.175 ./</a:t>
-            </a:r>
-            <a:r>
-              <a:rPr lang="en-JM" sz="900" dirty="0" smtClean="0"/>
-              <a:t>petclinicservice.sh</a:t>
-            </a:r>
-            <a:endParaRPr lang="en-JM" sz="900" dirty="0"/>
+              <a:rPr lang="en-US" sz="1200" dirty="0"/>
+              <a:t>=no ubuntu@$WEB2IP ./petclinicservice.sh</a:t>
+            </a:r>
+            <a:endParaRPr lang="ru-RU" sz="1200" dirty="0"/>
+          </a:p>
+        </p:txBody>
+      </p:sp>
+      <p:sp>
+        <p:nvSpPr>
+          <p:cNvPr id="14" name="Прямоугольник 13">
+            <a:extLst>
+              <a:ext uri="{FF2B5EF4-FFF2-40B4-BE49-F238E27FC236}">
+                <a16:creationId xmlns:a16="http://schemas.microsoft.com/office/drawing/2014/main" id="{9C891584-1799-4141-83B8-8C64FBE36D79}"/>
+              </a:ext>
+            </a:extLst>
+          </p:cNvPr>
+          <p:cNvSpPr/>
+          <p:nvPr/>
+        </p:nvSpPr>
+        <p:spPr>
+          <a:xfrm>
+            <a:off x="8012163" y="1616473"/>
+            <a:ext cx="3528340" cy="466157"/>
+          </a:xfrm>
+          <a:prstGeom prst="rect">
+            <a:avLst/>
+          </a:prstGeom>
+          <a:noFill/>
+          <a:ln>
+            <a:solidFill>
+              <a:srgbClr val="F39803"/>
+            </a:solidFill>
+          </a:ln>
+        </p:spPr>
+        <p:style>
+          <a:lnRef idx="2">
+            <a:schemeClr val="accent1">
+              <a:shade val="50000"/>
+            </a:schemeClr>
+          </a:lnRef>
+          <a:fillRef idx="1">
+            <a:schemeClr val="accent1"/>
+          </a:fillRef>
+          <a:effectRef idx="0">
+            <a:schemeClr val="accent1"/>
+          </a:effectRef>
+          <a:fontRef idx="minor">
+            <a:schemeClr val="lt1"/>
+          </a:fontRef>
+        </p:style>
+        <p:txBody>
+          <a:bodyPr rtlCol="0" anchor="ctr"/>
+          <a:lstStyle/>
+          <a:p>
+            <a:pPr algn="ctr"/>
+            <a:r>
+              <a:rPr lang="en-US" sz="1400" dirty="0"/>
+              <a:t>Create variable with WEB server address</a:t>
+            </a:r>
+            <a:endParaRPr lang="ru-RU" sz="1400" dirty="0"/>
+          </a:p>
+        </p:txBody>
+      </p:sp>
+      <p:sp>
+        <p:nvSpPr>
+          <p:cNvPr id="15" name="Прямоугольник 14">
+            <a:extLst>
+              <a:ext uri="{FF2B5EF4-FFF2-40B4-BE49-F238E27FC236}">
+                <a16:creationId xmlns:a16="http://schemas.microsoft.com/office/drawing/2014/main" id="{38BA27B8-871A-4094-ADA0-7D4C71EE4991}"/>
+              </a:ext>
+            </a:extLst>
+          </p:cNvPr>
+          <p:cNvSpPr/>
+          <p:nvPr/>
+        </p:nvSpPr>
+        <p:spPr>
+          <a:xfrm>
+            <a:off x="8012163" y="3363986"/>
+            <a:ext cx="3528340" cy="559896"/>
+          </a:xfrm>
+          <a:prstGeom prst="rect">
+            <a:avLst/>
+          </a:prstGeom>
+          <a:noFill/>
+          <a:ln>
+            <a:solidFill>
+              <a:srgbClr val="F39803"/>
+            </a:solidFill>
+          </a:ln>
+        </p:spPr>
+        <p:style>
+          <a:lnRef idx="2">
+            <a:schemeClr val="accent1">
+              <a:shade val="50000"/>
+            </a:schemeClr>
+          </a:lnRef>
+          <a:fillRef idx="1">
+            <a:schemeClr val="accent1"/>
+          </a:fillRef>
+          <a:effectRef idx="0">
+            <a:schemeClr val="accent1"/>
+          </a:effectRef>
+          <a:fontRef idx="minor">
+            <a:schemeClr val="lt1"/>
+          </a:fontRef>
+        </p:style>
+        <p:txBody>
+          <a:bodyPr rtlCol="0" anchor="ctr"/>
+          <a:lstStyle/>
+          <a:p>
+            <a:pPr algn="ctr"/>
+            <a:r>
+              <a:rPr lang="en-US" sz="1400" dirty="0"/>
+              <a:t>Copy scripts and </a:t>
+            </a:r>
+            <a:r>
+              <a:rPr lang="en-JM" sz="1400" dirty="0" err="1"/>
+              <a:t>petclinic.service</a:t>
+            </a:r>
+            <a:r>
+              <a:rPr lang="en-US" sz="1400" dirty="0"/>
+              <a:t>  to web server</a:t>
+            </a:r>
           </a:p>
         </p:txBody>
       </p:sp>
@@ -4532,16 +4859,6 @@
           </a:bodyPr>
           <a:lstStyle/>
           <a:p>
-            <a:r>
-              <a:rPr lang="en-US" sz="3200" dirty="0">
-                <a:solidFill>
-                  <a:schemeClr val="bg1">
-                    <a:lumMod val="95000"/>
-                  </a:schemeClr>
-                </a:solidFill>
-              </a:rPr>
-              <a:t/>
-            </a:r>
             <a:br>
               <a:rPr lang="en-US" sz="3200" dirty="0">
                 <a:solidFill>
@@ -4551,10 +4868,6 @@
                 </a:solidFill>
               </a:rPr>
             </a:br>
-            <a:r>
-              <a:rPr lang="ru-RU" sz="2000" dirty="0"/>
-              <a:t/>
-            </a:r>
             <a:br>
               <a:rPr lang="ru-RU" sz="2000" dirty="0"/>
             </a:br>
@@ -4609,7 +4922,7 @@
           <a:p>
             <a:pPr algn="ctr"/>
             <a:r>
-              <a:rPr lang="en-US" sz="4800" dirty="0" smtClean="0">
+              <a:rPr lang="en-US" sz="4800" dirty="0">
                 <a:latin typeface="+mj-lt"/>
               </a:rPr>
               <a:t>It Works!</a:t>
@@ -4723,16 +5036,6 @@
           </a:bodyPr>
           <a:lstStyle/>
           <a:p>
-            <a:r>
-              <a:rPr lang="en-US" sz="4400" dirty="0">
-                <a:solidFill>
-                  <a:schemeClr val="bg1">
-                    <a:lumMod val="95000"/>
-                  </a:schemeClr>
-                </a:solidFill>
-              </a:rPr>
-              <a:t/>
-            </a:r>
             <a:br>
               <a:rPr lang="en-US" sz="4400" dirty="0">
                 <a:solidFill>
@@ -4742,10 +5045,6 @@
                 </a:solidFill>
               </a:rPr>
             </a:br>
-            <a:r>
-              <a:rPr lang="ru-RU" sz="2000" dirty="0"/>
-              <a:t/>
-            </a:r>
             <a:br>
               <a:rPr lang="ru-RU" sz="2000" dirty="0"/>
             </a:br>
@@ -4944,16 +5243,6 @@
           </a:bodyPr>
           <a:lstStyle/>
           <a:p>
-            <a:r>
-              <a:rPr lang="en-US" sz="4400" dirty="0">
-                <a:solidFill>
-                  <a:schemeClr val="bg1">
-                    <a:lumMod val="95000"/>
-                  </a:schemeClr>
-                </a:solidFill>
-              </a:rPr>
-              <a:t/>
-            </a:r>
             <a:br>
               <a:rPr lang="en-US" sz="4400" dirty="0">
                 <a:solidFill>
@@ -4963,16 +5252,6 @@
                 </a:solidFill>
               </a:rPr>
             </a:br>
-            <a:r>
-              <a:rPr lang="en-US" sz="4400" dirty="0">
-                <a:solidFill>
-                  <a:schemeClr val="bg1">
-                    <a:lumMod val="95000"/>
-                  </a:schemeClr>
-                </a:solidFill>
-              </a:rPr>
-              <a:t/>
-            </a:r>
             <a:br>
               <a:rPr lang="en-US" sz="4400" dirty="0">
                 <a:solidFill>
@@ -4982,16 +5261,6 @@
                 </a:solidFill>
               </a:rPr>
             </a:br>
-            <a:r>
-              <a:rPr lang="en-US" sz="4400" dirty="0">
-                <a:solidFill>
-                  <a:schemeClr val="bg1">
-                    <a:lumMod val="95000"/>
-                  </a:schemeClr>
-                </a:solidFill>
-              </a:rPr>
-              <a:t/>
-            </a:r>
             <a:br>
               <a:rPr lang="en-US" sz="4400" dirty="0">
                 <a:solidFill>
@@ -5001,16 +5270,6 @@
                 </a:solidFill>
               </a:rPr>
             </a:br>
-            <a:r>
-              <a:rPr lang="en-US" sz="4400" dirty="0">
-                <a:solidFill>
-                  <a:schemeClr val="bg1">
-                    <a:lumMod val="95000"/>
-                  </a:schemeClr>
-                </a:solidFill>
-              </a:rPr>
-              <a:t/>
-            </a:r>
             <a:br>
               <a:rPr lang="en-US" sz="4400" dirty="0">
                 <a:solidFill>
@@ -5020,10 +5279,6 @@
                 </a:solidFill>
               </a:rPr>
             </a:br>
-            <a:r>
-              <a:rPr lang="ru-RU" sz="2000" dirty="0"/>
-              <a:t/>
-            </a:r>
             <a:br>
               <a:rPr lang="ru-RU" sz="2000" dirty="0"/>
             </a:br>
@@ -5231,16 +5486,6 @@
           </a:bodyPr>
           <a:lstStyle/>
           <a:p>
-            <a:r>
-              <a:rPr lang="en-US" sz="2800" dirty="0">
-                <a:solidFill>
-                  <a:schemeClr val="bg1">
-                    <a:lumMod val="95000"/>
-                  </a:schemeClr>
-                </a:solidFill>
-              </a:rPr>
-              <a:t/>
-            </a:r>
             <a:br>
               <a:rPr lang="en-US" sz="2800" dirty="0">
                 <a:solidFill>
@@ -5250,10 +5495,6 @@
                 </a:solidFill>
               </a:rPr>
             </a:br>
-            <a:r>
-              <a:rPr lang="ru-RU" sz="1800" dirty="0"/>
-              <a:t/>
-            </a:r>
             <a:br>
               <a:rPr lang="ru-RU" sz="1800" dirty="0"/>
             </a:br>
@@ -5308,7 +5549,7 @@
           <a:p>
             <a:pPr algn="ctr"/>
             <a:r>
-              <a:rPr lang="en-US" sz="4800" dirty="0" smtClean="0">
+              <a:rPr lang="en-US" sz="4800" dirty="0">
                 <a:latin typeface="+mj-lt"/>
               </a:rPr>
               <a:t>Main infrastructure</a:t>
@@ -5470,21 +5711,21 @@
           <a:p>
             <a:pPr algn="ctr"/>
             <a:r>
-              <a:rPr lang="en-US" dirty="0" smtClean="0"/>
+              <a:rPr lang="en-US" dirty="0"/>
               <a:t>Instances:</a:t>
             </a:r>
             <a:br>
-              <a:rPr lang="en-US" dirty="0" smtClean="0"/>
+              <a:rPr lang="en-US" dirty="0"/>
             </a:br>
             <a:r>
-              <a:rPr lang="en-US" dirty="0" smtClean="0"/>
+              <a:rPr lang="en-US" dirty="0"/>
               <a:t>Server -Jenkins</a:t>
             </a:r>
             <a:br>
-              <a:rPr lang="en-US" dirty="0" smtClean="0"/>
+              <a:rPr lang="en-US" dirty="0"/>
             </a:br>
             <a:r>
-              <a:rPr lang="en-US" dirty="0" smtClean="0"/>
+              <a:rPr lang="en-US" dirty="0"/>
               <a:t>Server - WEB</a:t>
             </a:r>
             <a:endParaRPr lang="ru-RU" dirty="0"/>
@@ -5564,16 +5805,6 @@
           </a:bodyPr>
           <a:lstStyle/>
           <a:p>
-            <a:r>
-              <a:rPr lang="en-US" sz="3200" dirty="0">
-                <a:solidFill>
-                  <a:schemeClr val="bg1">
-                    <a:lumMod val="95000"/>
-                  </a:schemeClr>
-                </a:solidFill>
-              </a:rPr>
-              <a:t/>
-            </a:r>
             <a:br>
               <a:rPr lang="en-US" sz="3200" dirty="0">
                 <a:solidFill>
@@ -5583,10 +5814,6 @@
                 </a:solidFill>
               </a:rPr>
             </a:br>
-            <a:r>
-              <a:rPr lang="ru-RU" sz="2000" dirty="0"/>
-              <a:t/>
-            </a:r>
             <a:br>
               <a:rPr lang="ru-RU" sz="2000" dirty="0"/>
             </a:br>
@@ -5608,7 +5835,7 @@
         </p:nvSpPr>
         <p:spPr>
           <a:xfrm>
-            <a:off x="2765659" y="0"/>
+            <a:off x="4889588" y="159567"/>
             <a:ext cx="6660682" cy="731520"/>
           </a:xfrm>
           <a:prstGeom prst="rect">
@@ -5644,13 +5871,7 @@
               <a:rPr lang="en-US" sz="4400" dirty="0">
                 <a:latin typeface="+mj-lt"/>
               </a:rPr>
-              <a:t>Work </a:t>
-            </a:r>
-            <a:r>
-              <a:rPr lang="en-US" sz="4400" dirty="0" smtClean="0">
-                <a:latin typeface="+mj-lt"/>
-              </a:rPr>
-              <a:t>process in the morning</a:t>
+              <a:t>Start work process</a:t>
             </a:r>
             <a:endParaRPr lang="ru-RU" sz="1400" dirty="0">
               <a:latin typeface="+mj-lt"/>
@@ -5865,7 +6086,7 @@
           <a:p>
             <a:pPr algn="ctr"/>
             <a:r>
-              <a:rPr lang="en-US" sz="1200" dirty="0" smtClean="0">
+              <a:rPr lang="en-US" sz="1200" dirty="0">
                 <a:solidFill>
                   <a:schemeClr val="bg1">
                     <a:lumMod val="95000"/>
@@ -5875,7 +6096,7 @@
               <a:t>JOB - Create WEB </a:t>
             </a:r>
             <a:r>
-              <a:rPr lang="en-US" sz="1200" dirty="0" err="1" smtClean="0">
+              <a:rPr lang="en-US" sz="1200" dirty="0" err="1">
                 <a:solidFill>
                   <a:schemeClr val="bg1">
                     <a:lumMod val="95000"/>
@@ -5883,16 +6104,6 @@
                 </a:solidFill>
               </a:rPr>
               <a:t>Inf</a:t>
-            </a:r>
-            <a:r>
-              <a:rPr lang="en-US" sz="1200" dirty="0">
-                <a:solidFill>
-                  <a:schemeClr val="bg1">
-                    <a:lumMod val="95000"/>
-                  </a:schemeClr>
-                </a:solidFill>
-              </a:rPr>
-              <a:t/>
             </a:r>
             <a:br>
               <a:rPr lang="en-US" sz="1200" dirty="0">
@@ -5904,7 +6115,7 @@
               </a:rPr>
             </a:br>
             <a:r>
-              <a:rPr lang="en-US" sz="1200" dirty="0" smtClean="0">
+              <a:rPr lang="en-US" sz="1200" dirty="0">
                 <a:solidFill>
                   <a:schemeClr val="bg1">
                     <a:lumMod val="95000"/>
@@ -5959,7 +6170,7 @@
           <a:lstStyle/>
           <a:p>
             <a:pPr algn="ctr"/>
-            <a:endParaRPr lang="en-US" sz="1200" dirty="0" smtClean="0"/>
+            <a:endParaRPr lang="en-US" sz="1200" dirty="0"/>
           </a:p>
           <a:p>
             <a:pPr algn="ctr"/>
@@ -5967,7 +6178,7 @@
           </a:p>
           <a:p>
             <a:pPr algn="ctr"/>
-            <a:endParaRPr lang="en-US" sz="1200" dirty="0" smtClean="0"/>
+            <a:endParaRPr lang="en-US" sz="1200" dirty="0"/>
           </a:p>
           <a:p>
             <a:pPr algn="ctr"/>
@@ -5976,7 +6187,7 @@
           <a:p>
             <a:pPr algn="ctr"/>
             <a:r>
-              <a:rPr lang="en-US" sz="1200" dirty="0" smtClean="0"/>
+              <a:rPr lang="en-US" sz="1200" dirty="0"/>
               <a:t>Creating WEB Server</a:t>
             </a:r>
             <a:endParaRPr lang="ru-RU" sz="1200" dirty="0"/>
@@ -6056,7 +6267,7 @@
           <a:p>
             <a:pPr algn="ctr"/>
             <a:r>
-              <a:rPr lang="en-US" sz="1200" dirty="0" smtClean="0">
+              <a:rPr lang="en-US" sz="1200" dirty="0">
                 <a:solidFill>
                   <a:schemeClr val="bg1">
                     <a:lumMod val="95000"/>
@@ -6066,7 +6277,7 @@
               <a:t>JOB FromGit_EC2_PetClinic</a:t>
             </a:r>
             <a:br>
-              <a:rPr lang="en-US" sz="1200" dirty="0" smtClean="0">
+              <a:rPr lang="en-US" sz="1200" dirty="0">
                 <a:solidFill>
                   <a:schemeClr val="bg1">
                     <a:lumMod val="95000"/>
@@ -6074,18 +6285,8 @@
                 </a:solidFill>
               </a:rPr>
             </a:br>
-            <a:r>
-              <a:rPr lang="en-US" sz="1200" dirty="0" smtClean="0">
-                <a:solidFill>
-                  <a:schemeClr val="bg1">
-                    <a:lumMod val="95000"/>
-                  </a:schemeClr>
-                </a:solidFill>
-              </a:rPr>
-              <a:t/>
-            </a:r>
             <a:br>
-              <a:rPr lang="en-US" sz="1200" dirty="0" smtClean="0">
+              <a:rPr lang="en-US" sz="1200" dirty="0">
                 <a:solidFill>
                   <a:schemeClr val="bg1">
                     <a:lumMod val="95000"/>
@@ -6094,7 +6295,7 @@
               </a:rPr>
             </a:br>
             <a:r>
-              <a:rPr lang="en-US" sz="1200" dirty="0" smtClean="0">
+              <a:rPr lang="en-US" sz="1200" dirty="0">
                 <a:solidFill>
                   <a:schemeClr val="bg1">
                     <a:lumMod val="95000"/>
@@ -6258,14 +6459,14 @@
           <a:p>
             <a:pPr algn="ctr"/>
             <a:r>
-              <a:rPr lang="en-US" sz="1200" dirty="0" smtClean="0"/>
+              <a:rPr lang="en-US" sz="1200" dirty="0"/>
               <a:t>WEB Server</a:t>
             </a:r>
             <a:br>
-              <a:rPr lang="en-US" sz="1200" dirty="0" smtClean="0"/>
+              <a:rPr lang="en-US" sz="1200" dirty="0"/>
             </a:br>
             <a:r>
-              <a:rPr lang="en-US" sz="1200" dirty="0" smtClean="0"/>
+              <a:rPr lang="en-US" sz="1200" dirty="0"/>
               <a:t>Ready to APP</a:t>
             </a:r>
             <a:endParaRPr lang="ru-RU" sz="1200" dirty="0"/>
@@ -6315,11 +6516,11 @@
           <a:p>
             <a:pPr algn="ctr"/>
             <a:r>
-              <a:rPr lang="en-US" sz="1200" dirty="0" smtClean="0"/>
+              <a:rPr lang="en-US" sz="1200" dirty="0"/>
               <a:t>Build APP</a:t>
             </a:r>
             <a:br>
-              <a:rPr lang="en-US" sz="1200" dirty="0" smtClean="0"/>
+              <a:rPr lang="en-US" sz="1200" dirty="0"/>
             </a:br>
             <a:endParaRPr lang="ru-RU" sz="1200" dirty="0"/>
           </a:p>
@@ -6413,7 +6614,7 @@
           <a:lstStyle/>
           <a:p>
             <a:pPr algn="ctr"/>
-            <a:endParaRPr lang="en-US" sz="1200" dirty="0" smtClean="0">
+            <a:endParaRPr lang="en-US" sz="1200" dirty="0">
               <a:solidFill>
                 <a:schemeClr val="bg1">
                   <a:lumMod val="95000"/>
@@ -6424,7 +6625,7 @@
           <a:p>
             <a:pPr algn="ctr"/>
             <a:r>
-              <a:rPr lang="en-US" sz="1200" dirty="0" smtClean="0">
+              <a:rPr lang="en-US" sz="1200" dirty="0">
                 <a:solidFill>
                   <a:schemeClr val="bg1">
                     <a:lumMod val="95000"/>
@@ -6434,7 +6635,7 @@
               <a:t>JOB </a:t>
             </a:r>
             <a:r>
-              <a:rPr lang="en-US" sz="1200" dirty="0" err="1" smtClean="0">
+              <a:rPr lang="en-US" sz="1200" dirty="0" err="1">
                 <a:solidFill>
                   <a:schemeClr val="bg1">
                     <a:lumMod val="95000"/>
@@ -6443,18 +6644,8 @@
               </a:rPr>
               <a:t>Petclinic_as_service</a:t>
             </a:r>
-            <a:r>
-              <a:rPr lang="en-US" sz="1200" dirty="0" smtClean="0">
-                <a:solidFill>
-                  <a:schemeClr val="bg1">
-                    <a:lumMod val="95000"/>
-                  </a:schemeClr>
-                </a:solidFill>
-              </a:rPr>
-              <a:t/>
-            </a:r>
             <a:br>
-              <a:rPr lang="en-US" sz="1200" dirty="0" smtClean="0">
+              <a:rPr lang="en-US" sz="1200" dirty="0">
                 <a:solidFill>
                   <a:schemeClr val="bg1">
                     <a:lumMod val="95000"/>
@@ -6463,7 +6654,7 @@
               </a:rPr>
             </a:br>
             <a:r>
-              <a:rPr lang="en-US" sz="1200" dirty="0" smtClean="0">
+              <a:rPr lang="en-US" sz="1200" dirty="0">
                 <a:solidFill>
                   <a:schemeClr val="bg1">
                     <a:lumMod val="95000"/>
@@ -6473,7 +6664,7 @@
               <a:t>Take APP.JAR and run one in WEB Server as service</a:t>
             </a:r>
             <a:br>
-              <a:rPr lang="en-US" sz="1200" dirty="0" smtClean="0">
+              <a:rPr lang="en-US" sz="1200" dirty="0">
                 <a:solidFill>
                   <a:schemeClr val="bg1">
                     <a:lumMod val="95000"/>
@@ -6485,9 +6676,59 @@
           </a:p>
         </p:txBody>
       </p:sp>
+      <p:sp>
+        <p:nvSpPr>
+          <p:cNvPr id="31" name="Прямоугольник 30"/>
+          <p:cNvSpPr/>
+          <p:nvPr/>
+        </p:nvSpPr>
+        <p:spPr>
+          <a:xfrm>
+            <a:off x="7475305" y="5391090"/>
+            <a:ext cx="1951036" cy="995788"/>
+          </a:xfrm>
+          <a:prstGeom prst="rect">
+            <a:avLst/>
+          </a:prstGeom>
+          <a:noFill/>
+          <a:ln>
+            <a:solidFill>
+              <a:srgbClr val="F39803"/>
+            </a:solidFill>
+          </a:ln>
+        </p:spPr>
+        <p:style>
+          <a:lnRef idx="2">
+            <a:schemeClr val="accent1">
+              <a:shade val="50000"/>
+            </a:schemeClr>
+          </a:lnRef>
+          <a:fillRef idx="1">
+            <a:schemeClr val="accent1"/>
+          </a:fillRef>
+          <a:effectRef idx="0">
+            <a:schemeClr val="accent1"/>
+          </a:effectRef>
+          <a:fontRef idx="minor">
+            <a:schemeClr val="lt1"/>
+          </a:fontRef>
+        </p:style>
+        <p:txBody>
+          <a:bodyPr rtlCol="0" anchor="ctr"/>
+          <a:lstStyle/>
+          <a:p>
+            <a:pPr algn="ctr"/>
+            <a:r>
+              <a:rPr lang="en-US" sz="1200" dirty="0"/>
+              <a:t>Copy APP.JAR to WEB Server and made service</a:t>
+            </a:r>
+            <a:endParaRPr lang="ru-RU" sz="1200" dirty="0"/>
+          </a:p>
+        </p:txBody>
+      </p:sp>
       <p:cxnSp>
         <p:nvCxnSpPr>
-          <p:cNvPr id="30" name="Прямая со стрелкой 29">
+          <p:cNvPr id="33" name="Прямая со стрелкой 32">
             <a:extLst>
               <a:ext uri="{FF2B5EF4-FFF2-40B4-BE49-F238E27FC236}">
                 <a16:creationId xmlns:a16="http://schemas.microsoft.com/office/drawing/2014/main" id="{054F0A97-B554-4A43-8D43-C2D0C7C229CE}"/>
@@ -6496,15 +6737,15 @@
           </p:cNvPr>
           <p:cNvCxnSpPr>
             <a:cxnSpLocks/>
-            <a:stCxn id="31" idx="3"/>
-            <a:endCxn id="48" idx="2"/>
+            <a:stCxn id="29" idx="3"/>
+            <a:endCxn id="31" idx="1"/>
           </p:cNvCxnSpPr>
           <p:nvPr/>
         </p:nvCxnSpPr>
         <p:spPr>
-          <a:xfrm flipV="1">
-            <a:off x="9426341" y="5237018"/>
-            <a:ext cx="1987870" cy="651966"/>
+          <a:xfrm>
+            <a:off x="2303872" y="5878560"/>
+            <a:ext cx="5171433" cy="10424"/>
           </a:xfrm>
           <a:prstGeom prst="straightConnector1">
             <a:avLst/>
@@ -6533,14 +6774,14 @@
       </p:cxnSp>
       <p:sp>
         <p:nvSpPr>
-          <p:cNvPr id="31" name="Прямоугольник 30"/>
+          <p:cNvPr id="40" name="Прямоугольник 39"/>
           <p:cNvSpPr/>
           <p:nvPr/>
         </p:nvSpPr>
         <p:spPr>
           <a:xfrm>
-            <a:off x="7475305" y="5391090"/>
-            <a:ext cx="1951036" cy="995788"/>
+            <a:off x="6530736" y="2172342"/>
+            <a:ext cx="3535977" cy="4450782"/>
           </a:xfrm>
           <a:prstGeom prst="rect">
             <a:avLst/>
@@ -6573,38 +6814,235 @@
           <a:lstStyle/>
           <a:p>
             <a:pPr algn="ctr"/>
-            <a:r>
-              <a:rPr lang="en-US" sz="1200" dirty="0" smtClean="0"/>
-              <a:t>Copy APP.JAR to WEB Server and made </a:t>
-            </a:r>
-            <a:r>
-              <a:rPr lang="en-US" sz="1200" dirty="0" err="1" smtClean="0"/>
-              <a:t>srvice</a:t>
-            </a:r>
-            <a:endParaRPr lang="ru-RU" sz="1200" dirty="0"/>
+            <a:endParaRPr lang="ru-RU"/>
+          </a:p>
+        </p:txBody>
+      </p:sp>
+      <p:pic>
+        <p:nvPicPr>
+          <p:cNvPr id="41" name="Рисунок 40">
+            <a:extLst>
+              <a:ext uri="{FF2B5EF4-FFF2-40B4-BE49-F238E27FC236}">
+                <a16:creationId xmlns:a16="http://schemas.microsoft.com/office/drawing/2014/main" id="{0B594192-1C59-44C8-AB4B-4C7982A5BC48}"/>
+              </a:ext>
+            </a:extLst>
+          </p:cNvPr>
+          <p:cNvPicPr>
+            <a:picLocks noChangeAspect="1"/>
+          </p:cNvPicPr>
+          <p:nvPr/>
+        </p:nvPicPr>
+        <p:blipFill>
+          <a:blip r:embed="rId3" cstate="hqprint">
+            <a:extLst>
+              <a:ext uri="{28A0092B-C50C-407E-A947-70E740481C1C}">
+                <a14:useLocalDpi xmlns:a14="http://schemas.microsoft.com/office/drawing/2010/main" val="0"/>
+              </a:ext>
+            </a:extLst>
+          </a:blip>
+          <a:stretch>
+            <a:fillRect/>
+          </a:stretch>
+        </p:blipFill>
+        <p:spPr>
+          <a:xfrm>
+            <a:off x="7500891" y="2310621"/>
+            <a:ext cx="760680" cy="760680"/>
+          </a:xfrm>
+          <a:prstGeom prst="rect">
+            <a:avLst/>
+          </a:prstGeom>
+        </p:spPr>
+      </p:pic>
+      <p:sp>
+        <p:nvSpPr>
+          <p:cNvPr id="23" name="Прямоугольник 22"/>
+          <p:cNvSpPr/>
+          <p:nvPr/>
+        </p:nvSpPr>
+        <p:spPr>
+          <a:xfrm>
+            <a:off x="7014946" y="2234766"/>
+            <a:ext cx="2432017" cy="746400"/>
+          </a:xfrm>
+          <a:prstGeom prst="rect">
+            <a:avLst/>
+          </a:prstGeom>
+          <a:noFill/>
+          <a:ln>
+            <a:noFill/>
+          </a:ln>
+        </p:spPr>
+        <p:style>
+          <a:lnRef idx="2">
+            <a:schemeClr val="accent1">
+              <a:shade val="50000"/>
+            </a:schemeClr>
+          </a:lnRef>
+          <a:fillRef idx="1">
+            <a:schemeClr val="accent1"/>
+          </a:fillRef>
+          <a:effectRef idx="0">
+            <a:schemeClr val="accent1"/>
+          </a:effectRef>
+          <a:fontRef idx="minor">
+            <a:schemeClr val="lt1"/>
+          </a:fontRef>
+        </p:style>
+        <p:txBody>
+          <a:bodyPr rtlCol="0" anchor="ctr"/>
+          <a:lstStyle/>
+          <a:p>
+            <a:pPr algn="ctr"/>
+            <a:r>
+              <a:rPr lang="en-US" dirty="0"/>
+              <a:t>                Node</a:t>
+            </a:r>
+            <a:endParaRPr lang="ru-RU" dirty="0"/>
           </a:p>
         </p:txBody>
       </p:sp>
       <p:cxnSp>
         <p:nvCxnSpPr>
-          <p:cNvPr id="33" name="Прямая со стрелкой 32">
-            <a:extLst>
-              <a:ext uri="{FF2B5EF4-FFF2-40B4-BE49-F238E27FC236}">
-                <a16:creationId xmlns:a16="http://schemas.microsoft.com/office/drawing/2014/main" id="{054F0A97-B554-4A43-8D43-C2D0C7C229CE}"/>
-              </a:ext>
-            </a:extLst>
-          </p:cNvPr>
+          <p:cNvPr id="68" name="Соединительная линия уступом 67"/>
           <p:cNvCxnSpPr>
             <a:cxnSpLocks/>
-            <a:stCxn id="29" idx="3"/>
-            <a:endCxn id="31" idx="1"/>
           </p:cNvCxnSpPr>
           <p:nvPr/>
         </p:nvCxnSpPr>
         <p:spPr>
           <a:xfrm>
-            <a:off x="2303872" y="5878560"/>
-            <a:ext cx="5171433" cy="10424"/>
+            <a:off x="8349626" y="1359524"/>
+            <a:ext cx="2428622" cy="722683"/>
+          </a:xfrm>
+          <a:prstGeom prst="bentConnector3">
+            <a:avLst>
+              <a:gd name="adj1" fmla="val 81433"/>
+            </a:avLst>
+          </a:prstGeom>
+          <a:ln w="38100">
+            <a:solidFill>
+              <a:srgbClr val="00B0F0"/>
+            </a:solidFill>
+            <a:tailEnd type="triangle"/>
+          </a:ln>
+        </p:spPr>
+        <p:style>
+          <a:lnRef idx="1">
+            <a:schemeClr val="accent1"/>
+          </a:lnRef>
+          <a:fillRef idx="0">
+            <a:schemeClr val="accent1"/>
+          </a:fillRef>
+          <a:effectRef idx="0">
+            <a:schemeClr val="accent1"/>
+          </a:effectRef>
+          <a:fontRef idx="minor">
+            <a:schemeClr val="tx1"/>
+          </a:fontRef>
+        </p:style>
+      </p:cxnSp>
+      <p:cxnSp>
+        <p:nvCxnSpPr>
+          <p:cNvPr id="118" name="Соединительная линия уступом 117"/>
+          <p:cNvCxnSpPr>
+            <a:stCxn id="36" idx="3"/>
+            <a:endCxn id="52" idx="1"/>
+          </p:cNvCxnSpPr>
+          <p:nvPr/>
+        </p:nvCxnSpPr>
+        <p:spPr>
+          <a:xfrm>
+            <a:off x="2302560" y="3847918"/>
+            <a:ext cx="5193367" cy="549218"/>
+          </a:xfrm>
+          <a:prstGeom prst="bentConnector3">
+            <a:avLst>
+              <a:gd name="adj1" fmla="val 9984"/>
+            </a:avLst>
+          </a:prstGeom>
+          <a:ln w="38100">
+            <a:solidFill>
+              <a:srgbClr val="00B0F0"/>
+            </a:solidFill>
+            <a:tailEnd type="triangle"/>
+          </a:ln>
+        </p:spPr>
+        <p:style>
+          <a:lnRef idx="1">
+            <a:schemeClr val="accent1"/>
+          </a:lnRef>
+          <a:fillRef idx="0">
+            <a:schemeClr val="accent1"/>
+          </a:fillRef>
+          <a:effectRef idx="0">
+            <a:schemeClr val="accent1"/>
+          </a:effectRef>
+          <a:fontRef idx="minor">
+            <a:schemeClr val="tx1"/>
+          </a:fontRef>
+        </p:style>
+      </p:cxnSp>
+      <p:cxnSp>
+        <p:nvCxnSpPr>
+          <p:cNvPr id="123" name="Соединительная линия уступом 122"/>
+          <p:cNvCxnSpPr>
+            <a:stCxn id="36" idx="3"/>
+            <a:endCxn id="46" idx="1"/>
+          </p:cNvCxnSpPr>
+          <p:nvPr/>
+        </p:nvCxnSpPr>
+        <p:spPr>
+          <a:xfrm flipV="1">
+            <a:off x="2302560" y="3390372"/>
+            <a:ext cx="885533" cy="457546"/>
+          </a:xfrm>
+          <a:prstGeom prst="bentConnector3">
+            <a:avLst>
+              <a:gd name="adj1" fmla="val 34980"/>
+            </a:avLst>
+          </a:prstGeom>
+          <a:ln w="38100">
+            <a:solidFill>
+              <a:srgbClr val="00B0F0"/>
+            </a:solidFill>
+            <a:tailEnd type="triangle"/>
+          </a:ln>
+        </p:spPr>
+        <p:style>
+          <a:lnRef idx="1">
+            <a:schemeClr val="accent1"/>
+          </a:lnRef>
+          <a:fillRef idx="0">
+            <a:schemeClr val="accent1"/>
+          </a:fillRef>
+          <a:effectRef idx="0">
+            <a:schemeClr val="accent1"/>
+          </a:effectRef>
+          <a:fontRef idx="minor">
+            <a:schemeClr val="tx1"/>
+          </a:fontRef>
+        </p:style>
+      </p:cxnSp>
+      <p:cxnSp>
+        <p:nvCxnSpPr>
+          <p:cNvPr id="127" name="Прямая со стрелкой 126">
+            <a:extLst>
+              <a:ext uri="{FF2B5EF4-FFF2-40B4-BE49-F238E27FC236}">
+                <a16:creationId xmlns:a16="http://schemas.microsoft.com/office/drawing/2014/main" id="{054F0A97-B554-4A43-8D43-C2D0C7C229CE}"/>
+              </a:ext>
+            </a:extLst>
+          </p:cNvPr>
+          <p:cNvCxnSpPr>
+            <a:cxnSpLocks/>
+            <a:stCxn id="46" idx="3"/>
+          </p:cNvCxnSpPr>
+          <p:nvPr/>
+        </p:nvCxnSpPr>
+        <p:spPr>
+          <a:xfrm flipV="1">
+            <a:off x="5050675" y="3390371"/>
+            <a:ext cx="1480061" cy="1"/>
           </a:xfrm>
           <a:prstGeom prst="straightConnector1">
             <a:avLst/>
@@ -6631,162 +7069,35 @@
           </a:fontRef>
         </p:style>
       </p:cxnSp>
-      <p:sp>
-        <p:nvSpPr>
-          <p:cNvPr id="40" name="Прямоугольник 39"/>
-          <p:cNvSpPr/>
-          <p:nvPr/>
-        </p:nvSpPr>
-        <p:spPr>
-          <a:xfrm>
-            <a:off x="6530736" y="734310"/>
-            <a:ext cx="3535977" cy="5888814"/>
-          </a:xfrm>
-          <a:prstGeom prst="rect">
-            <a:avLst/>
-          </a:prstGeom>
-          <a:noFill/>
-          <a:ln>
-            <a:solidFill>
-              <a:srgbClr val="F39803"/>
-            </a:solidFill>
-          </a:ln>
-        </p:spPr>
-        <p:style>
-          <a:lnRef idx="2">
-            <a:schemeClr val="accent1">
-              <a:shade val="50000"/>
-            </a:schemeClr>
-          </a:lnRef>
-          <a:fillRef idx="1">
-            <a:schemeClr val="accent1"/>
-          </a:fillRef>
-          <a:effectRef idx="0">
-            <a:schemeClr val="accent1"/>
-          </a:effectRef>
-          <a:fontRef idx="minor">
-            <a:schemeClr val="lt1"/>
-          </a:fontRef>
-        </p:style>
-        <p:txBody>
-          <a:bodyPr rtlCol="0" anchor="ctr"/>
-          <a:lstStyle/>
-          <a:p>
-            <a:pPr algn="ctr"/>
-            <a:endParaRPr lang="ru-RU"/>
-          </a:p>
-        </p:txBody>
-      </p:sp>
-      <p:pic>
-        <p:nvPicPr>
-          <p:cNvPr id="41" name="Рисунок 40">
-            <a:extLst>
-              <a:ext uri="{FF2B5EF4-FFF2-40B4-BE49-F238E27FC236}">
-                <a16:creationId xmlns:a16="http://schemas.microsoft.com/office/drawing/2014/main" id="{0B594192-1C59-44C8-AB4B-4C7982A5BC48}"/>
-              </a:ext>
-            </a:extLst>
-          </p:cNvPr>
-          <p:cNvPicPr>
-            <a:picLocks noChangeAspect="1"/>
-          </p:cNvPicPr>
-          <p:nvPr/>
-        </p:nvPicPr>
-        <p:blipFill>
-          <a:blip r:embed="rId3" cstate="hqprint">
-            <a:extLst>
-              <a:ext uri="{28A0092B-C50C-407E-A947-70E740481C1C}">
-                <a14:useLocalDpi xmlns:a14="http://schemas.microsoft.com/office/drawing/2010/main" val="0"/>
-              </a:ext>
-            </a:extLst>
-          </a:blip>
-          <a:stretch>
-            <a:fillRect/>
-          </a:stretch>
-        </p:blipFill>
-        <p:spPr>
-          <a:xfrm>
-            <a:off x="7534121" y="844704"/>
-            <a:ext cx="760680" cy="760680"/>
-          </a:xfrm>
-          <a:prstGeom prst="rect">
-            <a:avLst/>
-          </a:prstGeom>
-        </p:spPr>
-      </p:pic>
-      <p:sp>
-        <p:nvSpPr>
-          <p:cNvPr id="23" name="Прямоугольник 22"/>
-          <p:cNvSpPr/>
-          <p:nvPr/>
-        </p:nvSpPr>
-        <p:spPr>
-          <a:xfrm>
-            <a:off x="7246442" y="848040"/>
-            <a:ext cx="2179899" cy="746400"/>
-          </a:xfrm>
-          <a:prstGeom prst="rect">
-            <a:avLst/>
-          </a:prstGeom>
-          <a:noFill/>
-          <a:ln>
-            <a:solidFill>
-              <a:srgbClr val="F39803"/>
-            </a:solidFill>
-          </a:ln>
-        </p:spPr>
-        <p:style>
-          <a:lnRef idx="2">
-            <a:schemeClr val="accent1">
-              <a:shade val="50000"/>
-            </a:schemeClr>
-          </a:lnRef>
-          <a:fillRef idx="1">
-            <a:schemeClr val="accent1"/>
-          </a:fillRef>
-          <a:effectRef idx="0">
-            <a:schemeClr val="accent1"/>
-          </a:effectRef>
-          <a:fontRef idx="minor">
-            <a:schemeClr val="lt1"/>
-          </a:fontRef>
-        </p:style>
-        <p:txBody>
-          <a:bodyPr rtlCol="0" anchor="ctr"/>
-          <a:lstStyle/>
-          <a:p>
-            <a:pPr algn="ctr"/>
-            <a:r>
-              <a:rPr lang="en-US" dirty="0" smtClean="0"/>
-              <a:t>                Node</a:t>
-            </a:r>
-            <a:endParaRPr lang="ru-RU" dirty="0"/>
-          </a:p>
-        </p:txBody>
-      </p:sp>
       <p:cxnSp>
         <p:nvCxnSpPr>
-          <p:cNvPr id="68" name="Соединительная линия уступом 67"/>
+          <p:cNvPr id="11" name="Соединитель: уступ 10">
+            <a:extLst>
+              <a:ext uri="{FF2B5EF4-FFF2-40B4-BE49-F238E27FC236}">
+                <a16:creationId xmlns:a16="http://schemas.microsoft.com/office/drawing/2014/main" id="{83A6D7E2-01B9-4081-BD5F-66D81820061F}"/>
+              </a:ext>
+            </a:extLst>
+          </p:cNvPr>
           <p:cNvCxnSpPr>
+            <a:cxnSpLocks/>
             <a:stCxn id="32" idx="3"/>
-            <a:endCxn id="48" idx="1"/>
           </p:cNvCxnSpPr>
           <p:nvPr/>
         </p:nvCxnSpPr>
         <p:spPr>
-          <a:xfrm>
-            <a:off x="5050675" y="2041068"/>
-            <a:ext cx="5727573" cy="1409090"/>
+          <a:xfrm flipV="1">
+            <a:off x="5050675" y="1357798"/>
+            <a:ext cx="3319874" cy="683270"/>
           </a:xfrm>
           <a:prstGeom prst="bentConnector3">
             <a:avLst>
-              <a:gd name="adj1" fmla="val 50000"/>
+              <a:gd name="adj1" fmla="val 25995"/>
             </a:avLst>
           </a:prstGeom>
           <a:ln w="38100">
             <a:solidFill>
               <a:srgbClr val="00B0F0"/>
             </a:solidFill>
-            <a:tailEnd type="triangle"/>
           </a:ln>
         </p:spPr>
         <p:style>
@@ -6806,107 +7117,26 @@
       </p:cxnSp>
       <p:cxnSp>
         <p:nvCxnSpPr>
-          <p:cNvPr id="118" name="Соединительная линия уступом 117"/>
+          <p:cNvPr id="47" name="Соединительная линия уступом 67">
+            <a:extLst>
+              <a:ext uri="{FF2B5EF4-FFF2-40B4-BE49-F238E27FC236}">
+                <a16:creationId xmlns:a16="http://schemas.microsoft.com/office/drawing/2014/main" id="{46F4E8BA-6529-4394-96BE-03298A75ECD9}"/>
+              </a:ext>
+            </a:extLst>
+          </p:cNvPr>
           <p:cNvCxnSpPr>
-            <a:stCxn id="36" idx="3"/>
-            <a:endCxn id="52" idx="1"/>
+            <a:cxnSpLocks/>
+            <a:stCxn id="31" idx="3"/>
+            <a:endCxn id="48" idx="2"/>
           </p:cNvCxnSpPr>
           <p:nvPr/>
         </p:nvCxnSpPr>
         <p:spPr>
-          <a:xfrm>
-            <a:off x="2302560" y="3847918"/>
-            <a:ext cx="5193367" cy="549218"/>
-          </a:xfrm>
-          <a:prstGeom prst="bentConnector3">
-            <a:avLst>
-              <a:gd name="adj1" fmla="val 9984"/>
-            </a:avLst>
-          </a:prstGeom>
-          <a:ln w="38100">
-            <a:solidFill>
-              <a:srgbClr val="00B0F0"/>
-            </a:solidFill>
-            <a:tailEnd type="triangle"/>
-          </a:ln>
-        </p:spPr>
-        <p:style>
-          <a:lnRef idx="1">
-            <a:schemeClr val="accent1"/>
-          </a:lnRef>
-          <a:fillRef idx="0">
-            <a:schemeClr val="accent1"/>
-          </a:fillRef>
-          <a:effectRef idx="0">
-            <a:schemeClr val="accent1"/>
-          </a:effectRef>
-          <a:fontRef idx="minor">
-            <a:schemeClr val="tx1"/>
-          </a:fontRef>
-        </p:style>
-      </p:cxnSp>
-      <p:cxnSp>
-        <p:nvCxnSpPr>
-          <p:cNvPr id="123" name="Соединительная линия уступом 122"/>
-          <p:cNvCxnSpPr>
-            <a:stCxn id="36" idx="3"/>
-            <a:endCxn id="46" idx="1"/>
-          </p:cNvCxnSpPr>
-          <p:nvPr/>
-        </p:nvCxnSpPr>
-        <p:spPr>
           <a:xfrm flipV="1">
-            <a:off x="2302560" y="3390372"/>
-            <a:ext cx="885533" cy="457546"/>
-          </a:xfrm>
-          <a:prstGeom prst="bentConnector3">
-            <a:avLst>
-              <a:gd name="adj1" fmla="val 34980"/>
-            </a:avLst>
-          </a:prstGeom>
-          <a:ln w="38100">
-            <a:solidFill>
-              <a:srgbClr val="00B0F0"/>
-            </a:solidFill>
-            <a:tailEnd type="triangle"/>
-          </a:ln>
-        </p:spPr>
-        <p:style>
-          <a:lnRef idx="1">
-            <a:schemeClr val="accent1"/>
-          </a:lnRef>
-          <a:fillRef idx="0">
-            <a:schemeClr val="accent1"/>
-          </a:fillRef>
-          <a:effectRef idx="0">
-            <a:schemeClr val="accent1"/>
-          </a:effectRef>
-          <a:fontRef idx="minor">
-            <a:schemeClr val="tx1"/>
-          </a:fontRef>
-        </p:style>
-      </p:cxnSp>
-      <p:cxnSp>
-        <p:nvCxnSpPr>
-          <p:cNvPr id="127" name="Прямая со стрелкой 126">
-            <a:extLst>
-              <a:ext uri="{FF2B5EF4-FFF2-40B4-BE49-F238E27FC236}">
-                <a16:creationId xmlns:a16="http://schemas.microsoft.com/office/drawing/2014/main" id="{054F0A97-B554-4A43-8D43-C2D0C7C229CE}"/>
-              </a:ext>
-            </a:extLst>
-          </p:cNvPr>
-          <p:cNvCxnSpPr>
-            <a:cxnSpLocks/>
-            <a:stCxn id="46" idx="3"/>
-          </p:cNvCxnSpPr>
-          <p:nvPr/>
-        </p:nvCxnSpPr>
-        <p:spPr>
-          <a:xfrm flipV="1">
-            <a:off x="5050675" y="3390371"/>
-            <a:ext cx="1480061" cy="1"/>
-          </a:xfrm>
-          <a:prstGeom prst="straightConnector1">
+            <a:off x="9426341" y="5237018"/>
+            <a:ext cx="1987870" cy="651966"/>
+          </a:xfrm>
+          <a:prstGeom prst="bentConnector2">
             <a:avLst/>
           </a:prstGeom>
           <a:ln w="38100">
@@ -6917,14 +7147,14 @@
           </a:ln>
         </p:spPr>
         <p:style>
-          <a:lnRef idx="3">
-            <a:schemeClr val="accent2"/>
+          <a:lnRef idx="1">
+            <a:schemeClr val="accent1"/>
           </a:lnRef>
           <a:fillRef idx="0">
-            <a:schemeClr val="accent2"/>
+            <a:schemeClr val="accent1"/>
           </a:fillRef>
-          <a:effectRef idx="2">
-            <a:schemeClr val="accent2"/>
+          <a:effectRef idx="0">
+            <a:schemeClr val="accent1"/>
           </a:effectRef>
           <a:fontRef idx="minor">
             <a:schemeClr val="tx1"/>
@@ -7004,16 +7234,6 @@
           </a:bodyPr>
           <a:lstStyle/>
           <a:p>
-            <a:r>
-              <a:rPr lang="en-US" sz="3200" dirty="0">
-                <a:solidFill>
-                  <a:schemeClr val="bg1">
-                    <a:lumMod val="95000"/>
-                  </a:schemeClr>
-                </a:solidFill>
-              </a:rPr>
-              <a:t/>
-            </a:r>
             <a:br>
               <a:rPr lang="en-US" sz="3200" dirty="0">
                 <a:solidFill>
@@ -7023,10 +7243,6 @@
                 </a:solidFill>
               </a:rPr>
             </a:br>
-            <a:r>
-              <a:rPr lang="ru-RU" sz="2000" dirty="0"/>
-              <a:t/>
-            </a:r>
             <a:br>
               <a:rPr lang="ru-RU" sz="2000" dirty="0"/>
             </a:br>
@@ -7081,13 +7297,13 @@
           <a:p>
             <a:pPr algn="ctr"/>
             <a:r>
-              <a:rPr lang="en-US" sz="4400" dirty="0" err="1" smtClean="0">
+              <a:rPr lang="en-US" sz="4400" dirty="0" err="1">
                 <a:latin typeface="+mj-lt"/>
               </a:rPr>
               <a:t>Git</a:t>
             </a:r>
             <a:r>
-              <a:rPr lang="en-US" sz="4400" dirty="0" smtClean="0">
+              <a:rPr lang="en-US" sz="4400" dirty="0">
                 <a:latin typeface="+mj-lt"/>
               </a:rPr>
               <a:t> Hook</a:t>
@@ -7391,8 +7607,8 @@
         </p:nvSpPr>
         <p:spPr>
           <a:xfrm>
-            <a:off x="3832168" y="731520"/>
-            <a:ext cx="4090799" cy="5935287"/>
+            <a:off x="2981322" y="731520"/>
+            <a:ext cx="4941645" cy="5935287"/>
           </a:xfrm>
           <a:prstGeom prst="rect">
             <a:avLst/>
@@ -7433,6 +7649,7 @@
         <p:nvCxnSpPr>
           <p:cNvPr id="19" name="Соединительная линия уступом 18"/>
           <p:cNvCxnSpPr>
+            <a:cxnSpLocks/>
             <a:stCxn id="10" idx="3"/>
             <a:endCxn id="36" idx="1"/>
           </p:cNvCxnSpPr>
@@ -7440,12 +7657,12 @@
         </p:nvCxnSpPr>
         <p:spPr>
           <a:xfrm flipV="1">
-            <a:off x="2234281" y="2623857"/>
-            <a:ext cx="1936552" cy="3349421"/>
+            <a:off x="2234281" y="2418406"/>
+            <a:ext cx="1467548" cy="3554872"/>
           </a:xfrm>
           <a:prstGeom prst="bentConnector3">
             <a:avLst>
-              <a:gd name="adj1" fmla="val 50000"/>
+              <a:gd name="adj1" fmla="val 66577"/>
             </a:avLst>
           </a:prstGeom>
           <a:ln w="38100">
@@ -7478,8 +7695,8 @@
         </p:nvSpPr>
         <p:spPr>
           <a:xfrm>
-            <a:off x="4170833" y="2125963"/>
-            <a:ext cx="1951036" cy="995788"/>
+            <a:off x="3701829" y="1776125"/>
+            <a:ext cx="3500629" cy="1284562"/>
           </a:xfrm>
           <a:prstGeom prst="rect">
             <a:avLst/>
@@ -7513,7 +7730,7 @@
           <a:p>
             <a:pPr algn="ctr"/>
             <a:r>
-              <a:rPr lang="en-US" sz="1200" dirty="0" smtClean="0">
+              <a:rPr lang="en-US" sz="1200" dirty="0">
                 <a:solidFill>
                   <a:schemeClr val="bg1">
                     <a:lumMod val="95000"/>
@@ -7523,7 +7740,7 @@
               <a:t>JOB FromGit_EC2_PetClinic</a:t>
             </a:r>
             <a:br>
-              <a:rPr lang="en-US" sz="1200" dirty="0" smtClean="0">
+              <a:rPr lang="en-US" sz="1200" dirty="0">
                 <a:solidFill>
                   <a:schemeClr val="bg1">
                     <a:lumMod val="95000"/>
@@ -7531,18 +7748,8 @@
                 </a:solidFill>
               </a:rPr>
             </a:br>
-            <a:r>
-              <a:rPr lang="en-US" sz="1200" dirty="0" smtClean="0">
-                <a:solidFill>
-                  <a:schemeClr val="bg1">
-                    <a:lumMod val="95000"/>
-                  </a:schemeClr>
-                </a:solidFill>
-              </a:rPr>
-              <a:t/>
-            </a:r>
             <a:br>
-              <a:rPr lang="en-US" sz="1200" dirty="0" smtClean="0">
+              <a:rPr lang="en-US" sz="1200" dirty="0">
                 <a:solidFill>
                   <a:schemeClr val="bg1">
                     <a:lumMod val="95000"/>
@@ -7551,24 +7758,16 @@
               </a:rPr>
             </a:br>
             <a:r>
-              <a:rPr lang="en-US" sz="1200" dirty="0" smtClean="0"/>
+              <a:rPr lang="en-US" sz="1200" dirty="0"/>
               <a:t>Get </a:t>
             </a:r>
             <a:r>
-              <a:rPr lang="en-US" sz="1200" dirty="0" err="1" smtClean="0"/>
+              <a:rPr lang="en-US" sz="1200" dirty="0" err="1"/>
               <a:t>Git</a:t>
             </a:r>
             <a:r>
-              <a:rPr lang="en-US" sz="1200" dirty="0" smtClean="0"/>
-              <a:t> </a:t>
-            </a:r>
-            <a:r>
               <a:rPr lang="en-US" sz="1200" dirty="0"/>
-              <a:t>Hook and </a:t>
-            </a:r>
-            <a:r>
-              <a:rPr lang="en-US" sz="1200" dirty="0" smtClean="0"/>
-              <a:t>start </a:t>
+              <a:t> Hook and start </a:t>
             </a:r>
             <a:r>
               <a:rPr lang="en-US" sz="1200" dirty="0">
@@ -7578,17 +7777,7 @@
                   </a:schemeClr>
                 </a:solidFill>
               </a:rPr>
-              <a:t>b</a:t>
-            </a:r>
-            <a:r>
-              <a:rPr lang="en-US" sz="1200" dirty="0" smtClean="0">
-                <a:solidFill>
-                  <a:schemeClr val="bg1">
-                    <a:lumMod val="95000"/>
-                  </a:schemeClr>
-                </a:solidFill>
-              </a:rPr>
-              <a:t>uild APP</a:t>
+              <a:t>build APP</a:t>
             </a:r>
             <a:endParaRPr lang="ru-RU" sz="1400" dirty="0"/>
           </a:p>
@@ -7611,9 +7800,9 @@
           <p:nvPr/>
         </p:nvCxnSpPr>
         <p:spPr>
-          <a:xfrm>
-            <a:off x="5146351" y="3121751"/>
-            <a:ext cx="0" cy="1286365"/>
+          <a:xfrm flipH="1">
+            <a:off x="5452143" y="3060687"/>
+            <a:ext cx="1" cy="1340388"/>
           </a:xfrm>
           <a:prstGeom prst="straightConnector1">
             <a:avLst/>
@@ -7683,14 +7872,14 @@
           <a:p>
             <a:pPr algn="ctr"/>
             <a:r>
-              <a:rPr lang="en-US" sz="1200" dirty="0" smtClean="0"/>
+              <a:rPr lang="en-US" sz="1200" dirty="0"/>
               <a:t>WEB Server</a:t>
             </a:r>
             <a:br>
-              <a:rPr lang="en-US" sz="1200" dirty="0" smtClean="0"/>
+              <a:rPr lang="en-US" sz="1200" dirty="0"/>
             </a:br>
             <a:r>
-              <a:rPr lang="en-US" sz="1200" dirty="0" smtClean="0"/>
+              <a:rPr lang="en-US" sz="1200" dirty="0"/>
               <a:t>Show APP</a:t>
             </a:r>
             <a:endParaRPr lang="ru-RU" sz="1200" dirty="0"/>
@@ -7725,7 +7914,7 @@
         </p:blipFill>
         <p:spPr>
           <a:xfrm>
-            <a:off x="4944622" y="939695"/>
+            <a:off x="4969789" y="939695"/>
             <a:ext cx="760680" cy="760680"/>
           </a:xfrm>
           <a:prstGeom prst="rect">
@@ -7743,6 +7932,54 @@
           <a:xfrm>
             <a:off x="4803285" y="953975"/>
             <a:ext cx="2179899" cy="746400"/>
+          </a:xfrm>
+          <a:prstGeom prst="rect">
+            <a:avLst/>
+          </a:prstGeom>
+          <a:noFill/>
+          <a:ln>
+            <a:noFill/>
+          </a:ln>
+        </p:spPr>
+        <p:style>
+          <a:lnRef idx="2">
+            <a:schemeClr val="accent1">
+              <a:shade val="50000"/>
+            </a:schemeClr>
+          </a:lnRef>
+          <a:fillRef idx="1">
+            <a:schemeClr val="accent1"/>
+          </a:fillRef>
+          <a:effectRef idx="0">
+            <a:schemeClr val="accent1"/>
+          </a:effectRef>
+          <a:fontRef idx="minor">
+            <a:schemeClr val="lt1"/>
+          </a:fontRef>
+        </p:style>
+        <p:txBody>
+          <a:bodyPr rtlCol="0" anchor="ctr"/>
+          <a:lstStyle/>
+          <a:p>
+            <a:pPr algn="ctr"/>
+            <a:r>
+              <a:rPr lang="en-US" dirty="0"/>
+              <a:t>                Node</a:t>
+            </a:r>
+            <a:endParaRPr lang="ru-RU" dirty="0"/>
+          </a:p>
+        </p:txBody>
+      </p:sp>
+      <p:sp>
+        <p:nvSpPr>
+          <p:cNvPr id="82" name="Прямоугольник 81"/>
+          <p:cNvSpPr/>
+          <p:nvPr/>
+        </p:nvSpPr>
+        <p:spPr>
+          <a:xfrm>
+            <a:off x="4476625" y="4401075"/>
+            <a:ext cx="1951036" cy="995788"/>
           </a:xfrm>
           <a:prstGeom prst="rect">
             <a:avLst/>
@@ -7775,57 +8012,7 @@
           <a:lstStyle/>
           <a:p>
             <a:pPr algn="ctr"/>
-            <a:r>
-              <a:rPr lang="en-US" dirty="0" smtClean="0"/>
-              <a:t>                Node</a:t>
-            </a:r>
-            <a:endParaRPr lang="ru-RU" dirty="0"/>
-          </a:p>
-        </p:txBody>
-      </p:sp>
-      <p:sp>
-        <p:nvSpPr>
-          <p:cNvPr id="82" name="Прямоугольник 81"/>
-          <p:cNvSpPr/>
-          <p:nvPr/>
-        </p:nvSpPr>
-        <p:spPr>
-          <a:xfrm>
-            <a:off x="4170833" y="4408116"/>
-            <a:ext cx="1951036" cy="995788"/>
-          </a:xfrm>
-          <a:prstGeom prst="rect">
-            <a:avLst/>
-          </a:prstGeom>
-          <a:noFill/>
-          <a:ln>
-            <a:solidFill>
-              <a:srgbClr val="F39803"/>
-            </a:solidFill>
-          </a:ln>
-        </p:spPr>
-        <p:style>
-          <a:lnRef idx="2">
-            <a:schemeClr val="accent1">
-              <a:shade val="50000"/>
-            </a:schemeClr>
-          </a:lnRef>
-          <a:fillRef idx="1">
-            <a:schemeClr val="accent1"/>
-          </a:fillRef>
-          <a:effectRef idx="0">
-            <a:schemeClr val="accent1"/>
-          </a:effectRef>
-          <a:fontRef idx="minor">
-            <a:schemeClr val="lt1"/>
-          </a:fontRef>
-        </p:style>
-        <p:txBody>
-          <a:bodyPr rtlCol="0" anchor="ctr"/>
-          <a:lstStyle/>
-          <a:p>
-            <a:pPr algn="ctr"/>
-            <a:endParaRPr lang="en-US" sz="1200" dirty="0" smtClean="0">
+            <a:endParaRPr lang="en-US" sz="1200" dirty="0">
               <a:solidFill>
                 <a:schemeClr val="bg1">
                   <a:lumMod val="95000"/>
@@ -7836,7 +8023,7 @@
           <a:p>
             <a:pPr algn="ctr"/>
             <a:r>
-              <a:rPr lang="en-US" sz="1200" dirty="0" smtClean="0">
+              <a:rPr lang="en-US" sz="1200" dirty="0">
                 <a:solidFill>
                   <a:schemeClr val="bg1">
                     <a:lumMod val="95000"/>
@@ -7846,7 +8033,7 @@
               <a:t>JOB </a:t>
             </a:r>
             <a:r>
-              <a:rPr lang="en-US" sz="1200" dirty="0" err="1" smtClean="0">
+              <a:rPr lang="en-US" sz="1200" dirty="0" err="1">
                 <a:solidFill>
                   <a:schemeClr val="bg1">
                     <a:lumMod val="95000"/>
@@ -7855,18 +8042,8 @@
               </a:rPr>
               <a:t>Petclinic_as_service</a:t>
             </a:r>
-            <a:r>
-              <a:rPr lang="en-US" sz="1200" dirty="0" smtClean="0">
-                <a:solidFill>
-                  <a:schemeClr val="bg1">
-                    <a:lumMod val="95000"/>
-                  </a:schemeClr>
-                </a:solidFill>
-              </a:rPr>
-              <a:t/>
-            </a:r>
             <a:br>
-              <a:rPr lang="en-US" sz="1200" dirty="0" smtClean="0">
+              <a:rPr lang="en-US" sz="1200" dirty="0">
                 <a:solidFill>
                   <a:schemeClr val="bg1">
                     <a:lumMod val="95000"/>
@@ -7875,7 +8052,7 @@
               </a:rPr>
             </a:br>
             <a:r>
-              <a:rPr lang="en-US" sz="1200" dirty="0" smtClean="0">
+              <a:rPr lang="en-US" sz="1200" dirty="0">
                 <a:solidFill>
                   <a:schemeClr val="bg1">
                     <a:lumMod val="95000"/>
@@ -7885,7 +8062,7 @@
               <a:t>Take APP.JAR and run one in WEB Server as service</a:t>
             </a:r>
             <a:br>
-              <a:rPr lang="en-US" sz="1200" dirty="0" smtClean="0">
+              <a:rPr lang="en-US" sz="1200" dirty="0">
                 <a:solidFill>
                   <a:schemeClr val="bg1">
                     <a:lumMod val="95000"/>
@@ -7908,12 +8085,12 @@
         </p:nvCxnSpPr>
         <p:spPr>
           <a:xfrm flipV="1">
-            <a:off x="6121869" y="2191228"/>
-            <a:ext cx="2966604" cy="2714782"/>
+            <a:off x="6427661" y="2191228"/>
+            <a:ext cx="2660812" cy="2707741"/>
           </a:xfrm>
           <a:prstGeom prst="bentConnector3">
             <a:avLst>
-              <a:gd name="adj1" fmla="val 50000"/>
+              <a:gd name="adj1" fmla="val 41803"/>
             </a:avLst>
           </a:prstGeom>
           <a:ln w="38100">
@@ -8041,16 +8218,6 @@
           </a:bodyPr>
           <a:lstStyle/>
           <a:p>
-            <a:r>
-              <a:rPr lang="en-US" sz="3200" dirty="0">
-                <a:solidFill>
-                  <a:schemeClr val="bg1">
-                    <a:lumMod val="95000"/>
-                  </a:schemeClr>
-                </a:solidFill>
-              </a:rPr>
-              <a:t/>
-            </a:r>
             <a:br>
               <a:rPr lang="en-US" sz="3200" dirty="0">
                 <a:solidFill>
@@ -8060,10 +8227,6 @@
                 </a:solidFill>
               </a:rPr>
             </a:br>
-            <a:r>
-              <a:rPr lang="ru-RU" sz="2000" dirty="0"/>
-              <a:t/>
-            </a:r>
             <a:br>
               <a:rPr lang="ru-RU" sz="2000" dirty="0"/>
             </a:br>
@@ -8086,7 +8249,7 @@
         <p:spPr>
           <a:xfrm>
             <a:off x="2765659" y="159992"/>
-            <a:ext cx="6660682" cy="914400"/>
+            <a:ext cx="6660682" cy="536294"/>
           </a:xfrm>
           <a:prstGeom prst="rect">
             <a:avLst/>
@@ -8121,7 +8284,7 @@
               <a:rPr lang="en-US" sz="4800" dirty="0">
                 <a:latin typeface="+mj-lt"/>
               </a:rPr>
-              <a:t>Security</a:t>
+              <a:t>Credentials</a:t>
             </a:r>
             <a:endParaRPr lang="ru-RU" sz="1600" dirty="0">
               <a:latin typeface="+mj-lt"/>
@@ -8143,8 +8306,8 @@
         </p:nvSpPr>
         <p:spPr>
           <a:xfrm>
-            <a:off x="1603164" y="2724537"/>
-            <a:ext cx="8985671" cy="1408926"/>
+            <a:off x="1147972" y="966023"/>
+            <a:ext cx="4019647" cy="3748591"/>
           </a:xfrm>
           <a:prstGeom prst="rect">
             <a:avLst/>
@@ -8173,21 +8336,291 @@
           </a:fontRef>
         </p:style>
         <p:txBody>
-          <a:bodyPr rtlCol="0" anchor="ctr"/>
+          <a:bodyPr rtlCol="0" anchor="t"/>
           <a:lstStyle/>
           <a:p>
             <a:pPr algn="ctr"/>
             <a:r>
-              <a:rPr lang="en-US" dirty="0"/>
-              <a:t>I use Jenkins credentials tools for saving all credentials from AWS AMI, SSH and GitHub </a:t>
-            </a:r>
-            <a:endParaRPr lang="en-US" b="1" i="0" dirty="0">
+              <a:rPr lang="en-US" sz="2000" b="1" i="0" dirty="0">
+                <a:solidFill>
+                  <a:schemeClr val="bg1"/>
+                </a:solidFill>
+                <a:effectLst/>
+                <a:latin typeface="-apple-system"/>
+              </a:rPr>
+              <a:t>GitHub</a:t>
+            </a:r>
+          </a:p>
+          <a:p>
+            <a:pPr algn="ctr"/>
+            <a:r>
+              <a:rPr lang="en-US" b="1" dirty="0">
+                <a:solidFill>
+                  <a:schemeClr val="bg1"/>
+                </a:solidFill>
+                <a:latin typeface="-apple-system"/>
+              </a:rPr>
+              <a:t>Git app with Jenkins credentials tools</a:t>
+            </a:r>
+          </a:p>
+          <a:p>
+            <a:pPr algn="ctr"/>
+            <a:endParaRPr lang="en-US" sz="2000" b="1" i="0" dirty="0">
+              <a:solidFill>
+                <a:schemeClr val="bg1"/>
+              </a:solidFill>
+              <a:effectLst/>
+              <a:latin typeface="-apple-system"/>
+            </a:endParaRPr>
+          </a:p>
+          <a:p>
+            <a:pPr algn="ctr"/>
+            <a:endParaRPr lang="en-US" sz="2000" b="1" i="0" dirty="0">
               <a:solidFill>
                 <a:srgbClr val="333333"/>
               </a:solidFill>
               <a:effectLst/>
               <a:latin typeface="-apple-system"/>
             </a:endParaRPr>
+          </a:p>
+        </p:txBody>
+      </p:sp>
+      <p:pic>
+        <p:nvPicPr>
+          <p:cNvPr id="5" name="Рисунок 4">
+            <a:extLst>
+              <a:ext uri="{FF2B5EF4-FFF2-40B4-BE49-F238E27FC236}">
+                <a16:creationId xmlns:a16="http://schemas.microsoft.com/office/drawing/2014/main" id="{3C5D050E-E9D0-45D4-B7B1-554C2BC68E89}"/>
+              </a:ext>
+            </a:extLst>
+          </p:cNvPr>
+          <p:cNvPicPr>
+            <a:picLocks noChangeAspect="1"/>
+          </p:cNvPicPr>
+          <p:nvPr/>
+        </p:nvPicPr>
+        <p:blipFill>
+          <a:blip r:embed="rId2">
+            <a:extLst>
+              <a:ext uri="{28A0092B-C50C-407E-A947-70E740481C1C}">
+                <a14:useLocalDpi xmlns:a14="http://schemas.microsoft.com/office/drawing/2010/main" val="0"/>
+              </a:ext>
+            </a:extLst>
+          </a:blip>
+          <a:stretch>
+            <a:fillRect/>
+          </a:stretch>
+        </p:blipFill>
+        <p:spPr>
+          <a:xfrm>
+            <a:off x="1615034" y="1744493"/>
+            <a:ext cx="3085521" cy="2690287"/>
+          </a:xfrm>
+          <a:prstGeom prst="rect">
+            <a:avLst/>
+          </a:prstGeom>
+        </p:spPr>
+      </p:pic>
+      <p:sp>
+        <p:nvSpPr>
+          <p:cNvPr id="7" name="Прямоугольник 6">
+            <a:extLst>
+              <a:ext uri="{FF2B5EF4-FFF2-40B4-BE49-F238E27FC236}">
+                <a16:creationId xmlns:a16="http://schemas.microsoft.com/office/drawing/2014/main" id="{83F9D3FE-9930-45B2-B741-52B414F49FE9}"/>
+              </a:ext>
+            </a:extLst>
+          </p:cNvPr>
+          <p:cNvSpPr/>
+          <p:nvPr/>
+        </p:nvSpPr>
+        <p:spPr>
+          <a:xfrm>
+            <a:off x="6603316" y="955838"/>
+            <a:ext cx="4092647" cy="3758776"/>
+          </a:xfrm>
+          <a:prstGeom prst="rect">
+            <a:avLst/>
+          </a:prstGeom>
+          <a:noFill/>
+          <a:ln w="28575">
+            <a:solidFill>
+              <a:srgbClr val="F39803"/>
+            </a:solidFill>
+          </a:ln>
+        </p:spPr>
+        <p:style>
+          <a:lnRef idx="2">
+            <a:schemeClr val="accent1">
+              <a:shade val="50000"/>
+            </a:schemeClr>
+          </a:lnRef>
+          <a:fillRef idx="1">
+            <a:schemeClr val="accent1"/>
+          </a:fillRef>
+          <a:effectRef idx="0">
+            <a:schemeClr val="accent1"/>
+          </a:effectRef>
+          <a:fontRef idx="minor">
+            <a:schemeClr val="lt1"/>
+          </a:fontRef>
+        </p:style>
+        <p:txBody>
+          <a:bodyPr rtlCol="0" anchor="t"/>
+          <a:lstStyle/>
+          <a:p>
+            <a:pPr algn="ctr"/>
+            <a:r>
+              <a:rPr lang="en-US" sz="2000" b="1" i="0" dirty="0">
+                <a:solidFill>
+                  <a:schemeClr val="bg1"/>
+                </a:solidFill>
+                <a:effectLst/>
+                <a:latin typeface="-apple-system"/>
+              </a:rPr>
+              <a:t>SSH</a:t>
+            </a:r>
+          </a:p>
+          <a:p>
+            <a:pPr algn="ctr"/>
+            <a:r>
+              <a:rPr lang="en-US" b="1" dirty="0">
+                <a:solidFill>
+                  <a:schemeClr val="bg1"/>
+                </a:solidFill>
+                <a:latin typeface="-apple-system"/>
+              </a:rPr>
+              <a:t>Jenkins SSH agent plugin</a:t>
+            </a:r>
+          </a:p>
+        </p:txBody>
+      </p:sp>
+      <p:pic>
+        <p:nvPicPr>
+          <p:cNvPr id="8" name="Рисунок 7">
+            <a:extLst>
+              <a:ext uri="{FF2B5EF4-FFF2-40B4-BE49-F238E27FC236}">
+                <a16:creationId xmlns:a16="http://schemas.microsoft.com/office/drawing/2014/main" id="{FD354997-D387-4DA9-B07A-FF3C9189B7B3}"/>
+              </a:ext>
+            </a:extLst>
+          </p:cNvPr>
+          <p:cNvPicPr>
+            <a:picLocks noChangeAspect="1"/>
+          </p:cNvPicPr>
+          <p:nvPr/>
+        </p:nvPicPr>
+        <p:blipFill>
+          <a:blip r:embed="rId3">
+            <a:extLst>
+              <a:ext uri="{28A0092B-C50C-407E-A947-70E740481C1C}">
+                <a14:useLocalDpi xmlns:a14="http://schemas.microsoft.com/office/drawing/2010/main" val="0"/>
+              </a:ext>
+            </a:extLst>
+          </a:blip>
+          <a:stretch>
+            <a:fillRect/>
+          </a:stretch>
+        </p:blipFill>
+        <p:spPr>
+          <a:xfrm>
+            <a:off x="7103484" y="1680014"/>
+            <a:ext cx="3092309" cy="2819241"/>
+          </a:xfrm>
+          <a:prstGeom prst="rect">
+            <a:avLst/>
+          </a:prstGeom>
+        </p:spPr>
+      </p:pic>
+      <p:sp>
+        <p:nvSpPr>
+          <p:cNvPr id="10" name="Прямоугольник 9">
+            <a:extLst>
+              <a:ext uri="{FF2B5EF4-FFF2-40B4-BE49-F238E27FC236}">
+                <a16:creationId xmlns:a16="http://schemas.microsoft.com/office/drawing/2014/main" id="{4830E42D-D36F-4493-97D7-1398F97774D9}"/>
+              </a:ext>
+            </a:extLst>
+          </p:cNvPr>
+          <p:cNvSpPr/>
+          <p:nvPr/>
+        </p:nvSpPr>
+        <p:spPr>
+          <a:xfrm>
+            <a:off x="3174610" y="5318293"/>
+            <a:ext cx="5842780" cy="1065402"/>
+          </a:xfrm>
+          <a:prstGeom prst="rect">
+            <a:avLst/>
+          </a:prstGeom>
+          <a:noFill/>
+          <a:ln>
+            <a:solidFill>
+              <a:srgbClr val="F39803"/>
+            </a:solidFill>
+          </a:ln>
+        </p:spPr>
+        <p:style>
+          <a:lnRef idx="2">
+            <a:schemeClr val="accent1">
+              <a:shade val="50000"/>
+            </a:schemeClr>
+          </a:lnRef>
+          <a:fillRef idx="1">
+            <a:schemeClr val="accent1"/>
+          </a:fillRef>
+          <a:effectRef idx="0">
+            <a:schemeClr val="accent1"/>
+          </a:effectRef>
+          <a:fontRef idx="minor">
+            <a:schemeClr val="lt1"/>
+          </a:fontRef>
+        </p:style>
+        <p:txBody>
+          <a:bodyPr rtlCol="0" anchor="ctr"/>
+          <a:lstStyle/>
+          <a:p>
+            <a:pPr algn="ctr"/>
+            <a:r>
+              <a:rPr lang="en-US" dirty="0"/>
+              <a:t>Terraform               </a:t>
+            </a:r>
+            <a:r>
+              <a:rPr lang="en-US" b="0" dirty="0">
+                <a:solidFill>
+                  <a:srgbClr val="6A9955"/>
+                </a:solidFill>
+                <a:effectLst/>
+                <a:latin typeface="Consolas" panose="020B0609020204030204" pitchFamily="49" charset="0"/>
+              </a:rPr>
+              <a:t>export AWS_ACCESS_KEY_ID=</a:t>
+            </a:r>
+            <a:endParaRPr lang="en-US" b="0" dirty="0">
+              <a:solidFill>
+                <a:srgbClr val="D4D4D4"/>
+              </a:solidFill>
+              <a:effectLst/>
+              <a:latin typeface="Consolas" panose="020B0609020204030204" pitchFamily="49" charset="0"/>
+            </a:endParaRPr>
+          </a:p>
+          <a:p>
+            <a:pPr algn="ctr"/>
+            <a:r>
+              <a:rPr lang="en-US" dirty="0"/>
+              <a:t>Jenkins host      </a:t>
+            </a:r>
+            <a:r>
+              <a:rPr lang="en-US" b="0" dirty="0">
+                <a:solidFill>
+                  <a:srgbClr val="6A9955"/>
+                </a:solidFill>
+                <a:effectLst/>
+                <a:latin typeface="Consolas" panose="020B0609020204030204" pitchFamily="49" charset="0"/>
+              </a:rPr>
+              <a:t>export AWS_SECRET_ACCESS_KEY=</a:t>
+            </a:r>
+            <a:r>
+              <a:rPr lang="en-US" dirty="0"/>
+              <a:t> </a:t>
+            </a:r>
+            <a:endParaRPr lang="ru-RU" dirty="0"/>
           </a:p>
         </p:txBody>
       </p:sp>
@@ -8264,16 +8697,6 @@
           </a:bodyPr>
           <a:lstStyle/>
           <a:p>
-            <a:r>
-              <a:rPr lang="en-US" sz="3200" dirty="0">
-                <a:solidFill>
-                  <a:schemeClr val="bg1">
-                    <a:lumMod val="95000"/>
-                  </a:schemeClr>
-                </a:solidFill>
-              </a:rPr>
-              <a:t/>
-            </a:r>
             <a:br>
               <a:rPr lang="en-US" sz="3200" dirty="0">
                 <a:solidFill>
@@ -8283,10 +8706,6 @@
                 </a:solidFill>
               </a:rPr>
             </a:br>
-            <a:r>
-              <a:rPr lang="ru-RU" sz="2000" dirty="0"/>
-              <a:t/>
-            </a:r>
             <a:br>
               <a:rPr lang="ru-RU" sz="2000" dirty="0"/>
             </a:br>
@@ -8332,10 +8751,10 @@
       </p:pic>
       <p:sp>
         <p:nvSpPr>
-          <p:cNvPr id="9" name="Прямоугольник 8">
-            <a:extLst>
-              <a:ext uri="{FF2B5EF4-FFF2-40B4-BE49-F238E27FC236}">
-                <a16:creationId xmlns:a16="http://schemas.microsoft.com/office/drawing/2014/main" id="{666A778A-6A08-4DC4-A267-CBA5F39091A2}"/>
+          <p:cNvPr id="13" name="Прямоугольник 12">
+            <a:extLst>
+              <a:ext uri="{FF2B5EF4-FFF2-40B4-BE49-F238E27FC236}">
+                <a16:creationId xmlns:a16="http://schemas.microsoft.com/office/drawing/2014/main" id="{7E6A9977-726A-413F-A22E-2EA0558B5EA9}"/>
               </a:ext>
             </a:extLst>
           </p:cNvPr>
@@ -8344,8 +8763,8 @@
         </p:nvSpPr>
         <p:spPr>
           <a:xfrm>
-            <a:off x="804313" y="1742916"/>
-            <a:ext cx="2762449" cy="1303851"/>
+            <a:off x="201336" y="1282508"/>
+            <a:ext cx="11786532" cy="5328017"/>
           </a:xfrm>
           <a:prstGeom prst="rect">
             <a:avLst/>
@@ -8374,31 +8793,223 @@
           </a:fontRef>
         </p:style>
         <p:txBody>
-          <a:bodyPr rtlCol="0" anchor="ctr"/>
+          <a:bodyPr rtlCol="0" anchor="t"/>
           <a:lstStyle/>
           <a:p>
             <a:pPr algn="ctr"/>
             <a:r>
-              <a:rPr lang="en-US" dirty="0"/>
-              <a:t>Git Hook starting first job “FromGit_EC2_PetClinic”</a:t>
-            </a:r>
+              <a:rPr lang="en-US" b="1" dirty="0"/>
+              <a:t>Schedule starting first job “</a:t>
+            </a:r>
+            <a:r>
+              <a:rPr lang="en-US" b="1" dirty="0" err="1"/>
+              <a:t>Create_WEB_Inf</a:t>
+            </a:r>
+            <a:r>
+              <a:rPr lang="en-US" b="1" dirty="0"/>
+              <a:t>”</a:t>
+            </a:r>
+            <a:endParaRPr lang="ru-RU" b="1" dirty="0"/>
+          </a:p>
+          <a:p>
             <a:br>
-              <a:rPr lang="en-US" dirty="0"/>
+              <a:rPr lang="en-US" sz="1100" dirty="0"/>
             </a:br>
             <a:r>
-              <a:rPr lang="en-US" dirty="0"/>
-              <a:t>Step 1 – create Jenkins Node</a:t>
-            </a:r>
-            <a:endParaRPr lang="ru-RU" dirty="0"/>
-          </a:p>
-        </p:txBody>
-      </p:sp>
-      <p:sp>
-        <p:nvSpPr>
-          <p:cNvPr id="13" name="Прямоугольник 12">
-            <a:extLst>
-              <a:ext uri="{FF2B5EF4-FFF2-40B4-BE49-F238E27FC236}">
-                <a16:creationId xmlns:a16="http://schemas.microsoft.com/office/drawing/2014/main" id="{7E6A9977-726A-413F-A22E-2EA0558B5EA9}"/>
+              <a:rPr lang="en-US" sz="1100" dirty="0"/>
+              <a:t>cd m1/</a:t>
+            </a:r>
+            <a:r>
+              <a:rPr lang="en-US" sz="1100" dirty="0" err="1"/>
+              <a:t>final_project</a:t>
+            </a:r>
+            <a:r>
+              <a:rPr lang="en-US" sz="1100" dirty="0"/>
+              <a:t>/</a:t>
+            </a:r>
+            <a:r>
+              <a:rPr lang="en-US" sz="1100" dirty="0" err="1"/>
+              <a:t>terraform_jenkins</a:t>
+            </a:r>
+            <a:r>
+              <a:rPr lang="en-US" sz="1100" dirty="0"/>
+              <a:t>/</a:t>
+            </a:r>
+          </a:p>
+          <a:p>
+            <a:endParaRPr lang="en-US" sz="1100" dirty="0"/>
+          </a:p>
+          <a:p>
+            <a:r>
+              <a:rPr lang="en-US" sz="1100" dirty="0"/>
+              <a:t>#!!!Before add variables KEY under </a:t>
+            </a:r>
+            <a:r>
+              <a:rPr lang="en-US" sz="1100" dirty="0" err="1"/>
+              <a:t>jenkins</a:t>
+            </a:r>
+            <a:r>
+              <a:rPr lang="en-US" sz="1100" dirty="0"/>
+              <a:t> user!!!</a:t>
+            </a:r>
+          </a:p>
+          <a:p>
+            <a:endParaRPr lang="en-US" sz="1100" dirty="0"/>
+          </a:p>
+          <a:p>
+            <a:r>
+              <a:rPr lang="en-US" sz="1100" dirty="0"/>
+              <a:t>terraform </a:t>
+            </a:r>
+            <a:r>
+              <a:rPr lang="en-US" sz="1100" dirty="0" err="1"/>
+              <a:t>init</a:t>
+            </a:r>
+            <a:endParaRPr lang="en-US" sz="1100" dirty="0"/>
+          </a:p>
+          <a:p>
+            <a:r>
+              <a:rPr lang="en-US" sz="1100" dirty="0"/>
+              <a:t>terraform apply -auto-approve</a:t>
+            </a:r>
+          </a:p>
+          <a:p>
+            <a:endParaRPr lang="en-US" sz="1100" dirty="0"/>
+          </a:p>
+          <a:p>
+            <a:r>
+              <a:rPr lang="en-US" sz="1100" dirty="0"/>
+              <a:t>terraform show | grep WEB_2_publick_ip &gt; temp </a:t>
+            </a:r>
+          </a:p>
+          <a:p>
+            <a:endParaRPr lang="en-US" sz="1100" dirty="0"/>
+          </a:p>
+          <a:p>
+            <a:r>
+              <a:rPr lang="en-US" sz="1100" dirty="0"/>
+              <a:t>touch WEB_2_publick_ip.txt</a:t>
+            </a:r>
+          </a:p>
+          <a:p>
+            <a:r>
+              <a:rPr lang="en-US" sz="1100" dirty="0"/>
+              <a:t>grep -o '[0-9]\{1,3\}\.[0-9]\{1,3\}\.[0-9]\{1,3\}\.[0-9]\{1,3\}' temp &gt; WEB_2_publick_ip.txt</a:t>
+            </a:r>
+          </a:p>
+          <a:p>
+            <a:endParaRPr lang="en-US" sz="1100" dirty="0"/>
+          </a:p>
+          <a:p>
+            <a:endParaRPr lang="en-US" sz="1100" dirty="0"/>
+          </a:p>
+          <a:p>
+            <a:endParaRPr lang="en-US" sz="1100" dirty="0"/>
+          </a:p>
+          <a:p>
+            <a:endParaRPr lang="en-US" sz="1100" dirty="0"/>
+          </a:p>
+          <a:p>
+            <a:endParaRPr lang="en-US" sz="1100" dirty="0"/>
+          </a:p>
+          <a:p>
+            <a:endParaRPr lang="en-US" sz="1100" dirty="0"/>
+          </a:p>
+          <a:p>
+            <a:endParaRPr lang="en-US" sz="1100" dirty="0"/>
+          </a:p>
+          <a:p>
+            <a:r>
+              <a:rPr lang="en-US" sz="1100" dirty="0"/>
+              <a:t>git add /var/lib/</a:t>
+            </a:r>
+            <a:r>
+              <a:rPr lang="en-US" sz="1100" dirty="0" err="1"/>
+              <a:t>jenkins</a:t>
+            </a:r>
+            <a:r>
+              <a:rPr lang="en-US" sz="1100" dirty="0"/>
+              <a:t>/workspace/</a:t>
+            </a:r>
+            <a:r>
+              <a:rPr lang="en-US" sz="1100" dirty="0" err="1"/>
+              <a:t>Create_WEB_Inf</a:t>
+            </a:r>
+            <a:r>
+              <a:rPr lang="en-US" sz="1100" dirty="0"/>
+              <a:t>/m1/</a:t>
+            </a:r>
+            <a:r>
+              <a:rPr lang="en-US" sz="1100" dirty="0" err="1"/>
+              <a:t>final_project</a:t>
+            </a:r>
+            <a:r>
+              <a:rPr lang="en-US" sz="1100" dirty="0"/>
+              <a:t>/</a:t>
+            </a:r>
+            <a:r>
+              <a:rPr lang="en-US" sz="1100" dirty="0" err="1"/>
+              <a:t>terraform_jenkins</a:t>
+            </a:r>
+            <a:r>
+              <a:rPr lang="en-US" sz="1100" dirty="0"/>
+              <a:t>/* :!/var/lib/</a:t>
+            </a:r>
+            <a:r>
+              <a:rPr lang="en-US" sz="1100" dirty="0" err="1"/>
+              <a:t>jenkins</a:t>
+            </a:r>
+            <a:r>
+              <a:rPr lang="en-US" sz="1100" dirty="0"/>
+              <a:t>/workspace/</a:t>
+            </a:r>
+            <a:r>
+              <a:rPr lang="en-US" sz="1100" dirty="0" err="1"/>
+              <a:t>Create_WEB_Inf</a:t>
+            </a:r>
+            <a:r>
+              <a:rPr lang="en-US" sz="1100" dirty="0"/>
+              <a:t>/m1/</a:t>
+            </a:r>
+            <a:r>
+              <a:rPr lang="en-US" sz="1100" dirty="0" err="1"/>
+              <a:t>final_project</a:t>
+            </a:r>
+            <a:r>
+              <a:rPr lang="en-US" sz="1100" dirty="0"/>
+              <a:t>/</a:t>
+            </a:r>
+            <a:r>
+              <a:rPr lang="en-US" sz="1100" dirty="0" err="1"/>
+              <a:t>terraform_jenkins</a:t>
+            </a:r>
+            <a:r>
+              <a:rPr lang="en-US" sz="1100" dirty="0"/>
+              <a:t>/.terraform/*</a:t>
+            </a:r>
+          </a:p>
+          <a:p>
+            <a:r>
+              <a:rPr lang="en-US" sz="1100" dirty="0"/>
+              <a:t>git commit -m "job terraform </a:t>
+            </a:r>
+            <a:r>
+              <a:rPr lang="en-US" sz="1100" dirty="0" err="1"/>
+              <a:t>upd</a:t>
+            </a:r>
+            <a:r>
+              <a:rPr lang="en-US" sz="1100" dirty="0"/>
+              <a:t>"</a:t>
+            </a:r>
+          </a:p>
+        </p:txBody>
+      </p:sp>
+      <p:sp>
+        <p:nvSpPr>
+          <p:cNvPr id="18" name="Прямоугольник 17">
+            <a:extLst>
+              <a:ext uri="{FF2B5EF4-FFF2-40B4-BE49-F238E27FC236}">
+                <a16:creationId xmlns:a16="http://schemas.microsoft.com/office/drawing/2014/main" id="{1B45A778-EF04-44B4-928A-7496510B1111}"/>
               </a:ext>
             </a:extLst>
           </p:cNvPr>
@@ -8407,8 +9018,66 @@
         </p:nvSpPr>
         <p:spPr>
           <a:xfrm>
-            <a:off x="6089180" y="1734836"/>
-            <a:ext cx="4687506" cy="3598535"/>
+            <a:off x="2765659" y="159992"/>
+            <a:ext cx="6660682" cy="889161"/>
+          </a:xfrm>
+          <a:prstGeom prst="rect">
+            <a:avLst/>
+          </a:prstGeom>
+          <a:noFill/>
+          <a:ln>
+            <a:noFill/>
+          </a:ln>
+        </p:spPr>
+        <p:style>
+          <a:lnRef idx="2">
+            <a:schemeClr val="accent1">
+              <a:shade val="50000"/>
+            </a:schemeClr>
+          </a:lnRef>
+          <a:fillRef idx="1">
+            <a:schemeClr val="accent1"/>
+          </a:fillRef>
+          <a:effectRef idx="0">
+            <a:schemeClr val="accent1"/>
+          </a:effectRef>
+          <a:fontRef idx="minor">
+            <a:schemeClr val="lt1"/>
+          </a:fontRef>
+        </p:style>
+        <p:txBody>
+          <a:bodyPr rtlCol="0" anchor="ctr"/>
+          <a:lstStyle/>
+          <a:p>
+            <a:pPr algn="ctr"/>
+            <a:r>
+              <a:rPr lang="en-US" sz="3200" dirty="0">
+                <a:latin typeface="+mj-lt"/>
+              </a:rPr>
+              <a:t>Creating WEB Server</a:t>
+            </a:r>
+            <a:endParaRPr lang="ru-RU" sz="3200" dirty="0">
+              <a:latin typeface="+mj-lt"/>
+            </a:endParaRPr>
+          </a:p>
+        </p:txBody>
+      </p:sp>
+      <p:sp>
+        <p:nvSpPr>
+          <p:cNvPr id="21" name="Прямоугольник 20">
+            <a:extLst>
+              <a:ext uri="{FF2B5EF4-FFF2-40B4-BE49-F238E27FC236}">
+                <a16:creationId xmlns:a16="http://schemas.microsoft.com/office/drawing/2014/main" id="{776B92EB-B810-4D01-A44B-6BE4E3306873}"/>
+              </a:ext>
+            </a:extLst>
+          </p:cNvPr>
+          <p:cNvSpPr/>
+          <p:nvPr/>
+        </p:nvSpPr>
+        <p:spPr>
+          <a:xfrm>
+            <a:off x="5486399" y="2742120"/>
+            <a:ext cx="5662569" cy="914400"/>
           </a:xfrm>
           <a:prstGeom prst="rect">
             <a:avLst/>
@@ -8440,234 +9109,28 @@
           <a:bodyPr rtlCol="0" anchor="ctr"/>
           <a:lstStyle/>
           <a:p>
-            <a:r>
-              <a:rPr lang="en-US" sz="1800" dirty="0">
-                <a:solidFill>
-                  <a:schemeClr val="bg1">
-                    <a:lumMod val="95000"/>
-                  </a:schemeClr>
-                </a:solidFill>
-              </a:rPr>
-              <a:t>Amazon EC2 plugin</a:t>
-            </a:r>
-            <a:br>
-              <a:rPr lang="en-US" sz="1800" dirty="0">
-                <a:solidFill>
-                  <a:schemeClr val="bg1">
-                    <a:lumMod val="95000"/>
-                  </a:schemeClr>
-                </a:solidFill>
-              </a:rPr>
-            </a:br>
-            <a:r>
-              <a:rPr lang="en-US" sz="1800" dirty="0">
-                <a:solidFill>
-                  <a:schemeClr val="bg1">
-                    <a:lumMod val="95000"/>
-                  </a:schemeClr>
-                </a:solidFill>
-              </a:rPr>
-              <a:t>Started Launch Instance</a:t>
-            </a:r>
-          </a:p>
-          <a:p>
-            <a:r>
-              <a:rPr lang="en-US" dirty="0">
-                <a:solidFill>
-                  <a:schemeClr val="bg1">
-                    <a:lumMod val="95000"/>
-                  </a:schemeClr>
-                </a:solidFill>
-              </a:rPr>
-              <a:t>t2.medium</a:t>
-            </a:r>
-          </a:p>
-          <a:p>
+            <a:pPr algn="ctr"/>
             <a:r>
               <a:rPr lang="en-US" dirty="0"/>
-              <a:t>Idle termination time 60min</a:t>
-            </a:r>
-          </a:p>
-          <a:p>
-            <a:endParaRPr lang="en-US" sz="1800" dirty="0">
-              <a:solidFill>
-                <a:schemeClr val="bg1">
-                  <a:lumMod val="95000"/>
-                </a:schemeClr>
-              </a:solidFill>
-            </a:endParaRPr>
-          </a:p>
-          <a:p>
-            <a:r>
-              <a:rPr lang="en-US" sz="1800" dirty="0">
-                <a:solidFill>
-                  <a:schemeClr val="bg1">
-                    <a:lumMod val="95000"/>
-                  </a:schemeClr>
-                </a:solidFill>
-              </a:rPr>
-              <a:t>user data:</a:t>
-            </a:r>
-          </a:p>
-          <a:p>
-            <a:endParaRPr lang="en-US" dirty="0">
-              <a:solidFill>
-                <a:schemeClr val="bg1">
-                  <a:lumMod val="95000"/>
-                </a:schemeClr>
-              </a:solidFill>
-            </a:endParaRPr>
-          </a:p>
-          <a:p>
-            <a:r>
-              <a:rPr lang="en-US" dirty="0"/>
-              <a:t>#!/bin/bash</a:t>
-            </a:r>
-          </a:p>
-          <a:p>
-            <a:r>
-              <a:rPr lang="en-US" dirty="0" err="1"/>
-              <a:t>sudo</a:t>
-            </a:r>
-            <a:r>
-              <a:rPr lang="en-US" dirty="0"/>
-              <a:t> apt update</a:t>
-            </a:r>
-          </a:p>
-          <a:p>
-            <a:r>
-              <a:rPr lang="en-US" dirty="0" err="1"/>
-              <a:t>sudo</a:t>
-            </a:r>
-            <a:r>
-              <a:rPr lang="en-US" dirty="0"/>
-              <a:t> apt install openjdk-11-jdk -y</a:t>
-            </a:r>
-          </a:p>
-          <a:p>
-            <a:r>
-              <a:rPr lang="en-US" dirty="0" err="1"/>
-              <a:t>sudo</a:t>
-            </a:r>
-            <a:r>
-              <a:rPr lang="en-US" dirty="0"/>
-              <a:t> apt install -y maven</a:t>
-            </a:r>
-          </a:p>
-          <a:p>
-            <a:r>
-              <a:rPr lang="en-US" dirty="0" err="1"/>
-              <a:t>sudo</a:t>
-            </a:r>
-            <a:r>
-              <a:rPr lang="en-US" dirty="0"/>
-              <a:t> </a:t>
-            </a:r>
-            <a:r>
-              <a:rPr lang="en-US" dirty="0" err="1"/>
-              <a:t>timedatectl</a:t>
-            </a:r>
-            <a:r>
-              <a:rPr lang="en-US" dirty="0"/>
-              <a:t> set-</a:t>
-            </a:r>
-            <a:r>
-              <a:rPr lang="en-US" dirty="0" err="1"/>
-              <a:t>timezone</a:t>
-            </a:r>
-            <a:r>
-              <a:rPr lang="en-US" dirty="0"/>
-              <a:t> Europe/</a:t>
-            </a:r>
-            <a:r>
-              <a:rPr lang="en-US" dirty="0" err="1"/>
-              <a:t>KievIdle</a:t>
-            </a:r>
+              <a:t>#Save IP address WEB server into </a:t>
+            </a:r>
+            <a:r>
+              <a:rPr lang="en-US" sz="1800" dirty="0"/>
+              <a:t>WEB_2_publick_ip.txt</a:t>
+            </a:r>
+          </a:p>
+          <a:p>
+            <a:pPr algn="ctr"/>
             <a:endParaRPr lang="ru-RU" dirty="0"/>
           </a:p>
         </p:txBody>
       </p:sp>
-      <p:pic>
-        <p:nvPicPr>
-          <p:cNvPr id="15" name="Рисунок 14">
-            <a:extLst>
-              <a:ext uri="{FF2B5EF4-FFF2-40B4-BE49-F238E27FC236}">
-                <a16:creationId xmlns:a16="http://schemas.microsoft.com/office/drawing/2014/main" id="{72BCDBFC-0EBA-4DB0-8CB9-F0230DE236EE}"/>
-              </a:ext>
-            </a:extLst>
-          </p:cNvPr>
-          <p:cNvPicPr>
-            <a:picLocks noChangeAspect="1"/>
-          </p:cNvPicPr>
-          <p:nvPr/>
-        </p:nvPicPr>
-        <p:blipFill>
-          <a:blip r:embed="rId3">
-            <a:extLst>
-              <a:ext uri="{28A0092B-C50C-407E-A947-70E740481C1C}">
-                <a14:useLocalDpi xmlns:a14="http://schemas.microsoft.com/office/drawing/2010/main" val="0"/>
-              </a:ext>
-            </a:extLst>
-          </a:blip>
-          <a:stretch>
-            <a:fillRect/>
-          </a:stretch>
-        </p:blipFill>
-        <p:spPr>
-          <a:xfrm>
-            <a:off x="804313" y="3173750"/>
-            <a:ext cx="2762449" cy="2159621"/>
-          </a:xfrm>
-          <a:prstGeom prst="rect">
-            <a:avLst/>
-          </a:prstGeom>
-        </p:spPr>
-      </p:pic>
-      <p:cxnSp>
-        <p:nvCxnSpPr>
-          <p:cNvPr id="17" name="Прямая со стрелкой 16">
-            <a:extLst>
-              <a:ext uri="{FF2B5EF4-FFF2-40B4-BE49-F238E27FC236}">
-                <a16:creationId xmlns:a16="http://schemas.microsoft.com/office/drawing/2014/main" id="{FFC1DDD4-D4B6-4B09-A0F7-D49CBBD2A26D}"/>
-              </a:ext>
-            </a:extLst>
-          </p:cNvPr>
-          <p:cNvCxnSpPr/>
-          <p:nvPr/>
-        </p:nvCxnSpPr>
-        <p:spPr>
-          <a:xfrm>
-            <a:off x="4109987" y="3429000"/>
-            <a:ext cx="1568918" cy="0"/>
-          </a:xfrm>
-          <a:prstGeom prst="straightConnector1">
-            <a:avLst/>
-          </a:prstGeom>
-          <a:ln w="38100">
-            <a:tailEnd type="triangle"/>
-          </a:ln>
-        </p:spPr>
-        <p:style>
-          <a:lnRef idx="1">
-            <a:schemeClr val="accent2"/>
-          </a:lnRef>
-          <a:fillRef idx="0">
-            <a:schemeClr val="accent2"/>
-          </a:fillRef>
-          <a:effectRef idx="0">
-            <a:schemeClr val="accent2"/>
-          </a:effectRef>
-          <a:fontRef idx="minor">
-            <a:schemeClr val="tx1"/>
-          </a:fontRef>
-        </p:style>
-      </p:cxnSp>
-      <p:sp>
-        <p:nvSpPr>
-          <p:cNvPr id="18" name="Прямоугольник 17">
-            <a:extLst>
-              <a:ext uri="{FF2B5EF4-FFF2-40B4-BE49-F238E27FC236}">
-                <a16:creationId xmlns:a16="http://schemas.microsoft.com/office/drawing/2014/main" id="{1B45A778-EF04-44B4-928A-7496510B1111}"/>
+      <p:sp>
+        <p:nvSpPr>
+          <p:cNvPr id="22" name="Прямоугольник 21">
+            <a:extLst>
+              <a:ext uri="{FF2B5EF4-FFF2-40B4-BE49-F238E27FC236}">
+                <a16:creationId xmlns:a16="http://schemas.microsoft.com/office/drawing/2014/main" id="{36D46A1B-D49C-4F8B-B78D-0ADDBB863E53}"/>
               </a:ext>
             </a:extLst>
           </p:cNvPr>
@@ -8676,15 +9139,17 @@
         </p:nvSpPr>
         <p:spPr>
           <a:xfrm>
-            <a:off x="2765659" y="159992"/>
-            <a:ext cx="6660682" cy="889161"/>
+            <a:off x="286624" y="4303551"/>
+            <a:ext cx="4360877" cy="411379"/>
           </a:xfrm>
           <a:prstGeom prst="rect">
             <a:avLst/>
           </a:prstGeom>
           <a:noFill/>
           <a:ln>
-            <a:noFill/>
+            <a:solidFill>
+              <a:srgbClr val="F39803"/>
+            </a:solidFill>
           </a:ln>
         </p:spPr>
         <p:style>
@@ -8709,14 +9174,10 @@
           <a:p>
             <a:pPr algn="ctr"/>
             <a:r>
-              <a:rPr lang="en-US" sz="3200" dirty="0">
-                <a:latin typeface="+mj-lt"/>
-              </a:rPr>
-              <a:t>Creating Jenkins Node</a:t>
-            </a:r>
-            <a:endParaRPr lang="ru-RU" sz="3200" dirty="0">
-              <a:latin typeface="+mj-lt"/>
-            </a:endParaRPr>
+              <a:rPr lang="en-US" dirty="0"/>
+              <a:t>#Push updated Terraform files back to Git</a:t>
+            </a:r>
+            <a:endParaRPr lang="ru-RU" dirty="0"/>
           </a:p>
         </p:txBody>
       </p:sp>
@@ -8793,16 +9254,6 @@
           </a:bodyPr>
           <a:lstStyle/>
           <a:p>
-            <a:r>
-              <a:rPr lang="en-US" sz="3200" dirty="0">
-                <a:solidFill>
-                  <a:schemeClr val="bg1">
-                    <a:lumMod val="95000"/>
-                  </a:schemeClr>
-                </a:solidFill>
-              </a:rPr>
-              <a:t/>
-            </a:r>
             <a:br>
               <a:rPr lang="en-US" sz="3200" dirty="0">
                 <a:solidFill>
@@ -8812,10 +9263,6 @@
                 </a:solidFill>
               </a:rPr>
             </a:br>
-            <a:r>
-              <a:rPr lang="ru-RU" sz="2000" dirty="0"/>
-              <a:t/>
-            </a:r>
             <a:br>
               <a:rPr lang="ru-RU" sz="2000" dirty="0"/>
             </a:br>
@@ -8825,10 +9272,10 @@
       </p:sp>
       <p:pic>
         <p:nvPicPr>
-          <p:cNvPr id="4" name="Рисунок 3">
-            <a:extLst>
-              <a:ext uri="{FF2B5EF4-FFF2-40B4-BE49-F238E27FC236}">
-                <a16:creationId xmlns:a16="http://schemas.microsoft.com/office/drawing/2014/main" id="{5C0DB466-5773-4E41-8BA8-E6ED8FDD13C4}"/>
+          <p:cNvPr id="8" name="Рисунок 7">
+            <a:extLst>
+              <a:ext uri="{FF2B5EF4-FFF2-40B4-BE49-F238E27FC236}">
+                <a16:creationId xmlns:a16="http://schemas.microsoft.com/office/drawing/2014/main" id="{0B594192-1C59-44C8-AB4B-4C7982A5BC48}"/>
               </a:ext>
             </a:extLst>
           </p:cNvPr>
@@ -8851,7 +9298,7 @@
         </p:blipFill>
         <p:spPr>
           <a:xfrm>
-            <a:off x="3143823" y="158172"/>
+            <a:off x="2771964" y="97755"/>
             <a:ext cx="966164" cy="966164"/>
           </a:xfrm>
           <a:prstGeom prst="rect">
@@ -8861,10 +9308,10 @@
       </p:pic>
       <p:sp>
         <p:nvSpPr>
-          <p:cNvPr id="6" name="Прямоугольник 5">
-            <a:extLst>
-              <a:ext uri="{FF2B5EF4-FFF2-40B4-BE49-F238E27FC236}">
-                <a16:creationId xmlns:a16="http://schemas.microsoft.com/office/drawing/2014/main" id="{95AB855C-EE7C-4E0A-BAC2-A4F82821D7C5}"/>
+          <p:cNvPr id="9" name="Прямоугольник 8">
+            <a:extLst>
+              <a:ext uri="{FF2B5EF4-FFF2-40B4-BE49-F238E27FC236}">
+                <a16:creationId xmlns:a16="http://schemas.microsoft.com/office/drawing/2014/main" id="{666A778A-6A08-4DC4-A267-CBA5F39091A2}"/>
               </a:ext>
             </a:extLst>
           </p:cNvPr>
@@ -8873,66 +9320,8 @@
         </p:nvSpPr>
         <p:spPr>
           <a:xfrm>
-            <a:off x="2765659" y="159992"/>
-            <a:ext cx="6660682" cy="889161"/>
-          </a:xfrm>
-          <a:prstGeom prst="rect">
-            <a:avLst/>
-          </a:prstGeom>
-          <a:noFill/>
-          <a:ln>
-            <a:noFill/>
-          </a:ln>
-        </p:spPr>
-        <p:style>
-          <a:lnRef idx="2">
-            <a:schemeClr val="accent1">
-              <a:shade val="50000"/>
-            </a:schemeClr>
-          </a:lnRef>
-          <a:fillRef idx="1">
-            <a:schemeClr val="accent1"/>
-          </a:fillRef>
-          <a:effectRef idx="0">
-            <a:schemeClr val="accent1"/>
-          </a:effectRef>
-          <a:fontRef idx="minor">
-            <a:schemeClr val="lt1"/>
-          </a:fontRef>
-        </p:style>
-        <p:txBody>
-          <a:bodyPr rtlCol="0" anchor="ctr"/>
-          <a:lstStyle/>
-          <a:p>
-            <a:pPr algn="ctr"/>
-            <a:r>
-              <a:rPr lang="en-US" sz="3200" dirty="0">
-                <a:latin typeface="+mj-lt"/>
-              </a:rPr>
-              <a:t>Build project in Node</a:t>
-            </a:r>
-            <a:endParaRPr lang="ru-RU" sz="3200" dirty="0">
-              <a:latin typeface="+mj-lt"/>
-            </a:endParaRPr>
-          </a:p>
-        </p:txBody>
-      </p:sp>
-      <p:sp>
-        <p:nvSpPr>
-          <p:cNvPr id="3" name="Прямоугольник 2">
-            <a:extLst>
-              <a:ext uri="{FF2B5EF4-FFF2-40B4-BE49-F238E27FC236}">
-                <a16:creationId xmlns:a16="http://schemas.microsoft.com/office/drawing/2014/main" id="{BC4B38F9-E14E-4BF5-8905-A392323E75D5}"/>
-              </a:ext>
-            </a:extLst>
-          </p:cNvPr>
-          <p:cNvSpPr/>
-          <p:nvPr/>
-        </p:nvSpPr>
-        <p:spPr>
-          <a:xfrm>
-            <a:off x="271612" y="1124335"/>
-            <a:ext cx="4071485" cy="1318355"/>
+            <a:off x="199089" y="1056439"/>
+            <a:ext cx="3219196" cy="6224631"/>
           </a:xfrm>
           <a:prstGeom prst="rect">
             <a:avLst/>
@@ -8961,68 +9350,83 @@
           </a:fontRef>
         </p:style>
         <p:txBody>
-          <a:bodyPr rtlCol="0" anchor="ctr"/>
+          <a:bodyPr rtlCol="0" anchor="t"/>
           <a:lstStyle/>
           <a:p>
             <a:pPr algn="ctr"/>
-            <a:r>
-              <a:rPr lang="en-US" dirty="0"/>
+            <a:endParaRPr lang="en-US" sz="1400" dirty="0"/>
+          </a:p>
+          <a:p>
+            <a:pPr algn="ctr"/>
+            <a:endParaRPr lang="en-US" sz="1400" dirty="0"/>
+          </a:p>
+          <a:p>
+            <a:pPr algn="ctr"/>
+            <a:endParaRPr lang="en-US" sz="1400" dirty="0"/>
+          </a:p>
+          <a:p>
+            <a:pPr algn="ctr"/>
+            <a:r>
+              <a:rPr lang="en-US" sz="1400" dirty="0"/>
               <a:t>Git Hook starting first job “FromGit_EC2_PetClinic”</a:t>
             </a:r>
-            <a:endParaRPr lang="ru-RU" dirty="0"/>
           </a:p>
           <a:p>
             <a:pPr algn="ctr"/>
-            <a:r>
-              <a:rPr lang="en-US" dirty="0"/>
-              <a:t>Step 2 - Get project from Git and Build</a:t>
-            </a:r>
-            <a:endParaRPr lang="ru-RU" dirty="0"/>
-          </a:p>
-        </p:txBody>
-      </p:sp>
-      <p:pic>
-        <p:nvPicPr>
-          <p:cNvPr id="8" name="Рисунок 7">
-            <a:extLst>
-              <a:ext uri="{FF2B5EF4-FFF2-40B4-BE49-F238E27FC236}">
-                <a16:creationId xmlns:a16="http://schemas.microsoft.com/office/drawing/2014/main" id="{411067CD-F585-40ED-AE04-35E1E3CC025E}"/>
-              </a:ext>
-            </a:extLst>
-          </p:cNvPr>
-          <p:cNvPicPr>
-            <a:picLocks noChangeAspect="1"/>
-          </p:cNvPicPr>
-          <p:nvPr/>
-        </p:nvPicPr>
-        <p:blipFill>
-          <a:blip r:embed="rId3">
-            <a:extLst>
-              <a:ext uri="{28A0092B-C50C-407E-A947-70E740481C1C}">
-                <a14:useLocalDpi xmlns:a14="http://schemas.microsoft.com/office/drawing/2010/main" val="0"/>
-              </a:ext>
-            </a:extLst>
-          </a:blip>
-          <a:stretch>
-            <a:fillRect/>
-          </a:stretch>
-        </p:blipFill>
-        <p:spPr>
-          <a:xfrm>
-            <a:off x="232558" y="2751999"/>
-            <a:ext cx="4149591" cy="3796693"/>
-          </a:xfrm>
-          <a:prstGeom prst="rect">
-            <a:avLst/>
-          </a:prstGeom>
-        </p:spPr>
-      </p:pic>
-      <p:sp>
-        <p:nvSpPr>
-          <p:cNvPr id="9" name="Прямоугольник 8">
-            <a:extLst>
-              <a:ext uri="{FF2B5EF4-FFF2-40B4-BE49-F238E27FC236}">
-                <a16:creationId xmlns:a16="http://schemas.microsoft.com/office/drawing/2014/main" id="{29853A20-8F8E-4150-A68B-29E21BD8A8D7}"/>
+            <a:endParaRPr lang="en-US" sz="1400" dirty="0"/>
+          </a:p>
+          <a:p>
+            <a:pPr algn="ctr"/>
+            <a:endParaRPr lang="en-US" sz="1400" dirty="0"/>
+          </a:p>
+          <a:p>
+            <a:pPr algn="ctr"/>
+            <a:endParaRPr lang="en-US" sz="1400" dirty="0"/>
+          </a:p>
+          <a:p>
+            <a:pPr algn="ctr"/>
+            <a:endParaRPr lang="en-US" sz="1400" dirty="0"/>
+          </a:p>
+          <a:p>
+            <a:pPr algn="ctr"/>
+            <a:endParaRPr lang="en-US" sz="1400" dirty="0"/>
+          </a:p>
+          <a:p>
+            <a:pPr algn="ctr"/>
+            <a:endParaRPr lang="en-US" sz="1400" dirty="0"/>
+          </a:p>
+          <a:p>
+            <a:pPr algn="ctr"/>
+            <a:endParaRPr lang="en-US" sz="1400" dirty="0"/>
+          </a:p>
+          <a:p>
+            <a:pPr algn="ctr"/>
+            <a:endParaRPr lang="en-US" sz="1400" dirty="0"/>
+          </a:p>
+          <a:p>
+            <a:pPr algn="ctr"/>
+            <a:endParaRPr lang="en-US" sz="1400" dirty="0"/>
+          </a:p>
+          <a:p>
+            <a:pPr algn="ctr"/>
+            <a:endParaRPr lang="en-US" sz="1400" dirty="0"/>
+          </a:p>
+          <a:p>
+            <a:pPr algn="ctr"/>
+            <a:endParaRPr lang="en-US" sz="1400" dirty="0"/>
+          </a:p>
+          <a:p>
+            <a:pPr algn="ctr"/>
+            <a:endParaRPr lang="ru-RU" sz="1400" dirty="0"/>
+          </a:p>
+        </p:txBody>
+      </p:sp>
+      <p:sp>
+        <p:nvSpPr>
+          <p:cNvPr id="13" name="Прямоугольник 12">
+            <a:extLst>
+              <a:ext uri="{FF2B5EF4-FFF2-40B4-BE49-F238E27FC236}">
+                <a16:creationId xmlns:a16="http://schemas.microsoft.com/office/drawing/2014/main" id="{7E6A9977-726A-413F-A22E-2EA0558B5EA9}"/>
               </a:ext>
             </a:extLst>
           </p:cNvPr>
@@ -9031,8 +9435,8 @@
         </p:nvSpPr>
         <p:spPr>
           <a:xfrm>
-            <a:off x="5473566" y="1124336"/>
-            <a:ext cx="6446822" cy="914400"/>
+            <a:off x="3693219" y="1056439"/>
+            <a:ext cx="3109334" cy="2383946"/>
           </a:xfrm>
           <a:prstGeom prst="rect">
             <a:avLst/>
@@ -9066,19 +9470,188 @@
           <a:p>
             <a:pPr algn="ctr"/>
             <a:r>
-              <a:rPr lang="en-US" dirty="0"/>
-              <a:t>Start Build and copy artefact to WEB server</a:t>
-            </a:r>
-            <a:endParaRPr lang="ru-RU" dirty="0"/>
-          </a:p>
-        </p:txBody>
-      </p:sp>
-      <p:sp>
-        <p:nvSpPr>
-          <p:cNvPr id="10" name="Прямоугольник 9">
-            <a:extLst>
-              <a:ext uri="{FF2B5EF4-FFF2-40B4-BE49-F238E27FC236}">
-                <a16:creationId xmlns:a16="http://schemas.microsoft.com/office/drawing/2014/main" id="{5CEC7592-88F6-496A-A704-FD9BCE81E3D8}"/>
+              <a:rPr lang="en-US" sz="1200" dirty="0">
+                <a:solidFill>
+                  <a:srgbClr val="FF0000"/>
+                </a:solidFill>
+              </a:rPr>
+              <a:t>Amazon EC2 plugin</a:t>
+            </a:r>
+            <a:br>
+              <a:rPr lang="en-US" sz="1200" dirty="0">
+                <a:solidFill>
+                  <a:srgbClr val="FF0000"/>
+                </a:solidFill>
+              </a:rPr>
+            </a:br>
+            <a:r>
+              <a:rPr lang="en-US" sz="1200" dirty="0">
+                <a:solidFill>
+                  <a:srgbClr val="FF0000"/>
+                </a:solidFill>
+              </a:rPr>
+              <a:t>Started Launch Instance</a:t>
+            </a:r>
+          </a:p>
+          <a:p>
+            <a:r>
+              <a:rPr lang="en-US" sz="1200" dirty="0">
+                <a:solidFill>
+                  <a:schemeClr val="bg1">
+                    <a:lumMod val="95000"/>
+                  </a:schemeClr>
+                </a:solidFill>
+              </a:rPr>
+              <a:t>t2.medium</a:t>
+            </a:r>
+          </a:p>
+          <a:p>
+            <a:r>
+              <a:rPr lang="en-US" sz="1200" dirty="0"/>
+              <a:t>Idle termination time 180 min</a:t>
+            </a:r>
+          </a:p>
+          <a:p>
+            <a:endParaRPr lang="en-US" sz="1200" dirty="0">
+              <a:solidFill>
+                <a:schemeClr val="bg1">
+                  <a:lumMod val="95000"/>
+                </a:schemeClr>
+              </a:solidFill>
+            </a:endParaRPr>
+          </a:p>
+          <a:p>
+            <a:r>
+              <a:rPr lang="en-US" sz="1200" dirty="0">
+                <a:solidFill>
+                  <a:schemeClr val="bg1">
+                    <a:lumMod val="95000"/>
+                  </a:schemeClr>
+                </a:solidFill>
+              </a:rPr>
+              <a:t>user data:</a:t>
+            </a:r>
+          </a:p>
+          <a:p>
+            <a:endParaRPr lang="en-US" sz="1200" dirty="0">
+              <a:solidFill>
+                <a:schemeClr val="bg1">
+                  <a:lumMod val="95000"/>
+                </a:schemeClr>
+              </a:solidFill>
+            </a:endParaRPr>
+          </a:p>
+          <a:p>
+            <a:r>
+              <a:rPr lang="en-US" sz="1200" dirty="0"/>
+              <a:t>#!/bin/bash</a:t>
+            </a:r>
+          </a:p>
+          <a:p>
+            <a:r>
+              <a:rPr lang="en-US" sz="1200" dirty="0" err="1"/>
+              <a:t>sudo</a:t>
+            </a:r>
+            <a:r>
+              <a:rPr lang="en-US" sz="1200" dirty="0"/>
+              <a:t> apt update</a:t>
+            </a:r>
+          </a:p>
+          <a:p>
+            <a:r>
+              <a:rPr lang="en-US" sz="1200" dirty="0" err="1"/>
+              <a:t>sudo</a:t>
+            </a:r>
+            <a:r>
+              <a:rPr lang="en-US" sz="1200" dirty="0"/>
+              <a:t> apt install openjdk-11-jdk -y</a:t>
+            </a:r>
+          </a:p>
+          <a:p>
+            <a:r>
+              <a:rPr lang="en-US" sz="1200" dirty="0" err="1"/>
+              <a:t>sudo</a:t>
+            </a:r>
+            <a:r>
+              <a:rPr lang="en-US" sz="1200" dirty="0"/>
+              <a:t> apt install -y maven</a:t>
+            </a:r>
+          </a:p>
+          <a:p>
+            <a:r>
+              <a:rPr lang="en-US" sz="1200" dirty="0" err="1"/>
+              <a:t>sudo</a:t>
+            </a:r>
+            <a:r>
+              <a:rPr lang="en-US" sz="1200" dirty="0"/>
+              <a:t> </a:t>
+            </a:r>
+            <a:r>
+              <a:rPr lang="en-US" sz="1200" dirty="0" err="1"/>
+              <a:t>timedatectl</a:t>
+            </a:r>
+            <a:r>
+              <a:rPr lang="en-US" sz="1200" dirty="0"/>
+              <a:t> set-</a:t>
+            </a:r>
+            <a:r>
+              <a:rPr lang="en-US" sz="1200" dirty="0" err="1"/>
+              <a:t>timezone</a:t>
+            </a:r>
+            <a:r>
+              <a:rPr lang="en-US" sz="1200" dirty="0"/>
+              <a:t> Europe/</a:t>
+            </a:r>
+            <a:r>
+              <a:rPr lang="en-US" sz="1200" dirty="0" err="1"/>
+              <a:t>KievIdle</a:t>
+            </a:r>
+            <a:endParaRPr lang="ru-RU" sz="1200" dirty="0"/>
+          </a:p>
+        </p:txBody>
+      </p:sp>
+      <p:pic>
+        <p:nvPicPr>
+          <p:cNvPr id="15" name="Рисунок 14">
+            <a:extLst>
+              <a:ext uri="{FF2B5EF4-FFF2-40B4-BE49-F238E27FC236}">
+                <a16:creationId xmlns:a16="http://schemas.microsoft.com/office/drawing/2014/main" id="{72BCDBFC-0EBA-4DB0-8CB9-F0230DE236EE}"/>
+              </a:ext>
+            </a:extLst>
+          </p:cNvPr>
+          <p:cNvPicPr>
+            <a:picLocks noChangeAspect="1"/>
+          </p:cNvPicPr>
+          <p:nvPr/>
+        </p:nvPicPr>
+        <p:blipFill>
+          <a:blip r:embed="rId3">
+            <a:extLst>
+              <a:ext uri="{28A0092B-C50C-407E-A947-70E740481C1C}">
+                <a14:useLocalDpi xmlns:a14="http://schemas.microsoft.com/office/drawing/2010/main" val="0"/>
+              </a:ext>
+            </a:extLst>
+          </a:blip>
+          <a:stretch>
+            <a:fillRect/>
+          </a:stretch>
+        </p:blipFill>
+        <p:spPr>
+          <a:xfrm>
+            <a:off x="401439" y="2909921"/>
+            <a:ext cx="2762449" cy="2159621"/>
+          </a:xfrm>
+          <a:prstGeom prst="rect">
+            <a:avLst/>
+          </a:prstGeom>
+        </p:spPr>
+      </p:pic>
+      <p:sp>
+        <p:nvSpPr>
+          <p:cNvPr id="18" name="Прямоугольник 17">
+            <a:extLst>
+              <a:ext uri="{FF2B5EF4-FFF2-40B4-BE49-F238E27FC236}">
+                <a16:creationId xmlns:a16="http://schemas.microsoft.com/office/drawing/2014/main" id="{1B45A778-EF04-44B4-928A-7496510B1111}"/>
               </a:ext>
             </a:extLst>
           </p:cNvPr>
@@ -9087,8 +9660,256 @@
         </p:nvSpPr>
         <p:spPr>
           <a:xfrm>
-            <a:off x="5473566" y="2130413"/>
-            <a:ext cx="6446822" cy="2242274"/>
+            <a:off x="3408780" y="186230"/>
+            <a:ext cx="6752488" cy="675540"/>
+          </a:xfrm>
+          <a:prstGeom prst="rect">
+            <a:avLst/>
+          </a:prstGeom>
+          <a:noFill/>
+          <a:ln>
+            <a:noFill/>
+          </a:ln>
+        </p:spPr>
+        <p:style>
+          <a:lnRef idx="2">
+            <a:schemeClr val="accent1">
+              <a:shade val="50000"/>
+            </a:schemeClr>
+          </a:lnRef>
+          <a:fillRef idx="1">
+            <a:schemeClr val="accent1"/>
+          </a:fillRef>
+          <a:effectRef idx="0">
+            <a:schemeClr val="accent1"/>
+          </a:effectRef>
+          <a:fontRef idx="minor">
+            <a:schemeClr val="lt1"/>
+          </a:fontRef>
+        </p:style>
+        <p:txBody>
+          <a:bodyPr rtlCol="0" anchor="ctr"/>
+          <a:lstStyle/>
+          <a:p>
+            <a:pPr algn="ctr"/>
+            <a:r>
+              <a:rPr lang="en-US" sz="3200" dirty="0">
+                <a:latin typeface="+mj-lt"/>
+              </a:rPr>
+              <a:t>Build APP and Creating Jenkins Node</a:t>
+            </a:r>
+            <a:endParaRPr lang="ru-RU" sz="3200" dirty="0">
+              <a:latin typeface="+mj-lt"/>
+            </a:endParaRPr>
+          </a:p>
+        </p:txBody>
+      </p:sp>
+      <p:cxnSp>
+        <p:nvCxnSpPr>
+          <p:cNvPr id="6" name="Соединитель: уступ 5">
+            <a:extLst>
+              <a:ext uri="{FF2B5EF4-FFF2-40B4-BE49-F238E27FC236}">
+                <a16:creationId xmlns:a16="http://schemas.microsoft.com/office/drawing/2014/main" id="{1CEDC1BE-CBCD-427E-B205-5489B7049832}"/>
+              </a:ext>
+            </a:extLst>
+          </p:cNvPr>
+          <p:cNvCxnSpPr>
+            <a:cxnSpLocks/>
+            <a:stCxn id="37" idx="3"/>
+            <a:endCxn id="13" idx="1"/>
+          </p:cNvCxnSpPr>
+          <p:nvPr/>
+        </p:nvCxnSpPr>
+        <p:spPr>
+          <a:xfrm flipV="1">
+            <a:off x="3261760" y="2248412"/>
+            <a:ext cx="431459" cy="1491213"/>
+          </a:xfrm>
+          <a:prstGeom prst="bentConnector3">
+            <a:avLst>
+              <a:gd name="adj1" fmla="val 59722"/>
+            </a:avLst>
+          </a:prstGeom>
+          <a:ln w="38100">
+            <a:solidFill>
+              <a:srgbClr val="00B0F0"/>
+            </a:solidFill>
+            <a:tailEnd type="triangle"/>
+          </a:ln>
+        </p:spPr>
+        <p:style>
+          <a:lnRef idx="1">
+            <a:schemeClr val="accent1"/>
+          </a:lnRef>
+          <a:fillRef idx="0">
+            <a:schemeClr val="accent1"/>
+          </a:fillRef>
+          <a:effectRef idx="0">
+            <a:schemeClr val="accent1"/>
+          </a:effectRef>
+          <a:fontRef idx="minor">
+            <a:schemeClr val="tx1"/>
+          </a:fontRef>
+        </p:style>
+      </p:cxnSp>
+      <p:sp>
+        <p:nvSpPr>
+          <p:cNvPr id="14" name="Прямоугольник 13">
+            <a:extLst>
+              <a:ext uri="{FF2B5EF4-FFF2-40B4-BE49-F238E27FC236}">
+                <a16:creationId xmlns:a16="http://schemas.microsoft.com/office/drawing/2014/main" id="{1E80CBA9-D910-4EE0-A656-D8BD626F50F2}"/>
+              </a:ext>
+            </a:extLst>
+          </p:cNvPr>
+          <p:cNvSpPr/>
+          <p:nvPr/>
+        </p:nvSpPr>
+        <p:spPr>
+          <a:xfrm>
+            <a:off x="7059958" y="1049153"/>
+            <a:ext cx="4936299" cy="5469093"/>
+          </a:xfrm>
+          <a:prstGeom prst="rect">
+            <a:avLst/>
+          </a:prstGeom>
+          <a:noFill/>
+          <a:ln w="19050">
+            <a:solidFill>
+              <a:srgbClr val="F39803"/>
+            </a:solidFill>
+          </a:ln>
+        </p:spPr>
+        <p:style>
+          <a:lnRef idx="2">
+            <a:schemeClr val="accent1">
+              <a:shade val="50000"/>
+            </a:schemeClr>
+          </a:lnRef>
+          <a:fillRef idx="1">
+            <a:schemeClr val="accent1"/>
+          </a:fillRef>
+          <a:effectRef idx="0">
+            <a:schemeClr val="accent1"/>
+          </a:effectRef>
+          <a:fontRef idx="minor">
+            <a:schemeClr val="lt1"/>
+          </a:fontRef>
+        </p:style>
+        <p:txBody>
+          <a:bodyPr rtlCol="0" anchor="ctr"/>
+          <a:lstStyle/>
+          <a:p>
+            <a:pPr algn="ctr"/>
+            <a:endParaRPr lang="ru-RU"/>
+          </a:p>
+        </p:txBody>
+      </p:sp>
+      <p:pic>
+        <p:nvPicPr>
+          <p:cNvPr id="19" name="Рисунок 18">
+            <a:extLst>
+              <a:ext uri="{FF2B5EF4-FFF2-40B4-BE49-F238E27FC236}">
+                <a16:creationId xmlns:a16="http://schemas.microsoft.com/office/drawing/2014/main" id="{05F03666-A347-4F6B-BB0C-B24F4E2A5365}"/>
+              </a:ext>
+            </a:extLst>
+          </p:cNvPr>
+          <p:cNvPicPr>
+            <a:picLocks noChangeAspect="1"/>
+          </p:cNvPicPr>
+          <p:nvPr/>
+        </p:nvPicPr>
+        <p:blipFill>
+          <a:blip r:embed="rId4" cstate="hqprint">
+            <a:extLst>
+              <a:ext uri="{28A0092B-C50C-407E-A947-70E740481C1C}">
+                <a14:useLocalDpi xmlns:a14="http://schemas.microsoft.com/office/drawing/2010/main" val="0"/>
+              </a:ext>
+            </a:extLst>
+          </a:blip>
+          <a:stretch>
+            <a:fillRect/>
+          </a:stretch>
+        </p:blipFill>
+        <p:spPr>
+          <a:xfrm>
+            <a:off x="8766973" y="1185273"/>
+            <a:ext cx="760680" cy="760680"/>
+          </a:xfrm>
+          <a:prstGeom prst="rect">
+            <a:avLst/>
+          </a:prstGeom>
+        </p:spPr>
+      </p:pic>
+      <p:sp>
+        <p:nvSpPr>
+          <p:cNvPr id="20" name="Прямоугольник 19">
+            <a:extLst>
+              <a:ext uri="{FF2B5EF4-FFF2-40B4-BE49-F238E27FC236}">
+                <a16:creationId xmlns:a16="http://schemas.microsoft.com/office/drawing/2014/main" id="{D3FC55D3-625B-4D91-AE76-4F7EC86195E3}"/>
+              </a:ext>
+            </a:extLst>
+          </p:cNvPr>
+          <p:cNvSpPr/>
+          <p:nvPr/>
+        </p:nvSpPr>
+        <p:spPr>
+          <a:xfrm>
+            <a:off x="8437704" y="1199553"/>
+            <a:ext cx="2179899" cy="746400"/>
+          </a:xfrm>
+          <a:prstGeom prst="rect">
+            <a:avLst/>
+          </a:prstGeom>
+          <a:noFill/>
+          <a:ln>
+            <a:noFill/>
+          </a:ln>
+        </p:spPr>
+        <p:style>
+          <a:lnRef idx="2">
+            <a:schemeClr val="accent1">
+              <a:shade val="50000"/>
+            </a:schemeClr>
+          </a:lnRef>
+          <a:fillRef idx="1">
+            <a:schemeClr val="accent1"/>
+          </a:fillRef>
+          <a:effectRef idx="0">
+            <a:schemeClr val="accent1"/>
+          </a:effectRef>
+          <a:fontRef idx="minor">
+            <a:schemeClr val="lt1"/>
+          </a:fontRef>
+        </p:style>
+        <p:txBody>
+          <a:bodyPr rtlCol="0" anchor="ctr"/>
+          <a:lstStyle/>
+          <a:p>
+            <a:pPr algn="ctr"/>
+            <a:r>
+              <a:rPr lang="en-US" dirty="0"/>
+              <a:t>                Node</a:t>
+            </a:r>
+            <a:endParaRPr lang="ru-RU" dirty="0"/>
+          </a:p>
+        </p:txBody>
+      </p:sp>
+      <p:sp>
+        <p:nvSpPr>
+          <p:cNvPr id="21" name="Прямоугольник 20">
+            <a:extLst>
+              <a:ext uri="{FF2B5EF4-FFF2-40B4-BE49-F238E27FC236}">
+                <a16:creationId xmlns:a16="http://schemas.microsoft.com/office/drawing/2014/main" id="{BBBAC4F8-D5FF-43A1-807F-9265DAE9C575}"/>
+              </a:ext>
+            </a:extLst>
+          </p:cNvPr>
+          <p:cNvSpPr/>
+          <p:nvPr/>
+        </p:nvSpPr>
+        <p:spPr>
+          <a:xfrm>
+            <a:off x="7180210" y="2177483"/>
+            <a:ext cx="4662868" cy="3953256"/>
           </a:xfrm>
           <a:prstGeom prst="rect">
             <a:avLst/>
@@ -9117,102 +9938,453 @@
           </a:fontRef>
         </p:style>
         <p:txBody>
+          <a:bodyPr rtlCol="0" anchor="t"/>
+          <a:lstStyle/>
+          <a:p>
+            <a:r>
+              <a:rPr lang="en-US" sz="1000" dirty="0"/>
+              <a:t>cd m1/</a:t>
+            </a:r>
+            <a:r>
+              <a:rPr lang="en-US" sz="1000" dirty="0" err="1"/>
+              <a:t>final_project</a:t>
+            </a:r>
+            <a:r>
+              <a:rPr lang="en-US" sz="1000" dirty="0"/>
+              <a:t>/</a:t>
+            </a:r>
+            <a:r>
+              <a:rPr lang="en-US" sz="1000" dirty="0" err="1"/>
+              <a:t>petclinic</a:t>
+            </a:r>
+            <a:r>
+              <a:rPr lang="en-US" sz="1000" dirty="0"/>
+              <a:t>/</a:t>
+            </a:r>
+          </a:p>
+          <a:p>
+            <a:endParaRPr lang="en-US" sz="1000" dirty="0"/>
+          </a:p>
+          <a:p>
+            <a:r>
+              <a:rPr lang="en-US" sz="1000" dirty="0" err="1"/>
+              <a:t>chmod</a:t>
+            </a:r>
+            <a:r>
+              <a:rPr lang="en-US" sz="1000" dirty="0"/>
+              <a:t> +x ./</a:t>
+            </a:r>
+            <a:r>
+              <a:rPr lang="en-US" sz="1000" dirty="0" err="1"/>
+              <a:t>mvnw</a:t>
+            </a:r>
+            <a:endParaRPr lang="en-US" sz="1000" dirty="0"/>
+          </a:p>
+          <a:p>
+            <a:r>
+              <a:rPr lang="en-US" sz="1000" dirty="0"/>
+              <a:t>./</a:t>
+            </a:r>
+            <a:r>
+              <a:rPr lang="en-US" sz="1000" dirty="0" err="1"/>
+              <a:t>mvnw</a:t>
+            </a:r>
+            <a:r>
+              <a:rPr lang="en-US" sz="1000" dirty="0"/>
+              <a:t> package</a:t>
+            </a:r>
+          </a:p>
+          <a:p>
+            <a:endParaRPr lang="en-US" sz="1000" dirty="0"/>
+          </a:p>
+          <a:p>
+            <a:endParaRPr lang="en-US" sz="1000" dirty="0"/>
+          </a:p>
+          <a:p>
+            <a:endParaRPr lang="en-US" sz="1000" dirty="0"/>
+          </a:p>
+          <a:p>
+            <a:endParaRPr lang="en-US" sz="1000" dirty="0"/>
+          </a:p>
+          <a:p>
+            <a:endParaRPr lang="en-US" sz="1000" dirty="0"/>
+          </a:p>
+          <a:p>
+            <a:r>
+              <a:rPr lang="en-US" sz="1000" dirty="0" err="1"/>
+              <a:t>scp</a:t>
+            </a:r>
+            <a:r>
+              <a:rPr lang="en-US" sz="1000" dirty="0"/>
+              <a:t> -o </a:t>
+            </a:r>
+            <a:r>
+              <a:rPr lang="en-US" sz="1000" dirty="0" err="1"/>
+              <a:t>StrictHostKeyChecking</a:t>
+            </a:r>
+            <a:r>
+              <a:rPr lang="en-US" sz="1000" dirty="0"/>
+              <a:t>=no ubuntu@172.31.28.59:/var/lib/</a:t>
+            </a:r>
+            <a:r>
+              <a:rPr lang="en-US" sz="1000" dirty="0" err="1"/>
+              <a:t>jenkins</a:t>
+            </a:r>
+            <a:r>
+              <a:rPr lang="en-US" sz="1000" dirty="0"/>
+              <a:t>/workspace/</a:t>
+            </a:r>
+            <a:r>
+              <a:rPr lang="en-US" sz="1000" dirty="0" err="1"/>
+              <a:t>Create_WEB_Inf</a:t>
+            </a:r>
+            <a:r>
+              <a:rPr lang="en-US" sz="1000" dirty="0"/>
+              <a:t>/m1/</a:t>
+            </a:r>
+            <a:r>
+              <a:rPr lang="en-US" sz="1000" dirty="0" err="1"/>
+              <a:t>final_project</a:t>
+            </a:r>
+            <a:r>
+              <a:rPr lang="en-US" sz="1000" dirty="0"/>
+              <a:t>/</a:t>
+            </a:r>
+            <a:r>
+              <a:rPr lang="en-US" sz="1000" dirty="0" err="1"/>
+              <a:t>terraform_jenkins</a:t>
+            </a:r>
+            <a:r>
+              <a:rPr lang="en-US" sz="1000" dirty="0"/>
+              <a:t>/*.txt ~/workspace/FromGit_EC2_PetClinic/m1/</a:t>
+            </a:r>
+            <a:r>
+              <a:rPr lang="en-US" sz="1000" dirty="0" err="1"/>
+              <a:t>final_project</a:t>
+            </a:r>
+            <a:r>
+              <a:rPr lang="en-US" sz="1000" dirty="0"/>
+              <a:t>/</a:t>
+            </a:r>
+            <a:r>
+              <a:rPr lang="en-US" sz="1000" dirty="0" err="1"/>
+              <a:t>terraform_jenkins</a:t>
+            </a:r>
+            <a:r>
+              <a:rPr lang="en-US" sz="1000" dirty="0"/>
+              <a:t>/ </a:t>
+            </a:r>
+          </a:p>
+          <a:p>
+            <a:endParaRPr lang="en-US" sz="1000" dirty="0"/>
+          </a:p>
+          <a:p>
+            <a:endParaRPr lang="en-US" sz="1000" dirty="0"/>
+          </a:p>
+          <a:p>
+            <a:endParaRPr lang="en-US" sz="1000" dirty="0"/>
+          </a:p>
+          <a:p>
+            <a:r>
+              <a:rPr lang="en-US" sz="1000" dirty="0"/>
+              <a:t>export WEB2IP=$(cat ~/workspace/FromGit_EC2_PetClinic/m1/</a:t>
+            </a:r>
+            <a:r>
+              <a:rPr lang="en-US" sz="1000" dirty="0" err="1"/>
+              <a:t>final_project</a:t>
+            </a:r>
+            <a:r>
+              <a:rPr lang="en-US" sz="1000" dirty="0"/>
+              <a:t>/</a:t>
+            </a:r>
+            <a:r>
+              <a:rPr lang="en-US" sz="1000" dirty="0" err="1"/>
+              <a:t>terraform_jenkins</a:t>
+            </a:r>
+            <a:r>
+              <a:rPr lang="en-US" sz="1000" dirty="0"/>
+              <a:t>/WEB_2_publick_ip.txt)</a:t>
+            </a:r>
+          </a:p>
+          <a:p>
+            <a:r>
+              <a:rPr lang="en-US" sz="1000" dirty="0"/>
+              <a:t>echo $WEB2IP</a:t>
+            </a:r>
+          </a:p>
+          <a:p>
+            <a:endParaRPr lang="en-US" sz="1000" dirty="0"/>
+          </a:p>
+          <a:p>
+            <a:endParaRPr lang="en-US" sz="1000" dirty="0"/>
+          </a:p>
+          <a:p>
+            <a:endParaRPr lang="en-US" sz="1000" dirty="0"/>
+          </a:p>
+          <a:p>
+            <a:r>
+              <a:rPr lang="en-US" sz="1000" dirty="0" err="1"/>
+              <a:t>scp</a:t>
+            </a:r>
+            <a:r>
+              <a:rPr lang="en-US" sz="1000" dirty="0"/>
+              <a:t> -o </a:t>
+            </a:r>
+            <a:r>
+              <a:rPr lang="en-US" sz="1000" dirty="0" err="1"/>
+              <a:t>StrictHostKeyChecking</a:t>
+            </a:r>
+            <a:r>
+              <a:rPr lang="en-US" sz="1000" dirty="0"/>
+              <a:t>=no ./target/*.jar ubuntu@$WEB2IP:/home/ubuntu/</a:t>
+            </a:r>
+          </a:p>
+          <a:p>
+            <a:endParaRPr lang="en-US" sz="1000" dirty="0"/>
+          </a:p>
+          <a:p>
+            <a:endParaRPr lang="en-US" sz="1000" dirty="0"/>
+          </a:p>
+          <a:p>
+            <a:endParaRPr lang="en-US" sz="1000" dirty="0"/>
+          </a:p>
+          <a:p>
+            <a:endParaRPr lang="en-US" sz="1000" dirty="0"/>
+          </a:p>
+          <a:p>
+            <a:endParaRPr lang="ru-RU" sz="1000" dirty="0"/>
+          </a:p>
+        </p:txBody>
+      </p:sp>
+      <p:sp>
+        <p:nvSpPr>
+          <p:cNvPr id="26" name="Прямоугольник 25">
+            <a:extLst>
+              <a:ext uri="{FF2B5EF4-FFF2-40B4-BE49-F238E27FC236}">
+                <a16:creationId xmlns:a16="http://schemas.microsoft.com/office/drawing/2014/main" id="{8BE4150E-880D-4D32-ACD4-A205E2E82DAF}"/>
+              </a:ext>
+            </a:extLst>
+          </p:cNvPr>
+          <p:cNvSpPr/>
+          <p:nvPr/>
+        </p:nvSpPr>
+        <p:spPr>
+          <a:xfrm>
+            <a:off x="8383483" y="2523248"/>
+            <a:ext cx="1684965" cy="363619"/>
+          </a:xfrm>
+          <a:prstGeom prst="rect">
+            <a:avLst/>
+          </a:prstGeom>
+          <a:noFill/>
+          <a:ln>
+            <a:solidFill>
+              <a:srgbClr val="F39803"/>
+            </a:solidFill>
+          </a:ln>
+        </p:spPr>
+        <p:style>
+          <a:lnRef idx="2">
+            <a:schemeClr val="accent1">
+              <a:shade val="50000"/>
+            </a:schemeClr>
+          </a:lnRef>
+          <a:fillRef idx="1">
+            <a:schemeClr val="accent1"/>
+          </a:fillRef>
+          <a:effectRef idx="0">
+            <a:schemeClr val="accent1"/>
+          </a:effectRef>
+          <a:fontRef idx="minor">
+            <a:schemeClr val="lt1"/>
+          </a:fontRef>
+        </p:style>
+        <p:txBody>
           <a:bodyPr rtlCol="0" anchor="ctr"/>
           <a:lstStyle/>
           <a:p>
-            <a:r>
-              <a:rPr lang="en-US" sz="1400" dirty="0"/>
-              <a:t>echo "======Build Started======"</a:t>
-            </a:r>
-          </a:p>
-          <a:p>
-            <a:endParaRPr lang="en-US" sz="1400" dirty="0"/>
-          </a:p>
-          <a:p>
-            <a:r>
-              <a:rPr lang="en-US" sz="1400" dirty="0"/>
-              <a:t>cd m1/</a:t>
-            </a:r>
-            <a:r>
-              <a:rPr lang="en-US" sz="1400" dirty="0" err="1"/>
-              <a:t>petclinic</a:t>
-            </a:r>
-            <a:r>
-              <a:rPr lang="en-US" sz="1400" dirty="0"/>
-              <a:t>/</a:t>
-            </a:r>
-          </a:p>
-          <a:p>
-            <a:r>
-              <a:rPr lang="en-US" sz="1400" dirty="0" err="1"/>
-              <a:t>chmod</a:t>
-            </a:r>
-            <a:r>
-              <a:rPr lang="en-US" sz="1400" dirty="0"/>
-              <a:t> +x ./</a:t>
-            </a:r>
-            <a:r>
-              <a:rPr lang="en-US" sz="1400" dirty="0" err="1"/>
-              <a:t>mvnw</a:t>
-            </a:r>
-            <a:endParaRPr lang="en-US" sz="1400" dirty="0"/>
-          </a:p>
-          <a:p>
-            <a:r>
-              <a:rPr lang="en-US" sz="1400" dirty="0"/>
-              <a:t>./</a:t>
-            </a:r>
-            <a:r>
-              <a:rPr lang="en-US" sz="1400" dirty="0" err="1"/>
-              <a:t>mvnw</a:t>
-            </a:r>
-            <a:r>
-              <a:rPr lang="en-US" sz="1400" dirty="0"/>
-              <a:t> package</a:t>
-            </a:r>
-          </a:p>
-          <a:p>
-            <a:endParaRPr lang="en-US" sz="1400" dirty="0"/>
-          </a:p>
-          <a:p>
-            <a:endParaRPr lang="en-US" sz="1400" dirty="0"/>
-          </a:p>
-          <a:p>
-            <a:r>
-              <a:rPr lang="en-US" sz="1400" dirty="0" err="1"/>
-              <a:t>scp</a:t>
-            </a:r>
-            <a:r>
-              <a:rPr lang="en-US" sz="1400" dirty="0"/>
-              <a:t> -o </a:t>
-            </a:r>
-            <a:r>
-              <a:rPr lang="en-US" sz="1400" dirty="0" err="1"/>
-              <a:t>StrictHostKeyChecking</a:t>
-            </a:r>
-            <a:r>
-              <a:rPr lang="en-US" sz="1400" dirty="0"/>
-              <a:t>=no target/*.jar ubuntu@172.31.22.175:/home/ubuntu/</a:t>
-            </a:r>
-          </a:p>
-          <a:p>
-            <a:endParaRPr lang="en-US" sz="1400" dirty="0"/>
-          </a:p>
-          <a:p>
-            <a:r>
-              <a:rPr lang="en-US" sz="1400" dirty="0"/>
-              <a:t>echo "======Build Finished====="</a:t>
-            </a:r>
-            <a:endParaRPr lang="ru-RU" sz="1400" dirty="0"/>
+            <a:pPr algn="ctr"/>
+            <a:r>
+              <a:rPr lang="en-US" dirty="0"/>
+              <a:t>Build Java APP</a:t>
+            </a:r>
+            <a:endParaRPr lang="ru-RU" dirty="0"/>
+          </a:p>
+        </p:txBody>
+      </p:sp>
+      <p:sp>
+        <p:nvSpPr>
+          <p:cNvPr id="27" name="Прямоугольник 26">
+            <a:extLst>
+              <a:ext uri="{FF2B5EF4-FFF2-40B4-BE49-F238E27FC236}">
+                <a16:creationId xmlns:a16="http://schemas.microsoft.com/office/drawing/2014/main" id="{D516E3F5-12A9-4A13-A133-D988F95AC579}"/>
+              </a:ext>
+            </a:extLst>
+          </p:cNvPr>
+          <p:cNvSpPr/>
+          <p:nvPr/>
+        </p:nvSpPr>
+        <p:spPr>
+          <a:xfrm>
+            <a:off x="7285991" y="3243249"/>
+            <a:ext cx="4483327" cy="334363"/>
+          </a:xfrm>
+          <a:prstGeom prst="rect">
+            <a:avLst/>
+          </a:prstGeom>
+          <a:noFill/>
+          <a:ln>
+            <a:solidFill>
+              <a:srgbClr val="F39803"/>
+            </a:solidFill>
+          </a:ln>
+        </p:spPr>
+        <p:style>
+          <a:lnRef idx="2">
+            <a:schemeClr val="accent1">
+              <a:shade val="50000"/>
+            </a:schemeClr>
+          </a:lnRef>
+          <a:fillRef idx="1">
+            <a:schemeClr val="accent1"/>
+          </a:fillRef>
+          <a:effectRef idx="0">
+            <a:schemeClr val="accent1"/>
+          </a:effectRef>
+          <a:fontRef idx="minor">
+            <a:schemeClr val="lt1"/>
+          </a:fontRef>
+        </p:style>
+        <p:txBody>
+          <a:bodyPr rtlCol="0" anchor="ctr"/>
+          <a:lstStyle/>
+          <a:p>
+            <a:pPr algn="ctr"/>
+            <a:r>
+              <a:rPr lang="en-US" sz="1200" dirty="0"/>
+              <a:t>#copy WEB_2_publick_ip.txt from main Jenkins to workspace in Node</a:t>
+            </a:r>
+          </a:p>
+        </p:txBody>
+      </p:sp>
+      <p:sp>
+        <p:nvSpPr>
+          <p:cNvPr id="28" name="Прямоугольник 27">
+            <a:extLst>
+              <a:ext uri="{FF2B5EF4-FFF2-40B4-BE49-F238E27FC236}">
+                <a16:creationId xmlns:a16="http://schemas.microsoft.com/office/drawing/2014/main" id="{4320787C-BC1A-4ECA-AF34-231D4C78CD47}"/>
+              </a:ext>
+            </a:extLst>
+          </p:cNvPr>
+          <p:cNvSpPr/>
+          <p:nvPr/>
+        </p:nvSpPr>
+        <p:spPr>
+          <a:xfrm>
+            <a:off x="7285991" y="4392563"/>
+            <a:ext cx="3103306" cy="233871"/>
+          </a:xfrm>
+          <a:prstGeom prst="rect">
+            <a:avLst/>
+          </a:prstGeom>
+          <a:noFill/>
+          <a:ln>
+            <a:solidFill>
+              <a:srgbClr val="F39803"/>
+            </a:solidFill>
+          </a:ln>
+        </p:spPr>
+        <p:style>
+          <a:lnRef idx="2">
+            <a:schemeClr val="accent1">
+              <a:shade val="50000"/>
+            </a:schemeClr>
+          </a:lnRef>
+          <a:fillRef idx="1">
+            <a:schemeClr val="accent1"/>
+          </a:fillRef>
+          <a:effectRef idx="0">
+            <a:schemeClr val="accent1"/>
+          </a:effectRef>
+          <a:fontRef idx="minor">
+            <a:schemeClr val="lt1"/>
+          </a:fontRef>
+        </p:style>
+        <p:txBody>
+          <a:bodyPr rtlCol="0" anchor="ctr"/>
+          <a:lstStyle/>
+          <a:p>
+            <a:pPr algn="ctr"/>
+            <a:r>
+              <a:rPr lang="en-US" sz="1200" dirty="0"/>
+              <a:t>Create variables from WEB_2_publick_ip.txt  </a:t>
+            </a:r>
+            <a:endParaRPr lang="ru-RU" sz="1200" dirty="0"/>
+          </a:p>
+        </p:txBody>
+      </p:sp>
+      <p:sp>
+        <p:nvSpPr>
+          <p:cNvPr id="30" name="Прямоугольник 29">
+            <a:extLst>
+              <a:ext uri="{FF2B5EF4-FFF2-40B4-BE49-F238E27FC236}">
+                <a16:creationId xmlns:a16="http://schemas.microsoft.com/office/drawing/2014/main" id="{4DBDF248-F75A-45DE-B4A9-8A75BB223C5B}"/>
+              </a:ext>
+            </a:extLst>
+          </p:cNvPr>
+          <p:cNvSpPr/>
+          <p:nvPr/>
+        </p:nvSpPr>
+        <p:spPr>
+          <a:xfrm>
+            <a:off x="7280007" y="5442777"/>
+            <a:ext cx="3103306" cy="233871"/>
+          </a:xfrm>
+          <a:prstGeom prst="rect">
+            <a:avLst/>
+          </a:prstGeom>
+          <a:noFill/>
+          <a:ln>
+            <a:solidFill>
+              <a:srgbClr val="F39803"/>
+            </a:solidFill>
+          </a:ln>
+        </p:spPr>
+        <p:style>
+          <a:lnRef idx="2">
+            <a:schemeClr val="accent1">
+              <a:shade val="50000"/>
+            </a:schemeClr>
+          </a:lnRef>
+          <a:fillRef idx="1">
+            <a:schemeClr val="accent1"/>
+          </a:fillRef>
+          <a:effectRef idx="0">
+            <a:schemeClr val="accent1"/>
+          </a:effectRef>
+          <a:fontRef idx="minor">
+            <a:schemeClr val="lt1"/>
+          </a:fontRef>
+        </p:style>
+        <p:txBody>
+          <a:bodyPr rtlCol="0" anchor="ctr"/>
+          <a:lstStyle/>
+          <a:p>
+            <a:pPr algn="ctr"/>
+            <a:r>
+              <a:rPr lang="en-US" sz="1200" dirty="0"/>
+              <a:t>Copy .JAR to WEB Server</a:t>
+            </a:r>
+            <a:endParaRPr lang="ru-RU" sz="1200" dirty="0"/>
           </a:p>
         </p:txBody>
       </p:sp>
       <p:pic>
         <p:nvPicPr>
-          <p:cNvPr id="12" name="Рисунок 11">
-            <a:extLst>
-              <a:ext uri="{FF2B5EF4-FFF2-40B4-BE49-F238E27FC236}">
-                <a16:creationId xmlns:a16="http://schemas.microsoft.com/office/drawing/2014/main" id="{9475F139-8300-463C-941F-CF2C672A5649}"/>
+          <p:cNvPr id="33" name="Рисунок 32">
+            <a:extLst>
+              <a:ext uri="{FF2B5EF4-FFF2-40B4-BE49-F238E27FC236}">
+                <a16:creationId xmlns:a16="http://schemas.microsoft.com/office/drawing/2014/main" id="{590A96D7-87EC-4369-A784-EA25F2D003FE}"/>
               </a:ext>
             </a:extLst>
           </p:cNvPr>
@@ -9222,7 +10394,7 @@
           <p:nvPr/>
         </p:nvPicPr>
         <p:blipFill>
-          <a:blip r:embed="rId4">
+          <a:blip r:embed="rId2" cstate="hqprint">
             <a:extLst>
               <a:ext uri="{28A0092B-C50C-407E-A947-70E740481C1C}">
                 <a14:useLocalDpi xmlns:a14="http://schemas.microsoft.com/office/drawing/2010/main" val="0"/>
@@ -9235,18 +10407,175 @@
         </p:blipFill>
         <p:spPr>
           <a:xfrm>
-            <a:off x="8354727" y="4060187"/>
-            <a:ext cx="3379425" cy="2427936"/>
+            <a:off x="278666" y="1038025"/>
+            <a:ext cx="728784" cy="728784"/>
           </a:xfrm>
           <a:prstGeom prst="rect">
             <a:avLst/>
           </a:prstGeom>
         </p:spPr>
       </p:pic>
+      <p:sp>
+        <p:nvSpPr>
+          <p:cNvPr id="37" name="Прямоугольник 36">
+            <a:extLst>
+              <a:ext uri="{FF2B5EF4-FFF2-40B4-BE49-F238E27FC236}">
+                <a16:creationId xmlns:a16="http://schemas.microsoft.com/office/drawing/2014/main" id="{6C9AA619-4820-481F-88DB-A46DA22FA6F1}"/>
+              </a:ext>
+            </a:extLst>
+          </p:cNvPr>
+          <p:cNvSpPr/>
+          <p:nvPr/>
+        </p:nvSpPr>
+        <p:spPr>
+          <a:xfrm>
+            <a:off x="318782" y="2306972"/>
+            <a:ext cx="2942978" cy="2865305"/>
+          </a:xfrm>
+          <a:prstGeom prst="rect">
+            <a:avLst/>
+          </a:prstGeom>
+          <a:noFill/>
+          <a:ln>
+            <a:solidFill>
+              <a:srgbClr val="F39803"/>
+            </a:solidFill>
+          </a:ln>
+        </p:spPr>
+        <p:style>
+          <a:lnRef idx="2">
+            <a:schemeClr val="accent1">
+              <a:shade val="50000"/>
+            </a:schemeClr>
+          </a:lnRef>
+          <a:fillRef idx="1">
+            <a:schemeClr val="accent1"/>
+          </a:fillRef>
+          <a:effectRef idx="0">
+            <a:schemeClr val="accent1"/>
+          </a:effectRef>
+          <a:fontRef idx="minor">
+            <a:schemeClr val="lt1"/>
+          </a:fontRef>
+        </p:style>
+        <p:txBody>
+          <a:bodyPr rtlCol="0" anchor="t"/>
+          <a:lstStyle/>
+          <a:p>
+            <a:pPr algn="ctr"/>
+            <a:r>
+              <a:rPr lang="en-US" sz="1600" dirty="0"/>
+              <a:t>If Node doesn’t exist – it will be create</a:t>
+            </a:r>
+          </a:p>
+        </p:txBody>
+      </p:sp>
+      <p:sp>
+        <p:nvSpPr>
+          <p:cNvPr id="39" name="Прямоугольник 38">
+            <a:extLst>
+              <a:ext uri="{FF2B5EF4-FFF2-40B4-BE49-F238E27FC236}">
+                <a16:creationId xmlns:a16="http://schemas.microsoft.com/office/drawing/2014/main" id="{397424DF-CF58-40F6-AF7F-88FE575DF2D8}"/>
+              </a:ext>
+            </a:extLst>
+          </p:cNvPr>
+          <p:cNvSpPr/>
+          <p:nvPr/>
+        </p:nvSpPr>
+        <p:spPr>
+          <a:xfrm>
+            <a:off x="590645" y="5403437"/>
+            <a:ext cx="2399252" cy="914400"/>
+          </a:xfrm>
+          <a:prstGeom prst="rect">
+            <a:avLst/>
+          </a:prstGeom>
+          <a:noFill/>
+          <a:ln>
+            <a:solidFill>
+              <a:srgbClr val="F39803"/>
+            </a:solidFill>
+          </a:ln>
+        </p:spPr>
+        <p:style>
+          <a:lnRef idx="2">
+            <a:schemeClr val="accent1">
+              <a:shade val="50000"/>
+            </a:schemeClr>
+          </a:lnRef>
+          <a:fillRef idx="1">
+            <a:schemeClr val="accent1"/>
+          </a:fillRef>
+          <a:effectRef idx="0">
+            <a:schemeClr val="accent1"/>
+          </a:effectRef>
+          <a:fontRef idx="minor">
+            <a:schemeClr val="lt1"/>
+          </a:fontRef>
+        </p:style>
+        <p:txBody>
+          <a:bodyPr rtlCol="0" anchor="ctr"/>
+          <a:lstStyle/>
+          <a:p>
+            <a:pPr algn="ctr"/>
+            <a:r>
+              <a:rPr lang="en-US" dirty="0"/>
+              <a:t>Start Build Java APP</a:t>
+            </a:r>
+            <a:endParaRPr lang="ru-RU" dirty="0"/>
+          </a:p>
+        </p:txBody>
+      </p:sp>
+      <p:cxnSp>
+        <p:nvCxnSpPr>
+          <p:cNvPr id="41" name="Соединитель: уступ 40">
+            <a:extLst>
+              <a:ext uri="{FF2B5EF4-FFF2-40B4-BE49-F238E27FC236}">
+                <a16:creationId xmlns:a16="http://schemas.microsoft.com/office/drawing/2014/main" id="{33C8BA06-9916-4019-9D63-DDEA1BC525F5}"/>
+              </a:ext>
+            </a:extLst>
+          </p:cNvPr>
+          <p:cNvCxnSpPr>
+            <a:cxnSpLocks/>
+            <a:stCxn id="39" idx="3"/>
+            <a:endCxn id="14" idx="1"/>
+          </p:cNvCxnSpPr>
+          <p:nvPr/>
+        </p:nvCxnSpPr>
+        <p:spPr>
+          <a:xfrm flipV="1">
+            <a:off x="2989897" y="3783700"/>
+            <a:ext cx="4070061" cy="2076937"/>
+          </a:xfrm>
+          <a:prstGeom prst="bentConnector3">
+            <a:avLst/>
+          </a:prstGeom>
+          <a:ln w="38100">
+            <a:solidFill>
+              <a:srgbClr val="00B0F0"/>
+            </a:solidFill>
+            <a:tailEnd type="triangle"/>
+          </a:ln>
+        </p:spPr>
+        <p:style>
+          <a:lnRef idx="1">
+            <a:schemeClr val="accent1"/>
+          </a:lnRef>
+          <a:fillRef idx="0">
+            <a:schemeClr val="accent1"/>
+          </a:fillRef>
+          <a:effectRef idx="0">
+            <a:schemeClr val="accent1"/>
+          </a:effectRef>
+          <a:fontRef idx="minor">
+            <a:schemeClr val="tx1"/>
+          </a:fontRef>
+        </p:style>
+      </p:cxnSp>
     </p:spTree>
     <p:extLst>
       <p:ext uri="{BB962C8B-B14F-4D97-AF65-F5344CB8AC3E}">
-        <p14:creationId xmlns:p14="http://schemas.microsoft.com/office/powerpoint/2010/main" val="3328289033"/>
+        <p14:creationId xmlns:p14="http://schemas.microsoft.com/office/powerpoint/2010/main" val="2153390396"/>
       </p:ext>
     </p:extLst>
   </p:cSld>

--- a/m1/final_project/FinalProject.pptx
+++ b/m1/final_project/FinalProject.pptx
@@ -269,7 +269,7 @@
           <a:p>
             <a:fld id="{9686E81A-2217-4C1E-B4E1-FEDCECE0BAB0}" type="datetimeFigureOut">
               <a:rPr lang="ru-RU" smtClean="0"/>
-              <a:t>12.02.2022</a:t>
+              <a:t>14.02.2022</a:t>
             </a:fld>
             <a:endParaRPr lang="ru-RU"/>
           </a:p>
@@ -467,7 +467,7 @@
           <a:p>
             <a:fld id="{9686E81A-2217-4C1E-B4E1-FEDCECE0BAB0}" type="datetimeFigureOut">
               <a:rPr lang="ru-RU" smtClean="0"/>
-              <a:t>12.02.2022</a:t>
+              <a:t>14.02.2022</a:t>
             </a:fld>
             <a:endParaRPr lang="ru-RU"/>
           </a:p>
@@ -675,7 +675,7 @@
           <a:p>
             <a:fld id="{9686E81A-2217-4C1E-B4E1-FEDCECE0BAB0}" type="datetimeFigureOut">
               <a:rPr lang="ru-RU" smtClean="0"/>
-              <a:t>12.02.2022</a:t>
+              <a:t>14.02.2022</a:t>
             </a:fld>
             <a:endParaRPr lang="ru-RU"/>
           </a:p>
@@ -873,7 +873,7 @@
           <a:p>
             <a:fld id="{9686E81A-2217-4C1E-B4E1-FEDCECE0BAB0}" type="datetimeFigureOut">
               <a:rPr lang="ru-RU" smtClean="0"/>
-              <a:t>12.02.2022</a:t>
+              <a:t>14.02.2022</a:t>
             </a:fld>
             <a:endParaRPr lang="ru-RU"/>
           </a:p>
@@ -1148,7 +1148,7 @@
           <a:p>
             <a:fld id="{9686E81A-2217-4C1E-B4E1-FEDCECE0BAB0}" type="datetimeFigureOut">
               <a:rPr lang="ru-RU" smtClean="0"/>
-              <a:t>12.02.2022</a:t>
+              <a:t>14.02.2022</a:t>
             </a:fld>
             <a:endParaRPr lang="ru-RU"/>
           </a:p>
@@ -1413,7 +1413,7 @@
           <a:p>
             <a:fld id="{9686E81A-2217-4C1E-B4E1-FEDCECE0BAB0}" type="datetimeFigureOut">
               <a:rPr lang="ru-RU" smtClean="0"/>
-              <a:t>12.02.2022</a:t>
+              <a:t>14.02.2022</a:t>
             </a:fld>
             <a:endParaRPr lang="ru-RU"/>
           </a:p>
@@ -1825,7 +1825,7 @@
           <a:p>
             <a:fld id="{9686E81A-2217-4C1E-B4E1-FEDCECE0BAB0}" type="datetimeFigureOut">
               <a:rPr lang="ru-RU" smtClean="0"/>
-              <a:t>12.02.2022</a:t>
+              <a:t>14.02.2022</a:t>
             </a:fld>
             <a:endParaRPr lang="ru-RU"/>
           </a:p>
@@ -1966,7 +1966,7 @@
           <a:p>
             <a:fld id="{9686E81A-2217-4C1E-B4E1-FEDCECE0BAB0}" type="datetimeFigureOut">
               <a:rPr lang="ru-RU" smtClean="0"/>
-              <a:t>12.02.2022</a:t>
+              <a:t>14.02.2022</a:t>
             </a:fld>
             <a:endParaRPr lang="ru-RU"/>
           </a:p>
@@ -2079,7 +2079,7 @@
           <a:p>
             <a:fld id="{9686E81A-2217-4C1E-B4E1-FEDCECE0BAB0}" type="datetimeFigureOut">
               <a:rPr lang="ru-RU" smtClean="0"/>
-              <a:t>12.02.2022</a:t>
+              <a:t>14.02.2022</a:t>
             </a:fld>
             <a:endParaRPr lang="ru-RU"/>
           </a:p>
@@ -2390,7 +2390,7 @@
           <a:p>
             <a:fld id="{9686E81A-2217-4C1E-B4E1-FEDCECE0BAB0}" type="datetimeFigureOut">
               <a:rPr lang="ru-RU" smtClean="0"/>
-              <a:t>12.02.2022</a:t>
+              <a:t>14.02.2022</a:t>
             </a:fld>
             <a:endParaRPr lang="ru-RU"/>
           </a:p>
@@ -2678,7 +2678,7 @@
           <a:p>
             <a:fld id="{9686E81A-2217-4C1E-B4E1-FEDCECE0BAB0}" type="datetimeFigureOut">
               <a:rPr lang="ru-RU" smtClean="0"/>
-              <a:t>12.02.2022</a:t>
+              <a:t>14.02.2022</a:t>
             </a:fld>
             <a:endParaRPr lang="ru-RU"/>
           </a:p>
@@ -2919,7 +2919,7 @@
           <a:p>
             <a:fld id="{9686E81A-2217-4C1E-B4E1-FEDCECE0BAB0}" type="datetimeFigureOut">
               <a:rPr lang="ru-RU" smtClean="0"/>
-              <a:t>12.02.2022</a:t>
+              <a:t>14.02.2022</a:t>
             </a:fld>
             <a:endParaRPr lang="ru-RU"/>
           </a:p>
@@ -3379,6 +3379,16 @@
           </a:bodyPr>
           <a:lstStyle/>
           <a:p>
+            <a:r>
+              <a:rPr lang="en-US" sz="3200" dirty="0">
+                <a:solidFill>
+                  <a:schemeClr val="bg1">
+                    <a:lumMod val="95000"/>
+                  </a:schemeClr>
+                </a:solidFill>
+              </a:rPr>
+              <a:t/>
+            </a:r>
             <a:br>
               <a:rPr lang="en-US" sz="3200" dirty="0">
                 <a:solidFill>
@@ -3398,6 +3408,16 @@
               </a:rPr>
               <a:t>DevOps External Online Course</a:t>
             </a:r>
+            <a:r>
+              <a:rPr lang="en-US" sz="4400" dirty="0">
+                <a:solidFill>
+                  <a:schemeClr val="bg1">
+                    <a:lumMod val="95000"/>
+                  </a:schemeClr>
+                </a:solidFill>
+              </a:rPr>
+              <a:t/>
+            </a:r>
             <a:br>
               <a:rPr lang="en-US" sz="4400" dirty="0">
                 <a:solidFill>
@@ -3407,6 +3427,16 @@
                 </a:solidFill>
               </a:rPr>
             </a:br>
+            <a:r>
+              <a:rPr lang="en-US" sz="4400" dirty="0">
+                <a:solidFill>
+                  <a:schemeClr val="bg1">
+                    <a:lumMod val="95000"/>
+                  </a:schemeClr>
+                </a:solidFill>
+              </a:rPr>
+              <a:t/>
+            </a:r>
             <a:br>
               <a:rPr lang="en-US" sz="4400" dirty="0">
                 <a:solidFill>
@@ -3416,6 +3446,16 @@
                 </a:solidFill>
               </a:rPr>
             </a:br>
+            <a:r>
+              <a:rPr lang="en-US" sz="4400" dirty="0">
+                <a:solidFill>
+                  <a:schemeClr val="bg1">
+                    <a:lumMod val="95000"/>
+                  </a:schemeClr>
+                </a:solidFill>
+              </a:rPr>
+              <a:t/>
+            </a:r>
             <a:br>
               <a:rPr lang="en-US" sz="4400" dirty="0">
                 <a:solidFill>
@@ -3425,6 +3465,16 @@
                 </a:solidFill>
               </a:rPr>
             </a:br>
+            <a:r>
+              <a:rPr lang="ru-RU" sz="3600" dirty="0">
+                <a:solidFill>
+                  <a:schemeClr val="bg1">
+                    <a:lumMod val="95000"/>
+                  </a:schemeClr>
+                </a:solidFill>
+              </a:rPr>
+              <a:t/>
+            </a:r>
             <a:br>
               <a:rPr lang="ru-RU" sz="3600" dirty="0">
                 <a:solidFill>
@@ -3444,6 +3494,16 @@
               </a:rPr>
               <a:t>Final Project Presentation</a:t>
             </a:r>
+            <a:r>
+              <a:rPr lang="ru-RU" sz="4400" dirty="0">
+                <a:solidFill>
+                  <a:schemeClr val="bg1">
+                    <a:lumMod val="95000"/>
+                  </a:schemeClr>
+                </a:solidFill>
+              </a:rPr>
+              <a:t/>
+            </a:r>
             <a:br>
               <a:rPr lang="ru-RU" sz="4400" dirty="0">
                 <a:solidFill>
@@ -3493,6 +3553,16 @@
               </a:rPr>
               <a:t>Pipiline</a:t>
             </a:r>
+            <a:r>
+              <a:rPr lang="en-US" sz="3600" dirty="0">
+                <a:solidFill>
+                  <a:schemeClr val="bg1">
+                    <a:lumMod val="95000"/>
+                  </a:schemeClr>
+                </a:solidFill>
+              </a:rPr>
+              <a:t/>
+            </a:r>
             <a:br>
               <a:rPr lang="en-US" sz="3600" dirty="0">
                 <a:solidFill>
@@ -3512,6 +3582,16 @@
               </a:rPr>
               <a:t>PetClinic</a:t>
             </a:r>
+            <a:r>
+              <a:rPr lang="en-US" sz="4400" dirty="0">
+                <a:solidFill>
+                  <a:schemeClr val="bg1">
+                    <a:lumMod val="95000"/>
+                  </a:schemeClr>
+                </a:solidFill>
+              </a:rPr>
+              <a:t/>
+            </a:r>
             <a:br>
               <a:rPr lang="en-US" sz="4400" dirty="0">
                 <a:solidFill>
@@ -3521,6 +3601,16 @@
                 </a:solidFill>
               </a:rPr>
             </a:br>
+            <a:r>
+              <a:rPr lang="en-US" sz="4400" dirty="0">
+                <a:solidFill>
+                  <a:schemeClr val="bg1">
+                    <a:lumMod val="95000"/>
+                  </a:schemeClr>
+                </a:solidFill>
+              </a:rPr>
+              <a:t/>
+            </a:r>
             <a:br>
               <a:rPr lang="en-US" sz="4400" dirty="0">
                 <a:solidFill>
@@ -3530,6 +3620,16 @@
                 </a:solidFill>
               </a:rPr>
             </a:br>
+            <a:r>
+              <a:rPr lang="en-US" sz="4400" dirty="0">
+                <a:solidFill>
+                  <a:schemeClr val="bg1">
+                    <a:lumMod val="95000"/>
+                  </a:schemeClr>
+                </a:solidFill>
+              </a:rPr>
+              <a:t/>
+            </a:r>
             <a:br>
               <a:rPr lang="en-US" sz="4400" dirty="0">
                 <a:solidFill>
@@ -3539,6 +3639,16 @@
                 </a:solidFill>
               </a:rPr>
             </a:br>
+            <a:r>
+              <a:rPr lang="ru-RU" sz="4400" dirty="0">
+                <a:solidFill>
+                  <a:schemeClr val="bg1">
+                    <a:lumMod val="95000"/>
+                  </a:schemeClr>
+                </a:solidFill>
+              </a:rPr>
+              <a:t/>
+            </a:r>
             <a:br>
               <a:rPr lang="ru-RU" sz="4400" dirty="0">
                 <a:solidFill>
@@ -3558,6 +3668,16 @@
               </a:rPr>
               <a:t>Sinelnik Igor</a:t>
             </a:r>
+            <a:r>
+              <a:rPr lang="en-US" sz="4400" dirty="0">
+                <a:solidFill>
+                  <a:schemeClr val="bg1">
+                    <a:lumMod val="95000"/>
+                  </a:schemeClr>
+                </a:solidFill>
+              </a:rPr>
+              <a:t/>
+            </a:r>
             <a:br>
               <a:rPr lang="en-US" sz="4400" dirty="0">
                 <a:solidFill>
@@ -3567,6 +3687,10 @@
                 </a:solidFill>
               </a:rPr>
             </a:br>
+            <a:r>
+              <a:rPr lang="ru-RU" sz="2000" dirty="0"/>
+              <a:t/>
+            </a:r>
             <a:br>
               <a:rPr lang="ru-RU" sz="2000" dirty="0"/>
             </a:br>
@@ -3647,6 +3771,16 @@
           </a:bodyPr>
           <a:lstStyle/>
           <a:p>
+            <a:r>
+              <a:rPr lang="en-US" sz="3200" dirty="0">
+                <a:solidFill>
+                  <a:schemeClr val="bg1">
+                    <a:lumMod val="95000"/>
+                  </a:schemeClr>
+                </a:solidFill>
+              </a:rPr>
+              <a:t/>
+            </a:r>
             <a:br>
               <a:rPr lang="en-US" sz="3200" dirty="0">
                 <a:solidFill>
@@ -3656,6 +3790,10 @@
                 </a:solidFill>
               </a:rPr>
             </a:br>
+            <a:r>
+              <a:rPr lang="ru-RU" sz="2000" dirty="0"/>
+              <a:t/>
+            </a:r>
             <a:br>
               <a:rPr lang="ru-RU" sz="2000" dirty="0"/>
             </a:br>
@@ -4859,6 +4997,16 @@
           </a:bodyPr>
           <a:lstStyle/>
           <a:p>
+            <a:r>
+              <a:rPr lang="en-US" sz="3200" dirty="0">
+                <a:solidFill>
+                  <a:schemeClr val="bg1">
+                    <a:lumMod val="95000"/>
+                  </a:schemeClr>
+                </a:solidFill>
+              </a:rPr>
+              <a:t/>
+            </a:r>
             <a:br>
               <a:rPr lang="en-US" sz="3200" dirty="0">
                 <a:solidFill>
@@ -4868,6 +5016,10 @@
                 </a:solidFill>
               </a:rPr>
             </a:br>
+            <a:r>
+              <a:rPr lang="ru-RU" sz="2000" dirty="0"/>
+              <a:t/>
+            </a:r>
             <a:br>
               <a:rPr lang="ru-RU" sz="2000" dirty="0"/>
             </a:br>
@@ -5036,6 +5188,16 @@
           </a:bodyPr>
           <a:lstStyle/>
           <a:p>
+            <a:r>
+              <a:rPr lang="en-US" sz="4400" dirty="0">
+                <a:solidFill>
+                  <a:schemeClr val="bg1">
+                    <a:lumMod val="95000"/>
+                  </a:schemeClr>
+                </a:solidFill>
+              </a:rPr>
+              <a:t/>
+            </a:r>
             <a:br>
               <a:rPr lang="en-US" sz="4400" dirty="0">
                 <a:solidFill>
@@ -5045,6 +5207,10 @@
                 </a:solidFill>
               </a:rPr>
             </a:br>
+            <a:r>
+              <a:rPr lang="ru-RU" sz="2000" dirty="0"/>
+              <a:t/>
+            </a:r>
             <a:br>
               <a:rPr lang="ru-RU" sz="2000" dirty="0"/>
             </a:br>
@@ -5153,7 +5319,15 @@
           <a:p>
             <a:r>
               <a:rPr lang="en-US" dirty="0"/>
-              <a:t>Since y was yang – I interested in electronics, mechanics and other technical things.</a:t>
+              <a:t>Since </a:t>
+            </a:r>
+            <a:r>
+              <a:rPr lang="en-US" dirty="0" smtClean="0"/>
+              <a:t>I </a:t>
+            </a:r>
+            <a:r>
+              <a:rPr lang="en-US" dirty="0"/>
+              <a:t>was yang – I interested in electronics, mechanics and other technical things.</a:t>
             </a:r>
           </a:p>
           <a:p>
@@ -5243,6 +5417,16 @@
           </a:bodyPr>
           <a:lstStyle/>
           <a:p>
+            <a:r>
+              <a:rPr lang="en-US" sz="4400" dirty="0">
+                <a:solidFill>
+                  <a:schemeClr val="bg1">
+                    <a:lumMod val="95000"/>
+                  </a:schemeClr>
+                </a:solidFill>
+              </a:rPr>
+              <a:t/>
+            </a:r>
             <a:br>
               <a:rPr lang="en-US" sz="4400" dirty="0">
                 <a:solidFill>
@@ -5252,6 +5436,16 @@
                 </a:solidFill>
               </a:rPr>
             </a:br>
+            <a:r>
+              <a:rPr lang="en-US" sz="4400" dirty="0">
+                <a:solidFill>
+                  <a:schemeClr val="bg1">
+                    <a:lumMod val="95000"/>
+                  </a:schemeClr>
+                </a:solidFill>
+              </a:rPr>
+              <a:t/>
+            </a:r>
             <a:br>
               <a:rPr lang="en-US" sz="4400" dirty="0">
                 <a:solidFill>
@@ -5261,6 +5455,16 @@
                 </a:solidFill>
               </a:rPr>
             </a:br>
+            <a:r>
+              <a:rPr lang="en-US" sz="4400" dirty="0">
+                <a:solidFill>
+                  <a:schemeClr val="bg1">
+                    <a:lumMod val="95000"/>
+                  </a:schemeClr>
+                </a:solidFill>
+              </a:rPr>
+              <a:t/>
+            </a:r>
             <a:br>
               <a:rPr lang="en-US" sz="4400" dirty="0">
                 <a:solidFill>
@@ -5270,6 +5474,16 @@
                 </a:solidFill>
               </a:rPr>
             </a:br>
+            <a:r>
+              <a:rPr lang="en-US" sz="4400" dirty="0">
+                <a:solidFill>
+                  <a:schemeClr val="bg1">
+                    <a:lumMod val="95000"/>
+                  </a:schemeClr>
+                </a:solidFill>
+              </a:rPr>
+              <a:t/>
+            </a:r>
             <a:br>
               <a:rPr lang="en-US" sz="4400" dirty="0">
                 <a:solidFill>
@@ -5279,6 +5493,10 @@
                 </a:solidFill>
               </a:rPr>
             </a:br>
+            <a:r>
+              <a:rPr lang="ru-RU" sz="2000" dirty="0"/>
+              <a:t/>
+            </a:r>
             <a:br>
               <a:rPr lang="ru-RU" sz="2000" dirty="0"/>
             </a:br>
@@ -5486,6 +5704,16 @@
           </a:bodyPr>
           <a:lstStyle/>
           <a:p>
+            <a:r>
+              <a:rPr lang="en-US" sz="2800" dirty="0">
+                <a:solidFill>
+                  <a:schemeClr val="bg1">
+                    <a:lumMod val="95000"/>
+                  </a:schemeClr>
+                </a:solidFill>
+              </a:rPr>
+              <a:t/>
+            </a:r>
             <a:br>
               <a:rPr lang="en-US" sz="2800" dirty="0">
                 <a:solidFill>
@@ -5495,6 +5723,10 @@
                 </a:solidFill>
               </a:rPr>
             </a:br>
+            <a:r>
+              <a:rPr lang="ru-RU" sz="1800" dirty="0"/>
+              <a:t/>
+            </a:r>
             <a:br>
               <a:rPr lang="ru-RU" sz="1800" dirty="0"/>
             </a:br>
@@ -5719,7 +5951,15 @@
             </a:br>
             <a:r>
               <a:rPr lang="en-US" dirty="0"/>
-              <a:t>Server -Jenkins</a:t>
+              <a:t>Server </a:t>
+            </a:r>
+            <a:r>
+              <a:rPr lang="en-US" dirty="0" smtClean="0"/>
+              <a:t>–Jenkins / Terraform</a:t>
+            </a:r>
+            <a:r>
+              <a:rPr lang="en-US" dirty="0"/>
+              <a:t/>
             </a:r>
             <a:br>
               <a:rPr lang="en-US" dirty="0"/>
@@ -5805,6 +6045,16 @@
           </a:bodyPr>
           <a:lstStyle/>
           <a:p>
+            <a:r>
+              <a:rPr lang="en-US" sz="3200" dirty="0">
+                <a:solidFill>
+                  <a:schemeClr val="bg1">
+                    <a:lumMod val="95000"/>
+                  </a:schemeClr>
+                </a:solidFill>
+              </a:rPr>
+              <a:t/>
+            </a:r>
             <a:br>
               <a:rPr lang="en-US" sz="3200" dirty="0">
                 <a:solidFill>
@@ -5814,6 +6064,10 @@
                 </a:solidFill>
               </a:rPr>
             </a:br>
+            <a:r>
+              <a:rPr lang="ru-RU" sz="2000" dirty="0"/>
+              <a:t/>
+            </a:r>
             <a:br>
               <a:rPr lang="ru-RU" sz="2000" dirty="0"/>
             </a:br>
@@ -6105,6 +6359,16 @@
               </a:rPr>
               <a:t>Inf</a:t>
             </a:r>
+            <a:r>
+              <a:rPr lang="en-US" sz="1200" dirty="0">
+                <a:solidFill>
+                  <a:schemeClr val="bg1">
+                    <a:lumMod val="95000"/>
+                  </a:schemeClr>
+                </a:solidFill>
+              </a:rPr>
+              <a:t/>
+            </a:r>
             <a:br>
               <a:rPr lang="en-US" sz="1200" dirty="0">
                 <a:solidFill>
@@ -6285,6 +6549,16 @@
                 </a:solidFill>
               </a:rPr>
             </a:br>
+            <a:r>
+              <a:rPr lang="en-US" sz="1200" dirty="0">
+                <a:solidFill>
+                  <a:schemeClr val="bg1">
+                    <a:lumMod val="95000"/>
+                  </a:schemeClr>
+                </a:solidFill>
+              </a:rPr>
+              <a:t/>
+            </a:r>
             <a:br>
               <a:rPr lang="en-US" sz="1200" dirty="0">
                 <a:solidFill>
@@ -6643,6 +6917,16 @@
                 </a:solidFill>
               </a:rPr>
               <a:t>Petclinic_as_service</a:t>
+            </a:r>
+            <a:r>
+              <a:rPr lang="en-US" sz="1200" dirty="0">
+                <a:solidFill>
+                  <a:schemeClr val="bg1">
+                    <a:lumMod val="95000"/>
+                  </a:schemeClr>
+                </a:solidFill>
+              </a:rPr>
+              <a:t/>
             </a:r>
             <a:br>
               <a:rPr lang="en-US" sz="1200" dirty="0">
@@ -7234,6 +7518,16 @@
           </a:bodyPr>
           <a:lstStyle/>
           <a:p>
+            <a:r>
+              <a:rPr lang="en-US" sz="3200" dirty="0">
+                <a:solidFill>
+                  <a:schemeClr val="bg1">
+                    <a:lumMod val="95000"/>
+                  </a:schemeClr>
+                </a:solidFill>
+              </a:rPr>
+              <a:t/>
+            </a:r>
             <a:br>
               <a:rPr lang="en-US" sz="3200" dirty="0">
                 <a:solidFill>
@@ -7243,6 +7537,10 @@
                 </a:solidFill>
               </a:rPr>
             </a:br>
+            <a:r>
+              <a:rPr lang="ru-RU" sz="2000" dirty="0"/>
+              <a:t/>
+            </a:r>
             <a:br>
               <a:rPr lang="ru-RU" sz="2000" dirty="0"/>
             </a:br>
@@ -7657,12 +7955,12 @@
         </p:nvCxnSpPr>
         <p:spPr>
           <a:xfrm flipV="1">
-            <a:off x="2234281" y="2418406"/>
-            <a:ext cx="1467548" cy="3554872"/>
+            <a:off x="2234281" y="2669532"/>
+            <a:ext cx="2249651" cy="3303746"/>
           </a:xfrm>
           <a:prstGeom prst="bentConnector3">
             <a:avLst>
-              <a:gd name="adj1" fmla="val 66577"/>
+              <a:gd name="adj1" fmla="val 50000"/>
             </a:avLst>
           </a:prstGeom>
           <a:ln w="38100">
@@ -7695,8 +7993,8 @@
         </p:nvSpPr>
         <p:spPr>
           <a:xfrm>
-            <a:off x="3701829" y="1776125"/>
-            <a:ext cx="3500629" cy="1284562"/>
+            <a:off x="4483932" y="2172831"/>
+            <a:ext cx="1951036" cy="993402"/>
           </a:xfrm>
           <a:prstGeom prst="rect">
             <a:avLst/>
@@ -7748,6 +8046,16 @@
                 </a:solidFill>
               </a:rPr>
             </a:br>
+            <a:r>
+              <a:rPr lang="en-US" sz="1200" dirty="0">
+                <a:solidFill>
+                  <a:schemeClr val="bg1">
+                    <a:lumMod val="95000"/>
+                  </a:schemeClr>
+                </a:solidFill>
+              </a:rPr>
+              <a:t/>
+            </a:r>
             <a:br>
               <a:rPr lang="en-US" sz="1200" dirty="0">
                 <a:solidFill>
@@ -7801,8 +8109,8 @@
         </p:nvCxnSpPr>
         <p:spPr>
           <a:xfrm flipH="1">
-            <a:off x="5452143" y="3060687"/>
-            <a:ext cx="1" cy="1340388"/>
+            <a:off x="5452143" y="3166233"/>
+            <a:ext cx="7307" cy="1234842"/>
           </a:xfrm>
           <a:prstGeom prst="straightConnector1">
             <a:avLst/>
@@ -8041,6 +8349,16 @@
                 </a:solidFill>
               </a:rPr>
               <a:t>Petclinic_as_service</a:t>
+            </a:r>
+            <a:r>
+              <a:rPr lang="en-US" sz="1200" dirty="0">
+                <a:solidFill>
+                  <a:schemeClr val="bg1">
+                    <a:lumMod val="95000"/>
+                  </a:schemeClr>
+                </a:solidFill>
+              </a:rPr>
+              <a:t/>
             </a:r>
             <a:br>
               <a:rPr lang="en-US" sz="1200" dirty="0">
@@ -8218,6 +8536,16 @@
           </a:bodyPr>
           <a:lstStyle/>
           <a:p>
+            <a:r>
+              <a:rPr lang="en-US" sz="3200" dirty="0">
+                <a:solidFill>
+                  <a:schemeClr val="bg1">
+                    <a:lumMod val="95000"/>
+                  </a:schemeClr>
+                </a:solidFill>
+              </a:rPr>
+              <a:t/>
+            </a:r>
             <a:br>
               <a:rPr lang="en-US" sz="3200" dirty="0">
                 <a:solidFill>
@@ -8227,6 +8555,10 @@
                 </a:solidFill>
               </a:rPr>
             </a:br>
+            <a:r>
+              <a:rPr lang="ru-RU" sz="2000" dirty="0"/>
+              <a:t/>
+            </a:r>
             <a:br>
               <a:rPr lang="ru-RU" sz="2000" dirty="0"/>
             </a:br>
@@ -8413,7 +8745,7 @@
         </p:blipFill>
         <p:spPr>
           <a:xfrm>
-            <a:off x="1615034" y="1744493"/>
+            <a:off x="1615034" y="1894122"/>
             <a:ext cx="3085521" cy="2690287"/>
           </a:xfrm>
           <a:prstGeom prst="rect">
@@ -8697,6 +9029,16 @@
           </a:bodyPr>
           <a:lstStyle/>
           <a:p>
+            <a:r>
+              <a:rPr lang="en-US" sz="3200" dirty="0">
+                <a:solidFill>
+                  <a:schemeClr val="bg1">
+                    <a:lumMod val="95000"/>
+                  </a:schemeClr>
+                </a:solidFill>
+              </a:rPr>
+              <a:t/>
+            </a:r>
             <a:br>
               <a:rPr lang="en-US" sz="3200" dirty="0">
                 <a:solidFill>
@@ -8706,6 +9048,10 @@
                 </a:solidFill>
               </a:rPr>
             </a:br>
+            <a:r>
+              <a:rPr lang="ru-RU" sz="2000" dirty="0"/>
+              <a:t/>
+            </a:r>
             <a:br>
               <a:rPr lang="ru-RU" sz="2000" dirty="0"/>
             </a:br>
@@ -8812,6 +9158,10 @@
             <a:endParaRPr lang="ru-RU" b="1" dirty="0"/>
           </a:p>
           <a:p>
+            <a:r>
+              <a:rPr lang="en-US" sz="1100" dirty="0"/>
+              <a:t/>
+            </a:r>
             <a:br>
               <a:rPr lang="en-US" sz="1100" dirty="0"/>
             </a:br>
@@ -9254,6 +9604,16 @@
           </a:bodyPr>
           <a:lstStyle/>
           <a:p>
+            <a:r>
+              <a:rPr lang="en-US" sz="3200" dirty="0">
+                <a:solidFill>
+                  <a:schemeClr val="bg1">
+                    <a:lumMod val="95000"/>
+                  </a:schemeClr>
+                </a:solidFill>
+              </a:rPr>
+              <a:t/>
+            </a:r>
             <a:br>
               <a:rPr lang="en-US" sz="3200" dirty="0">
                 <a:solidFill>
@@ -9263,6 +9623,10 @@
                 </a:solidFill>
               </a:rPr>
             </a:br>
+            <a:r>
+              <a:rPr lang="ru-RU" sz="2000" dirty="0"/>
+              <a:t/>
+            </a:r>
             <a:br>
               <a:rPr lang="ru-RU" sz="2000" dirty="0"/>
             </a:br>
@@ -10394,7 +10758,7 @@
           <p:nvPr/>
         </p:nvPicPr>
         <p:blipFill>
-          <a:blip r:embed="rId2" cstate="hqprint">
+          <a:blip r:embed="rId5" cstate="hqprint">
             <a:extLst>
               <a:ext uri="{28A0092B-C50C-407E-A947-70E740481C1C}">
                 <a14:useLocalDpi xmlns:a14="http://schemas.microsoft.com/office/drawing/2010/main" val="0"/>
